--- a/Slides/Lesson 8.4 Searching in a Graph.pptx
+++ b/Slides/Lesson 8.4 Searching in a Graph.pptx
@@ -2,54 +2,53 @@
 <file path=ppt/presentation.xml><?xml version="1.0" encoding="utf-8"?>
 <p:presentation xmlns:a="http://schemas.openxmlformats.org/drawingml/2006/main" xmlns:r="http://schemas.openxmlformats.org/officeDocument/2006/relationships" xmlns:p="http://schemas.openxmlformats.org/presentationml/2006/main" saveSubsetFonts="1">
   <p:sldMasterIdLst>
-    <p:sldMasterId id="2147483648" r:id="rId1"/>
+    <p:sldMasterId id="2147483660" r:id="rId1"/>
   </p:sldMasterIdLst>
   <p:notesMasterIdLst>
-    <p:notesMasterId r:id="rId39"/>
+    <p:notesMasterId r:id="rId38"/>
   </p:notesMasterIdLst>
   <p:sldIdLst>
-    <p:sldId id="257" r:id="rId2"/>
-    <p:sldId id="265" r:id="rId3"/>
-    <p:sldId id="325" r:id="rId4"/>
-    <p:sldId id="326" r:id="rId5"/>
-    <p:sldId id="291" r:id="rId6"/>
-    <p:sldId id="330" r:id="rId7"/>
-    <p:sldId id="331" r:id="rId8"/>
-    <p:sldId id="327" r:id="rId9"/>
-    <p:sldId id="329" r:id="rId10"/>
-    <p:sldId id="328" r:id="rId11"/>
-    <p:sldId id="302" r:id="rId12"/>
-    <p:sldId id="304" r:id="rId13"/>
-    <p:sldId id="305" r:id="rId14"/>
-    <p:sldId id="306" r:id="rId15"/>
-    <p:sldId id="307" r:id="rId16"/>
-    <p:sldId id="308" r:id="rId17"/>
-    <p:sldId id="313" r:id="rId18"/>
-    <p:sldId id="310" r:id="rId19"/>
-    <p:sldId id="314" r:id="rId20"/>
-    <p:sldId id="315" r:id="rId21"/>
-    <p:sldId id="316" r:id="rId22"/>
-    <p:sldId id="317" r:id="rId23"/>
-    <p:sldId id="318" r:id="rId24"/>
-    <p:sldId id="319" r:id="rId25"/>
-    <p:sldId id="320" r:id="rId26"/>
-    <p:sldId id="333" r:id="rId27"/>
-    <p:sldId id="334" r:id="rId28"/>
-    <p:sldId id="299" r:id="rId29"/>
-    <p:sldId id="339" r:id="rId30"/>
-    <p:sldId id="340" r:id="rId31"/>
-    <p:sldId id="341" r:id="rId32"/>
-    <p:sldId id="342" r:id="rId33"/>
-    <p:sldId id="343" r:id="rId34"/>
-    <p:sldId id="345" r:id="rId35"/>
-    <p:sldId id="300" r:id="rId36"/>
-    <p:sldId id="336" r:id="rId37"/>
-    <p:sldId id="337" r:id="rId38"/>
+    <p:sldId id="374" r:id="rId2"/>
+    <p:sldId id="375" r:id="rId3"/>
+    <p:sldId id="376" r:id="rId4"/>
+    <p:sldId id="377" r:id="rId5"/>
+    <p:sldId id="378" r:id="rId6"/>
+    <p:sldId id="379" r:id="rId7"/>
+    <p:sldId id="380" r:id="rId8"/>
+    <p:sldId id="381" r:id="rId9"/>
+    <p:sldId id="382" r:id="rId10"/>
+    <p:sldId id="383" r:id="rId11"/>
+    <p:sldId id="384" r:id="rId12"/>
+    <p:sldId id="385" r:id="rId13"/>
+    <p:sldId id="386" r:id="rId14"/>
+    <p:sldId id="387" r:id="rId15"/>
+    <p:sldId id="388" r:id="rId16"/>
+    <p:sldId id="389" r:id="rId17"/>
+    <p:sldId id="390" r:id="rId18"/>
+    <p:sldId id="391" r:id="rId19"/>
+    <p:sldId id="392" r:id="rId20"/>
+    <p:sldId id="393" r:id="rId21"/>
+    <p:sldId id="394" r:id="rId22"/>
+    <p:sldId id="395" r:id="rId23"/>
+    <p:sldId id="396" r:id="rId24"/>
+    <p:sldId id="397" r:id="rId25"/>
+    <p:sldId id="398" r:id="rId26"/>
+    <p:sldId id="399" r:id="rId27"/>
+    <p:sldId id="400" r:id="rId28"/>
+    <p:sldId id="402" r:id="rId29"/>
+    <p:sldId id="403" r:id="rId30"/>
+    <p:sldId id="404" r:id="rId31"/>
+    <p:sldId id="405" r:id="rId32"/>
+    <p:sldId id="406" r:id="rId33"/>
+    <p:sldId id="407" r:id="rId34"/>
+    <p:sldId id="408" r:id="rId35"/>
+    <p:sldId id="409" r:id="rId36"/>
+    <p:sldId id="410" r:id="rId37"/>
   </p:sldIdLst>
   <p:sldSz cx="9144000" cy="6858000" type="screen4x3"/>
   <p:notesSz cx="6858000" cy="9144000"/>
   <p:custDataLst>
-    <p:tags r:id="rId40"/>
+    <p:tags r:id="rId39"/>
   </p:custDataLst>
   <p:defaultTextStyle>
     <a:defPPr>
@@ -262,7 +261,7 @@
             <a:fld id="{CF8F25F6-E1EF-4065-8525-42EDEBD9BD22}" type="datetimeFigureOut">
               <a:rPr lang="en-US" smtClean="0"/>
               <a:pPr/>
-              <a:t>11/4/2014</a:t>
+              <a:t>10/5/2015</a:t>
             </a:fld>
             <a:endParaRPr lang="en-US"/>
           </a:p>
@@ -433,7 +432,7 @@
     </p:spTree>
     <p:extLst>
       <p:ext uri="{BB962C8B-B14F-4D97-AF65-F5344CB8AC3E}">
-        <p14:creationId xmlns:p14="http://schemas.microsoft.com/office/powerpoint/2010/main" val="2128575168"/>
+        <p14:creationId xmlns:p14="http://schemas.microsoft.com/office/powerpoint/2010/main" val="1260049746"/>
       </p:ext>
     </p:extLst>
   </p:cSld>
@@ -610,7 +609,7 @@
     </p:spTree>
     <p:extLst>
       <p:ext uri="{BB962C8B-B14F-4D97-AF65-F5344CB8AC3E}">
-        <p14:creationId xmlns:p14="http://schemas.microsoft.com/office/powerpoint/2010/main" val="249891085"/>
+        <p14:creationId xmlns:p14="http://schemas.microsoft.com/office/powerpoint/2010/main" val="2205041722"/>
       </p:ext>
     </p:extLst>
   </p:cSld>
@@ -695,7 +694,7 @@
     </p:spTree>
     <p:extLst>
       <p:ext uri="{BB962C8B-B14F-4D97-AF65-F5344CB8AC3E}">
-        <p14:creationId xmlns:p14="http://schemas.microsoft.com/office/powerpoint/2010/main" val="2806200601"/>
+        <p14:creationId xmlns:p14="http://schemas.microsoft.com/office/powerpoint/2010/main" val="1312278211"/>
       </p:ext>
     </p:extLst>
   </p:cSld>
@@ -780,7 +779,7 @@
     </p:spTree>
     <p:extLst>
       <p:ext uri="{BB962C8B-B14F-4D97-AF65-F5344CB8AC3E}">
-        <p14:creationId xmlns:p14="http://schemas.microsoft.com/office/powerpoint/2010/main" val="2806200601"/>
+        <p14:creationId xmlns:p14="http://schemas.microsoft.com/office/powerpoint/2010/main" val="1698737426"/>
       </p:ext>
     </p:extLst>
   </p:cSld>
@@ -865,7 +864,7 @@
     </p:spTree>
     <p:extLst>
       <p:ext uri="{BB962C8B-B14F-4D97-AF65-F5344CB8AC3E}">
-        <p14:creationId xmlns:p14="http://schemas.microsoft.com/office/powerpoint/2010/main" val="2806200601"/>
+        <p14:creationId xmlns:p14="http://schemas.microsoft.com/office/powerpoint/2010/main" val="546158459"/>
       </p:ext>
     </p:extLst>
   </p:cSld>
@@ -950,7 +949,7 @@
     </p:spTree>
     <p:extLst>
       <p:ext uri="{BB962C8B-B14F-4D97-AF65-F5344CB8AC3E}">
-        <p14:creationId xmlns:p14="http://schemas.microsoft.com/office/powerpoint/2010/main" val="2806200601"/>
+        <p14:creationId xmlns:p14="http://schemas.microsoft.com/office/powerpoint/2010/main" val="3742882840"/>
       </p:ext>
     </p:extLst>
   </p:cSld>
@@ -1035,7 +1034,7 @@
     </p:spTree>
     <p:extLst>
       <p:ext uri="{BB962C8B-B14F-4D97-AF65-F5344CB8AC3E}">
-        <p14:creationId xmlns:p14="http://schemas.microsoft.com/office/powerpoint/2010/main" val="2806200601"/>
+        <p14:creationId xmlns:p14="http://schemas.microsoft.com/office/powerpoint/2010/main" val="392529106"/>
       </p:ext>
     </p:extLst>
   </p:cSld>
@@ -1120,7 +1119,7 @@
     </p:spTree>
     <p:extLst>
       <p:ext uri="{BB962C8B-B14F-4D97-AF65-F5344CB8AC3E}">
-        <p14:creationId xmlns:p14="http://schemas.microsoft.com/office/powerpoint/2010/main" val="2806200601"/>
+        <p14:creationId xmlns:p14="http://schemas.microsoft.com/office/powerpoint/2010/main" val="3421583834"/>
       </p:ext>
     </p:extLst>
   </p:cSld>
@@ -1309,9 +1308,9 @@
           <a:bodyPr/>
           <a:lstStyle/>
           <a:p>
-            <a:fld id="{D8703FA8-B1C9-4D88-8C80-C080C2ADA2A2}" type="datetime1">
+            <a:fld id="{2F1F79F5-7BEC-496A-AFC7-876E38F64D71}" type="datetime1">
               <a:rPr lang="en-US" smtClean="0"/>
-              <a:t>11/4/2014</a:t>
+              <a:t>10/5/2015</a:t>
             </a:fld>
             <a:endParaRPr lang="en-US"/>
           </a:p>
@@ -1351,9 +1350,8 @@
           <a:bodyPr/>
           <a:lstStyle/>
           <a:p>
-            <a:fld id="{9F4492BD-6A9C-48FC-AC76-0B4FE11194A1}" type="slidenum">
+            <a:fld id="{2AF3B5EA-18B6-4040-9F78-6052AF49C681}" type="slidenum">
               <a:rPr lang="en-US" smtClean="0"/>
-              <a:pPr/>
               <a:t>‹#›</a:t>
             </a:fld>
             <a:endParaRPr lang="en-US"/>
@@ -1361,6 +1359,11 @@
         </p:txBody>
       </p:sp>
     </p:spTree>
+    <p:extLst>
+      <p:ext uri="{BB962C8B-B14F-4D97-AF65-F5344CB8AC3E}">
+        <p14:creationId xmlns:p14="http://schemas.microsoft.com/office/powerpoint/2010/main" val="2418005282"/>
+      </p:ext>
+    </p:extLst>
   </p:cSld>
   <p:clrMapOvr>
     <a:masterClrMapping/>
@@ -1376,6 +1379,378 @@
 </file>
 
 <file path=ppt/slideLayouts/slideLayout10.xml><?xml version="1.0" encoding="utf-8"?>
+<p:sldLayout xmlns:a="http://schemas.openxmlformats.org/drawingml/2006/main" xmlns:r="http://schemas.openxmlformats.org/officeDocument/2006/relationships" xmlns:p="http://schemas.openxmlformats.org/presentationml/2006/main" type="blank" preserve="1">
+  <p:cSld name="Blank">
+    <p:spTree>
+      <p:nvGrpSpPr>
+        <p:cNvPr id="1" name=""/>
+        <p:cNvGrpSpPr/>
+        <p:nvPr/>
+      </p:nvGrpSpPr>
+      <p:grpSpPr>
+        <a:xfrm>
+          <a:off x="0" y="0"/>
+          <a:ext cx="0" cy="0"/>
+          <a:chOff x="0" y="0"/>
+          <a:chExt cx="0" cy="0"/>
+        </a:xfrm>
+      </p:grpSpPr>
+      <p:sp>
+        <p:nvSpPr>
+          <p:cNvPr id="2" name="Date Placeholder 1"/>
+          <p:cNvSpPr>
+            <a:spLocks noGrp="1"/>
+          </p:cNvSpPr>
+          <p:nvPr>
+            <p:ph type="dt" sz="half" idx="10"/>
+          </p:nvPr>
+        </p:nvSpPr>
+        <p:spPr/>
+        <p:txBody>
+          <a:bodyPr/>
+          <a:lstStyle/>
+          <a:p>
+            <a:fld id="{0A05703A-7669-4FEA-9056-25299B4D29D4}" type="datetime1">
+              <a:rPr lang="en-US" smtClean="0"/>
+              <a:t>10/5/2015</a:t>
+            </a:fld>
+            <a:endParaRPr lang="en-US"/>
+          </a:p>
+        </p:txBody>
+      </p:sp>
+      <p:sp>
+        <p:nvSpPr>
+          <p:cNvPr id="3" name="Footer Placeholder 2"/>
+          <p:cNvSpPr>
+            <a:spLocks noGrp="1"/>
+          </p:cNvSpPr>
+          <p:nvPr>
+            <p:ph type="ftr" sz="quarter" idx="11"/>
+          </p:nvPr>
+        </p:nvSpPr>
+        <p:spPr/>
+        <p:txBody>
+          <a:bodyPr/>
+          <a:lstStyle/>
+          <a:p>
+            <a:endParaRPr lang="en-US"/>
+          </a:p>
+        </p:txBody>
+      </p:sp>
+      <p:sp>
+        <p:nvSpPr>
+          <p:cNvPr id="4" name="Slide Number Placeholder 3"/>
+          <p:cNvSpPr>
+            <a:spLocks noGrp="1"/>
+          </p:cNvSpPr>
+          <p:nvPr>
+            <p:ph type="sldNum" sz="quarter" idx="12"/>
+          </p:nvPr>
+        </p:nvSpPr>
+        <p:spPr/>
+        <p:txBody>
+          <a:bodyPr/>
+          <a:lstStyle/>
+          <a:p>
+            <a:fld id="{2AF3B5EA-18B6-4040-9F78-6052AF49C681}" type="slidenum">
+              <a:rPr lang="en-US" smtClean="0"/>
+              <a:t>‹#›</a:t>
+            </a:fld>
+            <a:endParaRPr lang="en-US"/>
+          </a:p>
+        </p:txBody>
+      </p:sp>
+    </p:spTree>
+    <p:extLst>
+      <p:ext uri="{BB962C8B-B14F-4D97-AF65-F5344CB8AC3E}">
+        <p14:creationId xmlns:p14="http://schemas.microsoft.com/office/powerpoint/2010/main" val="1832862371"/>
+      </p:ext>
+    </p:extLst>
+  </p:cSld>
+  <p:clrMapOvr>
+    <a:masterClrMapping/>
+  </p:clrMapOvr>
+</p:sldLayout>
+</file>
+
+<file path=ppt/slideLayouts/slideLayout11.xml><?xml version="1.0" encoding="utf-8"?>
+<p:sldLayout xmlns:a="http://schemas.openxmlformats.org/drawingml/2006/main" xmlns:r="http://schemas.openxmlformats.org/officeDocument/2006/relationships" xmlns:p="http://schemas.openxmlformats.org/presentationml/2006/main" type="objTx" preserve="1">
+  <p:cSld name="Content with Caption">
+    <p:spTree>
+      <p:nvGrpSpPr>
+        <p:cNvPr id="1" name=""/>
+        <p:cNvGrpSpPr/>
+        <p:nvPr/>
+      </p:nvGrpSpPr>
+      <p:grpSpPr>
+        <a:xfrm>
+          <a:off x="0" y="0"/>
+          <a:ext cx="0" cy="0"/>
+          <a:chOff x="0" y="0"/>
+          <a:chExt cx="0" cy="0"/>
+        </a:xfrm>
+      </p:grpSpPr>
+      <p:sp>
+        <p:nvSpPr>
+          <p:cNvPr id="2" name="Title 1"/>
+          <p:cNvSpPr>
+            <a:spLocks noGrp="1"/>
+          </p:cNvSpPr>
+          <p:nvPr>
+            <p:ph type="title"/>
+          </p:nvPr>
+        </p:nvSpPr>
+        <p:spPr>
+          <a:xfrm>
+            <a:off x="457200" y="273050"/>
+            <a:ext cx="3008313" cy="1162050"/>
+          </a:xfrm>
+        </p:spPr>
+        <p:txBody>
+          <a:bodyPr anchor="b"/>
+          <a:lstStyle>
+            <a:lvl1pPr algn="l">
+              <a:defRPr sz="2000" b="1"/>
+            </a:lvl1pPr>
+          </a:lstStyle>
+          <a:p>
+            <a:r>
+              <a:rPr lang="en-US" smtClean="0"/>
+              <a:t>Click to edit Master title style</a:t>
+            </a:r>
+            <a:endParaRPr lang="en-US"/>
+          </a:p>
+        </p:txBody>
+      </p:sp>
+      <p:sp>
+        <p:nvSpPr>
+          <p:cNvPr id="3" name="Content Placeholder 2"/>
+          <p:cNvSpPr>
+            <a:spLocks noGrp="1"/>
+          </p:cNvSpPr>
+          <p:nvPr>
+            <p:ph idx="1"/>
+          </p:nvPr>
+        </p:nvSpPr>
+        <p:spPr>
+          <a:xfrm>
+            <a:off x="3575050" y="273050"/>
+            <a:ext cx="5111750" cy="5853113"/>
+          </a:xfrm>
+        </p:spPr>
+        <p:txBody>
+          <a:bodyPr/>
+          <a:lstStyle>
+            <a:lvl1pPr>
+              <a:defRPr sz="3200"/>
+            </a:lvl1pPr>
+            <a:lvl2pPr>
+              <a:defRPr sz="2800"/>
+            </a:lvl2pPr>
+            <a:lvl3pPr>
+              <a:defRPr sz="2400"/>
+            </a:lvl3pPr>
+            <a:lvl4pPr>
+              <a:defRPr sz="2000"/>
+            </a:lvl4pPr>
+            <a:lvl5pPr>
+              <a:defRPr sz="2000"/>
+            </a:lvl5pPr>
+            <a:lvl6pPr>
+              <a:defRPr sz="2000"/>
+            </a:lvl6pPr>
+            <a:lvl7pPr>
+              <a:defRPr sz="2000"/>
+            </a:lvl7pPr>
+            <a:lvl8pPr>
+              <a:defRPr sz="2000"/>
+            </a:lvl8pPr>
+            <a:lvl9pPr>
+              <a:defRPr sz="2000"/>
+            </a:lvl9pPr>
+          </a:lstStyle>
+          <a:p>
+            <a:pPr lvl="0"/>
+            <a:r>
+              <a:rPr lang="en-US" smtClean="0"/>
+              <a:t>Click to edit Master text styles</a:t>
+            </a:r>
+          </a:p>
+          <a:p>
+            <a:pPr lvl="1"/>
+            <a:r>
+              <a:rPr lang="en-US" smtClean="0"/>
+              <a:t>Second level</a:t>
+            </a:r>
+          </a:p>
+          <a:p>
+            <a:pPr lvl="2"/>
+            <a:r>
+              <a:rPr lang="en-US" smtClean="0"/>
+              <a:t>Third level</a:t>
+            </a:r>
+          </a:p>
+          <a:p>
+            <a:pPr lvl="3"/>
+            <a:r>
+              <a:rPr lang="en-US" smtClean="0"/>
+              <a:t>Fourth level</a:t>
+            </a:r>
+          </a:p>
+          <a:p>
+            <a:pPr lvl="4"/>
+            <a:r>
+              <a:rPr lang="en-US" smtClean="0"/>
+              <a:t>Fifth level</a:t>
+            </a:r>
+            <a:endParaRPr lang="en-US"/>
+          </a:p>
+        </p:txBody>
+      </p:sp>
+      <p:sp>
+        <p:nvSpPr>
+          <p:cNvPr id="4" name="Text Placeholder 3"/>
+          <p:cNvSpPr>
+            <a:spLocks noGrp="1"/>
+          </p:cNvSpPr>
+          <p:nvPr>
+            <p:ph type="body" sz="half" idx="2"/>
+          </p:nvPr>
+        </p:nvSpPr>
+        <p:spPr>
+          <a:xfrm>
+            <a:off x="457200" y="1435100"/>
+            <a:ext cx="3008313" cy="4691063"/>
+          </a:xfrm>
+        </p:spPr>
+        <p:txBody>
+          <a:bodyPr/>
+          <a:lstStyle>
+            <a:lvl1pPr marL="0" indent="0">
+              <a:buNone/>
+              <a:defRPr sz="1400"/>
+            </a:lvl1pPr>
+            <a:lvl2pPr marL="457200" indent="0">
+              <a:buNone/>
+              <a:defRPr sz="1200"/>
+            </a:lvl2pPr>
+            <a:lvl3pPr marL="914400" indent="0">
+              <a:buNone/>
+              <a:defRPr sz="1000"/>
+            </a:lvl3pPr>
+            <a:lvl4pPr marL="1371600" indent="0">
+              <a:buNone/>
+              <a:defRPr sz="900"/>
+            </a:lvl4pPr>
+            <a:lvl5pPr marL="1828800" indent="0">
+              <a:buNone/>
+              <a:defRPr sz="900"/>
+            </a:lvl5pPr>
+            <a:lvl6pPr marL="2286000" indent="0">
+              <a:buNone/>
+              <a:defRPr sz="900"/>
+            </a:lvl6pPr>
+            <a:lvl7pPr marL="2743200" indent="0">
+              <a:buNone/>
+              <a:defRPr sz="900"/>
+            </a:lvl7pPr>
+            <a:lvl8pPr marL="3200400" indent="0">
+              <a:buNone/>
+              <a:defRPr sz="900"/>
+            </a:lvl8pPr>
+            <a:lvl9pPr marL="3657600" indent="0">
+              <a:buNone/>
+              <a:defRPr sz="900"/>
+            </a:lvl9pPr>
+          </a:lstStyle>
+          <a:p>
+            <a:pPr lvl="0"/>
+            <a:r>
+              <a:rPr lang="en-US" smtClean="0"/>
+              <a:t>Click to edit Master text styles</a:t>
+            </a:r>
+          </a:p>
+        </p:txBody>
+      </p:sp>
+      <p:sp>
+        <p:nvSpPr>
+          <p:cNvPr id="5" name="Date Placeholder 4"/>
+          <p:cNvSpPr>
+            <a:spLocks noGrp="1"/>
+          </p:cNvSpPr>
+          <p:nvPr>
+            <p:ph type="dt" sz="half" idx="10"/>
+          </p:nvPr>
+        </p:nvSpPr>
+        <p:spPr/>
+        <p:txBody>
+          <a:bodyPr/>
+          <a:lstStyle/>
+          <a:p>
+            <a:fld id="{6E5077B5-BB57-49DB-88CA-226A139E5C01}" type="datetime1">
+              <a:rPr lang="en-US" smtClean="0"/>
+              <a:t>10/5/2015</a:t>
+            </a:fld>
+            <a:endParaRPr lang="en-US"/>
+          </a:p>
+        </p:txBody>
+      </p:sp>
+      <p:sp>
+        <p:nvSpPr>
+          <p:cNvPr id="6" name="Footer Placeholder 5"/>
+          <p:cNvSpPr>
+            <a:spLocks noGrp="1"/>
+          </p:cNvSpPr>
+          <p:nvPr>
+            <p:ph type="ftr" sz="quarter" idx="11"/>
+          </p:nvPr>
+        </p:nvSpPr>
+        <p:spPr/>
+        <p:txBody>
+          <a:bodyPr/>
+          <a:lstStyle/>
+          <a:p>
+            <a:endParaRPr lang="en-US"/>
+          </a:p>
+        </p:txBody>
+      </p:sp>
+      <p:sp>
+        <p:nvSpPr>
+          <p:cNvPr id="7" name="Slide Number Placeholder 6"/>
+          <p:cNvSpPr>
+            <a:spLocks noGrp="1"/>
+          </p:cNvSpPr>
+          <p:nvPr>
+            <p:ph type="sldNum" sz="quarter" idx="12"/>
+          </p:nvPr>
+        </p:nvSpPr>
+        <p:spPr/>
+        <p:txBody>
+          <a:bodyPr/>
+          <a:lstStyle/>
+          <a:p>
+            <a:fld id="{2AF3B5EA-18B6-4040-9F78-6052AF49C681}" type="slidenum">
+              <a:rPr lang="en-US" smtClean="0"/>
+              <a:t>‹#›</a:t>
+            </a:fld>
+            <a:endParaRPr lang="en-US"/>
+          </a:p>
+        </p:txBody>
+      </p:sp>
+    </p:spTree>
+    <p:extLst>
+      <p:ext uri="{BB962C8B-B14F-4D97-AF65-F5344CB8AC3E}">
+        <p14:creationId xmlns:p14="http://schemas.microsoft.com/office/powerpoint/2010/main" val="1092863"/>
+      </p:ext>
+    </p:extLst>
+  </p:cSld>
+  <p:clrMapOvr>
+    <a:masterClrMapping/>
+  </p:clrMapOvr>
+</p:sldLayout>
+</file>
+
+<file path=ppt/slideLayouts/slideLayout12.xml><?xml version="1.0" encoding="utf-8"?>
 <p:sldLayout xmlns:a="http://schemas.openxmlformats.org/drawingml/2006/main" xmlns:r="http://schemas.openxmlformats.org/officeDocument/2006/relationships" xmlns:p="http://schemas.openxmlformats.org/presentationml/2006/main" type="picTx" preserve="1">
   <p:cSld name="Picture with Caption">
     <p:spTree>
@@ -1565,9 +1940,9 @@
           <a:bodyPr/>
           <a:lstStyle/>
           <a:p>
-            <a:fld id="{C0C7D80A-C708-435B-A17B-D67194ACB398}" type="datetime1">
+            <a:fld id="{C48D9447-CBD6-49A1-89FD-8512A8CF8999}" type="datetime1">
               <a:rPr lang="en-US" smtClean="0"/>
-              <a:t>11/4/2014</a:t>
+              <a:t>10/5/2015</a:t>
             </a:fld>
             <a:endParaRPr lang="en-US"/>
           </a:p>
@@ -1607,9 +1982,8 @@
           <a:bodyPr/>
           <a:lstStyle/>
           <a:p>
-            <a:fld id="{9F4492BD-6A9C-48FC-AC76-0B4FE11194A1}" type="slidenum">
+            <a:fld id="{2AF3B5EA-18B6-4040-9F78-6052AF49C681}" type="slidenum">
               <a:rPr lang="en-US" smtClean="0"/>
-              <a:pPr/>
               <a:t>‹#›</a:t>
             </a:fld>
             <a:endParaRPr lang="en-US"/>
@@ -1617,6 +1991,11 @@
         </p:txBody>
       </p:sp>
     </p:spTree>
+    <p:extLst>
+      <p:ext uri="{BB962C8B-B14F-4D97-AF65-F5344CB8AC3E}">
+        <p14:creationId xmlns:p14="http://schemas.microsoft.com/office/powerpoint/2010/main" val="3841925131"/>
+      </p:ext>
+    </p:extLst>
   </p:cSld>
   <p:clrMapOvr>
     <a:masterClrMapping/>
@@ -1624,7 +2003,7 @@
 </p:sldLayout>
 </file>
 
-<file path=ppt/slideLayouts/slideLayout11.xml><?xml version="1.0" encoding="utf-8"?>
+<file path=ppt/slideLayouts/slideLayout13.xml><?xml version="1.0" encoding="utf-8"?>
 <p:sldLayout xmlns:a="http://schemas.openxmlformats.org/drawingml/2006/main" xmlns:r="http://schemas.openxmlformats.org/officeDocument/2006/relationships" xmlns:p="http://schemas.openxmlformats.org/presentationml/2006/main" type="vertTx" preserve="1">
   <p:cSld name="Title and Vertical Text">
     <p:spTree>
@@ -1731,9 +2110,9 @@
           <a:bodyPr/>
           <a:lstStyle/>
           <a:p>
-            <a:fld id="{7049070A-9056-4CC5-B7DD-BD717C925F63}" type="datetime1">
+            <a:fld id="{A3639A2A-823D-48B7-9ACE-7FAF42870BA9}" type="datetime1">
               <a:rPr lang="en-US" smtClean="0"/>
-              <a:t>11/4/2014</a:t>
+              <a:t>10/5/2015</a:t>
             </a:fld>
             <a:endParaRPr lang="en-US"/>
           </a:p>
@@ -1773,9 +2152,8 @@
           <a:bodyPr/>
           <a:lstStyle/>
           <a:p>
-            <a:fld id="{9F4492BD-6A9C-48FC-AC76-0B4FE11194A1}" type="slidenum">
+            <a:fld id="{2AF3B5EA-18B6-4040-9F78-6052AF49C681}" type="slidenum">
               <a:rPr lang="en-US" smtClean="0"/>
-              <a:pPr/>
               <a:t>‹#›</a:t>
             </a:fld>
             <a:endParaRPr lang="en-US"/>
@@ -1783,6 +2161,11 @@
         </p:txBody>
       </p:sp>
     </p:spTree>
+    <p:extLst>
+      <p:ext uri="{BB962C8B-B14F-4D97-AF65-F5344CB8AC3E}">
+        <p14:creationId xmlns:p14="http://schemas.microsoft.com/office/powerpoint/2010/main" val="2769865735"/>
+      </p:ext>
+    </p:extLst>
   </p:cSld>
   <p:clrMapOvr>
     <a:masterClrMapping/>
@@ -1790,7 +2173,7 @@
 </p:sldLayout>
 </file>
 
-<file path=ppt/slideLayouts/slideLayout12.xml><?xml version="1.0" encoding="utf-8"?>
+<file path=ppt/slideLayouts/slideLayout14.xml><?xml version="1.0" encoding="utf-8"?>
 <p:sldLayout xmlns:a="http://schemas.openxmlformats.org/drawingml/2006/main" xmlns:r="http://schemas.openxmlformats.org/officeDocument/2006/relationships" xmlns:p="http://schemas.openxmlformats.org/presentationml/2006/main" type="vertTitleAndTx" preserve="1">
   <p:cSld name="Vertical Title and Text">
     <p:spTree>
@@ -1907,9 +2290,9 @@
           <a:bodyPr/>
           <a:lstStyle/>
           <a:p>
-            <a:fld id="{3A40266B-2A7E-41D8-8075-7F7904825666}" type="datetime1">
+            <a:fld id="{ED1B6996-82E9-463C-972C-7B56056E426C}" type="datetime1">
               <a:rPr lang="en-US" smtClean="0"/>
-              <a:t>11/4/2014</a:t>
+              <a:t>10/5/2015</a:t>
             </a:fld>
             <a:endParaRPr lang="en-US"/>
           </a:p>
@@ -1949,9 +2332,8 @@
           <a:bodyPr/>
           <a:lstStyle/>
           <a:p>
-            <a:fld id="{9F4492BD-6A9C-48FC-AC76-0B4FE11194A1}" type="slidenum">
+            <a:fld id="{2AF3B5EA-18B6-4040-9F78-6052AF49C681}" type="slidenum">
               <a:rPr lang="en-US" smtClean="0"/>
-              <a:pPr/>
               <a:t>‹#›</a:t>
             </a:fld>
             <a:endParaRPr lang="en-US"/>
@@ -1959,6 +2341,11 @@
         </p:txBody>
       </p:sp>
     </p:spTree>
+    <p:extLst>
+      <p:ext uri="{BB962C8B-B14F-4D97-AF65-F5344CB8AC3E}">
+        <p14:creationId xmlns:p14="http://schemas.microsoft.com/office/powerpoint/2010/main" val="818941470"/>
+      </p:ext>
+    </p:extLst>
   </p:cSld>
   <p:clrMapOvr>
     <a:masterClrMapping/>
@@ -1993,16 +2380,22 @@
             <p:ph type="title"/>
           </p:nvPr>
         </p:nvSpPr>
-        <p:spPr/>
+        <p:spPr>
+          <a:ln w="28575">
+            <a:solidFill>
+              <a:schemeClr val="accent1"/>
+            </a:solidFill>
+          </a:ln>
+        </p:spPr>
         <p:txBody>
           <a:bodyPr/>
           <a:lstStyle/>
           <a:p>
             <a:r>
-              <a:rPr lang="en-US" smtClean="0"/>
+              <a:rPr lang="en-US" dirty="0" smtClean="0"/>
               <a:t>Click to edit Master title style</a:t>
             </a:r>
-            <a:endParaRPr lang="en-US"/>
+            <a:endParaRPr lang="en-US" dirty="0"/>
           </a:p>
         </p:txBody>
       </p:sp>
@@ -2073,9 +2466,9 @@
           <a:bodyPr/>
           <a:lstStyle/>
           <a:p>
-            <a:fld id="{F1AB26BF-E3BA-4845-9BCC-9F9CFE95338A}" type="datetime1">
+            <a:fld id="{E22ED4DA-448D-4BB1-B935-CC112220207B}" type="datetime1">
               <a:rPr lang="en-US" smtClean="0"/>
-              <a:t>11/4/2014</a:t>
+              <a:t>10/5/2015</a:t>
             </a:fld>
             <a:endParaRPr lang="en-US"/>
           </a:p>
@@ -2115,9 +2508,8 @@
           <a:bodyPr/>
           <a:lstStyle/>
           <a:p>
-            <a:fld id="{9F4492BD-6A9C-48FC-AC76-0B4FE11194A1}" type="slidenum">
+            <a:fld id="{2AF3B5EA-18B6-4040-9F78-6052AF49C681}" type="slidenum">
               <a:rPr lang="en-US" smtClean="0"/>
-              <a:pPr/>
               <a:t>‹#›</a:t>
             </a:fld>
             <a:endParaRPr lang="en-US"/>
@@ -2125,6 +2517,11 @@
         </p:txBody>
       </p:sp>
     </p:spTree>
+    <p:extLst>
+      <p:ext uri="{BB962C8B-B14F-4D97-AF65-F5344CB8AC3E}">
+        <p14:creationId xmlns:p14="http://schemas.microsoft.com/office/powerpoint/2010/main" val="1538227916"/>
+      </p:ext>
+    </p:extLst>
   </p:cSld>
   <p:clrMapOvr>
     <a:masterClrMapping/>
@@ -2140,6 +2537,272 @@
 </file>
 
 <file path=ppt/slideLayouts/slideLayout3.xml><?xml version="1.0" encoding="utf-8"?>
+<p:sldLayout xmlns:a="http://schemas.openxmlformats.org/drawingml/2006/main" xmlns:r="http://schemas.openxmlformats.org/officeDocument/2006/relationships" xmlns:p="http://schemas.openxmlformats.org/presentationml/2006/main" type="obj" preserve="1">
+  <p:cSld name="Video">
+    <p:spTree>
+      <p:nvGrpSpPr>
+        <p:cNvPr id="1" name=""/>
+        <p:cNvGrpSpPr/>
+        <p:nvPr/>
+      </p:nvGrpSpPr>
+      <p:grpSpPr>
+        <a:xfrm>
+          <a:off x="0" y="0"/>
+          <a:ext cx="0" cy="0"/>
+          <a:chOff x="0" y="0"/>
+          <a:chExt cx="0" cy="0"/>
+        </a:xfrm>
+      </p:grpSpPr>
+      <p:sp>
+        <p:nvSpPr>
+          <p:cNvPr id="2" name="Title 1"/>
+          <p:cNvSpPr>
+            <a:spLocks noGrp="1"/>
+          </p:cNvSpPr>
+          <p:nvPr>
+            <p:ph type="title"/>
+          </p:nvPr>
+        </p:nvSpPr>
+        <p:spPr/>
+        <p:txBody>
+          <a:bodyPr/>
+          <a:lstStyle/>
+          <a:p>
+            <a:r>
+              <a:rPr lang="en-US" smtClean="0"/>
+              <a:t>Click to edit Master title style</a:t>
+            </a:r>
+            <a:endParaRPr lang="en-US"/>
+          </a:p>
+        </p:txBody>
+      </p:sp>
+      <p:sp>
+        <p:nvSpPr>
+          <p:cNvPr id="3" name="Content Placeholder 2"/>
+          <p:cNvSpPr>
+            <a:spLocks noGrp="1"/>
+          </p:cNvSpPr>
+          <p:nvPr>
+            <p:ph idx="1"/>
+          </p:nvPr>
+        </p:nvSpPr>
+        <p:spPr>
+          <a:xfrm>
+            <a:off x="1523999" y="2590798"/>
+            <a:ext cx="6096000" cy="2544763"/>
+          </a:xfrm>
+        </p:spPr>
+        <p:txBody>
+          <a:bodyPr/>
+          <a:lstStyle/>
+          <a:p>
+            <a:pPr lvl="0"/>
+            <a:r>
+              <a:rPr lang="en-US" dirty="0" smtClean="0"/>
+              <a:t>Click to edit Master text styles</a:t>
+            </a:r>
+          </a:p>
+          <a:p>
+            <a:pPr lvl="1"/>
+            <a:r>
+              <a:rPr lang="en-US" dirty="0" smtClean="0"/>
+              <a:t>Second level</a:t>
+            </a:r>
+          </a:p>
+          <a:p>
+            <a:pPr lvl="2"/>
+            <a:r>
+              <a:rPr lang="en-US" dirty="0" smtClean="0"/>
+              <a:t>Third level</a:t>
+            </a:r>
+          </a:p>
+          <a:p>
+            <a:pPr lvl="3"/>
+            <a:r>
+              <a:rPr lang="en-US" dirty="0" smtClean="0"/>
+              <a:t>Fourth level</a:t>
+            </a:r>
+          </a:p>
+          <a:p>
+            <a:pPr lvl="4"/>
+            <a:r>
+              <a:rPr lang="en-US" dirty="0" smtClean="0"/>
+              <a:t>Fifth level</a:t>
+            </a:r>
+            <a:endParaRPr lang="en-US" dirty="0"/>
+          </a:p>
+        </p:txBody>
+      </p:sp>
+      <p:sp>
+        <p:nvSpPr>
+          <p:cNvPr id="4" name="Date Placeholder 3"/>
+          <p:cNvSpPr>
+            <a:spLocks noGrp="1"/>
+          </p:cNvSpPr>
+          <p:nvPr>
+            <p:ph type="dt" sz="half" idx="10"/>
+          </p:nvPr>
+        </p:nvSpPr>
+        <p:spPr/>
+        <p:txBody>
+          <a:bodyPr/>
+          <a:lstStyle/>
+          <a:p>
+            <a:fld id="{E22ED4DA-448D-4BB1-B935-CC112220207B}" type="datetime1">
+              <a:rPr lang="en-US" smtClean="0"/>
+              <a:t>10/5/2015</a:t>
+            </a:fld>
+            <a:endParaRPr lang="en-US"/>
+          </a:p>
+        </p:txBody>
+      </p:sp>
+      <p:sp>
+        <p:nvSpPr>
+          <p:cNvPr id="5" name="Footer Placeholder 4"/>
+          <p:cNvSpPr>
+            <a:spLocks noGrp="1"/>
+          </p:cNvSpPr>
+          <p:nvPr>
+            <p:ph type="ftr" sz="quarter" idx="11"/>
+          </p:nvPr>
+        </p:nvSpPr>
+        <p:spPr/>
+        <p:txBody>
+          <a:bodyPr/>
+          <a:lstStyle/>
+          <a:p>
+            <a:endParaRPr lang="en-US"/>
+          </a:p>
+        </p:txBody>
+      </p:sp>
+      <p:sp>
+        <p:nvSpPr>
+          <p:cNvPr id="6" name="Slide Number Placeholder 5"/>
+          <p:cNvSpPr>
+            <a:spLocks noGrp="1"/>
+          </p:cNvSpPr>
+          <p:nvPr>
+            <p:ph type="sldNum" sz="quarter" idx="12"/>
+          </p:nvPr>
+        </p:nvSpPr>
+        <p:spPr/>
+        <p:txBody>
+          <a:bodyPr/>
+          <a:lstStyle/>
+          <a:p>
+            <a:fld id="{2AF3B5EA-18B6-4040-9F78-6052AF49C681}" type="slidenum">
+              <a:rPr lang="en-US" smtClean="0"/>
+              <a:t>‹#›</a:t>
+            </a:fld>
+            <a:endParaRPr lang="en-US"/>
+          </a:p>
+        </p:txBody>
+      </p:sp>
+      <p:sp>
+        <p:nvSpPr>
+          <p:cNvPr id="7" name="Rectangle 6"/>
+          <p:cNvSpPr/>
+          <p:nvPr userDrawn="1"/>
+        </p:nvSpPr>
+        <p:spPr>
+          <a:xfrm>
+            <a:off x="794551" y="1719223"/>
+            <a:ext cx="7554897" cy="4287915"/>
+          </a:xfrm>
+          <a:prstGeom prst="rect">
+            <a:avLst/>
+          </a:prstGeom>
+          <a:noFill/>
+          <a:ln w="12700">
+            <a:solidFill>
+              <a:schemeClr val="tx1"/>
+            </a:solidFill>
+          </a:ln>
+        </p:spPr>
+        <p:style>
+          <a:lnRef idx="2">
+            <a:schemeClr val="accent1">
+              <a:shade val="50000"/>
+            </a:schemeClr>
+          </a:lnRef>
+          <a:fillRef idx="1">
+            <a:schemeClr val="accent1"/>
+          </a:fillRef>
+          <a:effectRef idx="0">
+            <a:schemeClr val="accent1"/>
+          </a:effectRef>
+          <a:fontRef idx="minor">
+            <a:schemeClr val="lt1"/>
+          </a:fontRef>
+        </p:style>
+        <p:txBody>
+          <a:bodyPr rtlCol="0" anchor="ctr"/>
+          <a:lstStyle/>
+          <a:p>
+            <a:pPr algn="ctr"/>
+            <a:endParaRPr lang="en-US" dirty="0" smtClean="0">
+              <a:solidFill>
+                <a:schemeClr val="tx1"/>
+              </a:solidFill>
+            </a:endParaRPr>
+          </a:p>
+        </p:txBody>
+      </p:sp>
+      <p:sp>
+        <p:nvSpPr>
+          <p:cNvPr id="8" name="TextBox 7"/>
+          <p:cNvSpPr txBox="1"/>
+          <p:nvPr userDrawn="1"/>
+        </p:nvSpPr>
+        <p:spPr>
+          <a:xfrm>
+            <a:off x="5943600" y="1793674"/>
+            <a:ext cx="2286000" cy="646331"/>
+          </a:xfrm>
+          <a:prstGeom prst="rect">
+            <a:avLst/>
+          </a:prstGeom>
+          <a:noFill/>
+        </p:spPr>
+        <p:txBody>
+          <a:bodyPr wrap="square" rtlCol="0">
+            <a:spAutoFit/>
+          </a:bodyPr>
+          <a:lstStyle/>
+          <a:p>
+            <a:r>
+              <a:rPr lang="en-US" dirty="0" smtClean="0"/>
+              <a:t>Resize video to this</a:t>
+            </a:r>
+            <a:r>
+              <a:rPr lang="en-US" baseline="0" dirty="0" smtClean="0"/>
+              <a:t> box.</a:t>
+            </a:r>
+            <a:endParaRPr lang="en-US" dirty="0"/>
+          </a:p>
+        </p:txBody>
+      </p:sp>
+    </p:spTree>
+    <p:extLst>
+      <p:ext uri="{BB962C8B-B14F-4D97-AF65-F5344CB8AC3E}">
+        <p14:creationId xmlns:p14="http://schemas.microsoft.com/office/powerpoint/2010/main" val="1994672523"/>
+      </p:ext>
+    </p:extLst>
+  </p:cSld>
+  <p:clrMapOvr>
+    <a:masterClrMapping/>
+  </p:clrMapOvr>
+  <p:timing>
+    <p:tnLst>
+      <p:par>
+        <p:cTn id="1" dur="indefinite" restart="never" nodeType="tmRoot"/>
+      </p:par>
+    </p:tnLst>
+  </p:timing>
+</p:sldLayout>
+</file>
+
+<file path=ppt/slideLayouts/slideLayout4.xml><?xml version="1.0" encoding="utf-8"?>
 <p:sldLayout xmlns:a="http://schemas.openxmlformats.org/drawingml/2006/main" xmlns:r="http://schemas.openxmlformats.org/officeDocument/2006/relationships" xmlns:p="http://schemas.openxmlformats.org/presentationml/2006/main" type="obj" preserve="1">
   <p:cSld name="Code">
     <p:spTree>
@@ -2254,9 +2917,9 @@
           <a:bodyPr/>
           <a:lstStyle/>
           <a:p>
-            <a:fld id="{C7EDC622-077A-4D52-ACB6-22231AA09309}" type="datetime1">
+            <a:fld id="{FF5D65A6-AB94-4435-B0B7-3743215FA46C}" type="datetime1">
               <a:rPr lang="en-US" smtClean="0"/>
-              <a:t>11/4/2014</a:t>
+              <a:t>10/5/2015</a:t>
             </a:fld>
             <a:endParaRPr lang="en-US"/>
           </a:p>
@@ -2296,9 +2959,8 @@
           <a:bodyPr/>
           <a:lstStyle/>
           <a:p>
-            <a:fld id="{9F4492BD-6A9C-48FC-AC76-0B4FE11194A1}" type="slidenum">
+            <a:fld id="{2AF3B5EA-18B6-4040-9F78-6052AF49C681}" type="slidenum">
               <a:rPr lang="en-US" smtClean="0"/>
-              <a:pPr/>
               <a:t>‹#›</a:t>
             </a:fld>
             <a:endParaRPr lang="en-US"/>
@@ -2308,7 +2970,7 @@
     </p:spTree>
     <p:extLst>
       <p:ext uri="{BB962C8B-B14F-4D97-AF65-F5344CB8AC3E}">
-        <p14:creationId xmlns:p14="http://schemas.microsoft.com/office/powerpoint/2010/main" val="2992564840"/>
+        <p14:creationId xmlns:p14="http://schemas.microsoft.com/office/powerpoint/2010/main" val="49028735"/>
       </p:ext>
     </p:extLst>
   </p:cSld>
@@ -2325,7 +2987,241 @@
 </p:sldLayout>
 </file>
 
-<file path=ppt/slideLayouts/slideLayout4.xml><?xml version="1.0" encoding="utf-8"?>
+<file path=ppt/slideLayouts/slideLayout5.xml><?xml version="1.0" encoding="utf-8"?>
+<p:sldLayout xmlns:a="http://schemas.openxmlformats.org/drawingml/2006/main" xmlns:r="http://schemas.openxmlformats.org/officeDocument/2006/relationships" xmlns:p="http://schemas.openxmlformats.org/presentationml/2006/main" type="obj" preserve="1">
+  <p:cSld name="Video Clip">
+    <p:spTree>
+      <p:nvGrpSpPr>
+        <p:cNvPr id="1" name=""/>
+        <p:cNvGrpSpPr/>
+        <p:nvPr/>
+      </p:nvGrpSpPr>
+      <p:grpSpPr>
+        <a:xfrm>
+          <a:off x="0" y="0"/>
+          <a:ext cx="0" cy="0"/>
+          <a:chOff x="0" y="0"/>
+          <a:chExt cx="0" cy="0"/>
+        </a:xfrm>
+      </p:grpSpPr>
+      <p:sp>
+        <p:nvSpPr>
+          <p:cNvPr id="2" name="Title 1"/>
+          <p:cNvSpPr>
+            <a:spLocks noGrp="1"/>
+          </p:cNvSpPr>
+          <p:nvPr>
+            <p:ph type="title"/>
+          </p:nvPr>
+        </p:nvSpPr>
+        <p:spPr/>
+        <p:txBody>
+          <a:bodyPr/>
+          <a:lstStyle/>
+          <a:p>
+            <a:r>
+              <a:rPr lang="en-US" smtClean="0"/>
+              <a:t>Click to edit Master title style</a:t>
+            </a:r>
+            <a:endParaRPr lang="en-US"/>
+          </a:p>
+        </p:txBody>
+      </p:sp>
+      <p:sp>
+        <p:nvSpPr>
+          <p:cNvPr id="3" name="Content Placeholder 2"/>
+          <p:cNvSpPr>
+            <a:spLocks noGrp="1"/>
+          </p:cNvSpPr>
+          <p:nvPr>
+            <p:ph idx="1"/>
+          </p:nvPr>
+        </p:nvSpPr>
+        <p:spPr/>
+        <p:txBody>
+          <a:bodyPr/>
+          <a:lstStyle>
+            <a:lvl1pPr marL="0" indent="0">
+              <a:buNone/>
+              <a:defRPr b="1">
+                <a:latin typeface="Consolas" pitchFamily="49" charset="0"/>
+                <a:cs typeface="Consolas" pitchFamily="49" charset="0"/>
+              </a:defRPr>
+            </a:lvl1pPr>
+          </a:lstStyle>
+          <a:p>
+            <a:pPr lvl="0"/>
+            <a:r>
+              <a:rPr lang="en-US" dirty="0" smtClean="0"/>
+              <a:t>Click to edit Master text styles</a:t>
+            </a:r>
+          </a:p>
+          <a:p>
+            <a:pPr lvl="1"/>
+            <a:r>
+              <a:rPr lang="en-US" dirty="0" smtClean="0"/>
+              <a:t>Second level</a:t>
+            </a:r>
+          </a:p>
+          <a:p>
+            <a:pPr lvl="2"/>
+            <a:r>
+              <a:rPr lang="en-US" dirty="0" smtClean="0"/>
+              <a:t>Third level</a:t>
+            </a:r>
+          </a:p>
+          <a:p>
+            <a:pPr lvl="3"/>
+            <a:r>
+              <a:rPr lang="en-US" dirty="0" smtClean="0"/>
+              <a:t>Fourth level</a:t>
+            </a:r>
+          </a:p>
+          <a:p>
+            <a:pPr lvl="4"/>
+            <a:r>
+              <a:rPr lang="en-US" dirty="0" smtClean="0"/>
+              <a:t>Fifth level</a:t>
+            </a:r>
+            <a:endParaRPr lang="en-US" dirty="0"/>
+          </a:p>
+        </p:txBody>
+      </p:sp>
+      <p:sp>
+        <p:nvSpPr>
+          <p:cNvPr id="4" name="Date Placeholder 3"/>
+          <p:cNvSpPr>
+            <a:spLocks noGrp="1"/>
+          </p:cNvSpPr>
+          <p:nvPr>
+            <p:ph type="dt" sz="half" idx="10"/>
+          </p:nvPr>
+        </p:nvSpPr>
+        <p:spPr/>
+        <p:txBody>
+          <a:bodyPr/>
+          <a:lstStyle/>
+          <a:p>
+            <a:fld id="{FF5D65A6-AB94-4435-B0B7-3743215FA46C}" type="datetime1">
+              <a:rPr lang="en-US" smtClean="0"/>
+              <a:t>10/5/2015</a:t>
+            </a:fld>
+            <a:endParaRPr lang="en-US"/>
+          </a:p>
+        </p:txBody>
+      </p:sp>
+      <p:sp>
+        <p:nvSpPr>
+          <p:cNvPr id="5" name="Footer Placeholder 4"/>
+          <p:cNvSpPr>
+            <a:spLocks noGrp="1"/>
+          </p:cNvSpPr>
+          <p:nvPr>
+            <p:ph type="ftr" sz="quarter" idx="11"/>
+          </p:nvPr>
+        </p:nvSpPr>
+        <p:spPr/>
+        <p:txBody>
+          <a:bodyPr/>
+          <a:lstStyle/>
+          <a:p>
+            <a:endParaRPr lang="en-US"/>
+          </a:p>
+        </p:txBody>
+      </p:sp>
+      <p:sp>
+        <p:nvSpPr>
+          <p:cNvPr id="7" name="Rectangle 6"/>
+          <p:cNvSpPr/>
+          <p:nvPr userDrawn="1"/>
+        </p:nvSpPr>
+        <p:spPr>
+          <a:xfrm>
+            <a:off x="609600" y="1676400"/>
+            <a:ext cx="7924800" cy="4343400"/>
+          </a:xfrm>
+          <a:prstGeom prst="rect">
+            <a:avLst/>
+          </a:prstGeom>
+          <a:noFill/>
+          <a:ln/>
+        </p:spPr>
+        <p:style>
+          <a:lnRef idx="2">
+            <a:schemeClr val="dk1"/>
+          </a:lnRef>
+          <a:fillRef idx="1">
+            <a:schemeClr val="lt1"/>
+          </a:fillRef>
+          <a:effectRef idx="0">
+            <a:schemeClr val="dk1"/>
+          </a:effectRef>
+          <a:fontRef idx="minor">
+            <a:schemeClr val="dk1"/>
+          </a:fontRef>
+        </p:style>
+        <p:txBody>
+          <a:bodyPr rot="0" spcFirstLastPara="0" vertOverflow="overflow" horzOverflow="overflow" vert="horz" wrap="square" lIns="91440" tIns="45720" rIns="91440" bIns="45720" numCol="1" spcCol="0" rtlCol="0" fromWordArt="0" anchor="ctr" anchorCtr="0" forceAA="0" compatLnSpc="1">
+            <a:prstTxWarp prst="textNoShape">
+              <a:avLst/>
+            </a:prstTxWarp>
+            <a:noAutofit/>
+          </a:bodyPr>
+          <a:lstStyle/>
+          <a:p>
+            <a:pPr algn="ctr"/>
+            <a:endParaRPr lang="en-US" dirty="0">
+              <a:solidFill>
+                <a:schemeClr val="tx1"/>
+              </a:solidFill>
+            </a:endParaRPr>
+          </a:p>
+        </p:txBody>
+      </p:sp>
+      <p:sp>
+        <p:nvSpPr>
+          <p:cNvPr id="6" name="Slide Number Placeholder 5"/>
+          <p:cNvSpPr>
+            <a:spLocks noGrp="1"/>
+          </p:cNvSpPr>
+          <p:nvPr>
+            <p:ph type="sldNum" sz="quarter" idx="12"/>
+          </p:nvPr>
+        </p:nvSpPr>
+        <p:spPr/>
+        <p:txBody>
+          <a:bodyPr/>
+          <a:lstStyle/>
+          <a:p>
+            <a:fld id="{2AF3B5EA-18B6-4040-9F78-6052AF49C681}" type="slidenum">
+              <a:rPr lang="en-US" smtClean="0"/>
+              <a:t>‹#›</a:t>
+            </a:fld>
+            <a:endParaRPr lang="en-US"/>
+          </a:p>
+        </p:txBody>
+      </p:sp>
+    </p:spTree>
+    <p:extLst>
+      <p:ext uri="{BB962C8B-B14F-4D97-AF65-F5344CB8AC3E}">
+        <p14:creationId xmlns:p14="http://schemas.microsoft.com/office/powerpoint/2010/main" val="3362985592"/>
+      </p:ext>
+    </p:extLst>
+  </p:cSld>
+  <p:clrMapOvr>
+    <a:masterClrMapping/>
+  </p:clrMapOvr>
+  <p:timing>
+    <p:tnLst>
+      <p:par>
+        <p:cTn id="1" dur="indefinite" restart="never" nodeType="tmRoot"/>
+      </p:par>
+    </p:tnLst>
+  </p:timing>
+</p:sldLayout>
+</file>
+
+<file path=ppt/slideLayouts/slideLayout6.xml><?xml version="1.0" encoding="utf-8"?>
 <p:sldLayout xmlns:a="http://schemas.openxmlformats.org/drawingml/2006/main" xmlns:r="http://schemas.openxmlformats.org/officeDocument/2006/relationships" xmlns:p="http://schemas.openxmlformats.org/presentationml/2006/main" type="secHead" preserve="1">
   <p:cSld name="Section Header">
     <p:spTree>
@@ -2508,9 +3404,9 @@
           <a:bodyPr/>
           <a:lstStyle/>
           <a:p>
-            <a:fld id="{E44EE097-3CB6-4EB6-9423-CBCB319E6CFA}" type="datetime1">
+            <a:fld id="{7C193DC4-6EF0-48C9-B29C-616106A645E1}" type="datetime1">
               <a:rPr lang="en-US" smtClean="0"/>
-              <a:t>11/4/2014</a:t>
+              <a:t>10/5/2015</a:t>
             </a:fld>
             <a:endParaRPr lang="en-US"/>
           </a:p>
@@ -2550,9 +3446,8 @@
           <a:bodyPr/>
           <a:lstStyle/>
           <a:p>
-            <a:fld id="{9F4492BD-6A9C-48FC-AC76-0B4FE11194A1}" type="slidenum">
+            <a:fld id="{2AF3B5EA-18B6-4040-9F78-6052AF49C681}" type="slidenum">
               <a:rPr lang="en-US" smtClean="0"/>
-              <a:pPr/>
               <a:t>‹#›</a:t>
             </a:fld>
             <a:endParaRPr lang="en-US"/>
@@ -2560,6 +3455,11 @@
         </p:txBody>
       </p:sp>
     </p:spTree>
+    <p:extLst>
+      <p:ext uri="{BB962C8B-B14F-4D97-AF65-F5344CB8AC3E}">
+        <p14:creationId xmlns:p14="http://schemas.microsoft.com/office/powerpoint/2010/main" val="668499568"/>
+      </p:ext>
+    </p:extLst>
   </p:cSld>
   <p:clrMapOvr>
     <a:masterClrMapping/>
@@ -2567,7 +3467,7 @@
 </p:sldLayout>
 </file>
 
-<file path=ppt/slideLayouts/slideLayout5.xml><?xml version="1.0" encoding="utf-8"?>
+<file path=ppt/slideLayouts/slideLayout7.xml><?xml version="1.0" encoding="utf-8"?>
 <p:sldLayout xmlns:a="http://schemas.openxmlformats.org/drawingml/2006/main" xmlns:r="http://schemas.openxmlformats.org/officeDocument/2006/relationships" xmlns:p="http://schemas.openxmlformats.org/presentationml/2006/main" type="twoObj" preserve="1">
   <p:cSld name="Two Content">
     <p:spTree>
@@ -2792,9 +3692,9 @@
           <a:bodyPr/>
           <a:lstStyle/>
           <a:p>
-            <a:fld id="{975A18AA-ED34-4409-B4D1-69D08E972478}" type="datetime1">
+            <a:fld id="{5D1846AD-9252-4647-9435-4C2AC365653A}" type="datetime1">
               <a:rPr lang="en-US" smtClean="0"/>
-              <a:t>11/4/2014</a:t>
+              <a:t>10/5/2015</a:t>
             </a:fld>
             <a:endParaRPr lang="en-US"/>
           </a:p>
@@ -2834,9 +3734,8 @@
           <a:bodyPr/>
           <a:lstStyle/>
           <a:p>
-            <a:fld id="{9F4492BD-6A9C-48FC-AC76-0B4FE11194A1}" type="slidenum">
+            <a:fld id="{2AF3B5EA-18B6-4040-9F78-6052AF49C681}" type="slidenum">
               <a:rPr lang="en-US" smtClean="0"/>
-              <a:pPr/>
               <a:t>‹#›</a:t>
             </a:fld>
             <a:endParaRPr lang="en-US"/>
@@ -2844,6 +3743,11 @@
         </p:txBody>
       </p:sp>
     </p:spTree>
+    <p:extLst>
+      <p:ext uri="{BB962C8B-B14F-4D97-AF65-F5344CB8AC3E}">
+        <p14:creationId xmlns:p14="http://schemas.microsoft.com/office/powerpoint/2010/main" val="2055611612"/>
+      </p:ext>
+    </p:extLst>
   </p:cSld>
   <p:clrMapOvr>
     <a:masterClrMapping/>
@@ -2851,7 +3755,7 @@
 </p:sldLayout>
 </file>
 
-<file path=ppt/slideLayouts/slideLayout6.xml><?xml version="1.0" encoding="utf-8"?>
+<file path=ppt/slideLayouts/slideLayout8.xml><?xml version="1.0" encoding="utf-8"?>
 <p:sldLayout xmlns:a="http://schemas.openxmlformats.org/drawingml/2006/main" xmlns:r="http://schemas.openxmlformats.org/officeDocument/2006/relationships" xmlns:p="http://schemas.openxmlformats.org/presentationml/2006/main" type="twoTxTwoObj" preserve="1">
   <p:cSld name="Comparison">
     <p:spTree>
@@ -3210,9 +4114,9 @@
           <a:bodyPr/>
           <a:lstStyle/>
           <a:p>
-            <a:fld id="{9B8B7611-EA38-4A7C-94A9-291944B35B12}" type="datetime1">
+            <a:fld id="{CE56DC10-3561-4063-A6AF-C1CC7A41040A}" type="datetime1">
               <a:rPr lang="en-US" smtClean="0"/>
-              <a:t>11/4/2014</a:t>
+              <a:t>10/5/2015</a:t>
             </a:fld>
             <a:endParaRPr lang="en-US"/>
           </a:p>
@@ -3252,9 +4156,8 @@
           <a:bodyPr/>
           <a:lstStyle/>
           <a:p>
-            <a:fld id="{9F4492BD-6A9C-48FC-AC76-0B4FE11194A1}" type="slidenum">
+            <a:fld id="{2AF3B5EA-18B6-4040-9F78-6052AF49C681}" type="slidenum">
               <a:rPr lang="en-US" smtClean="0"/>
-              <a:pPr/>
               <a:t>‹#›</a:t>
             </a:fld>
             <a:endParaRPr lang="en-US"/>
@@ -3262,6 +4165,11 @@
         </p:txBody>
       </p:sp>
     </p:spTree>
+    <p:extLst>
+      <p:ext uri="{BB962C8B-B14F-4D97-AF65-F5344CB8AC3E}">
+        <p14:creationId xmlns:p14="http://schemas.microsoft.com/office/powerpoint/2010/main" val="2800391875"/>
+      </p:ext>
+    </p:extLst>
   </p:cSld>
   <p:clrMapOvr>
     <a:masterClrMapping/>
@@ -3269,7 +4177,7 @@
 </p:sldLayout>
 </file>
 
-<file path=ppt/slideLayouts/slideLayout7.xml><?xml version="1.0" encoding="utf-8"?>
+<file path=ppt/slideLayouts/slideLayout9.xml><?xml version="1.0" encoding="utf-8"?>
 <p:sldLayout xmlns:a="http://schemas.openxmlformats.org/drawingml/2006/main" xmlns:r="http://schemas.openxmlformats.org/officeDocument/2006/relationships" xmlns:p="http://schemas.openxmlformats.org/presentationml/2006/main" type="titleOnly" preserve="1">
   <p:cSld name="Title Only">
     <p:spTree>
@@ -3324,9 +4232,9 @@
           <a:bodyPr/>
           <a:lstStyle/>
           <a:p>
-            <a:fld id="{A97DBE5F-C49A-4346-AF3B-769A31D5A2E8}" type="datetime1">
+            <a:fld id="{2F7B77F5-1464-4F6B-92A8-64FC8A508293}" type="datetime1">
               <a:rPr lang="en-US" smtClean="0"/>
-              <a:t>11/4/2014</a:t>
+              <a:t>10/5/2015</a:t>
             </a:fld>
             <a:endParaRPr lang="en-US"/>
           </a:p>
@@ -3366,9 +4274,8 @@
           <a:bodyPr/>
           <a:lstStyle/>
           <a:p>
-            <a:fld id="{9F4492BD-6A9C-48FC-AC76-0B4FE11194A1}" type="slidenum">
+            <a:fld id="{2AF3B5EA-18B6-4040-9F78-6052AF49C681}" type="slidenum">
               <a:rPr lang="en-US" smtClean="0"/>
-              <a:pPr/>
               <a:t>‹#›</a:t>
             </a:fld>
             <a:endParaRPr lang="en-US"/>
@@ -3376,6 +4283,11 @@
         </p:txBody>
       </p:sp>
     </p:spTree>
+    <p:extLst>
+      <p:ext uri="{BB962C8B-B14F-4D97-AF65-F5344CB8AC3E}">
+        <p14:creationId xmlns:p14="http://schemas.microsoft.com/office/powerpoint/2010/main" val="3533345711"/>
+      </p:ext>
+    </p:extLst>
   </p:cSld>
   <p:clrMapOvr>
     <a:masterClrMapping/>
@@ -3390,372 +4302,8 @@
 </p:sldLayout>
 </file>
 
-<file path=ppt/slideLayouts/slideLayout8.xml><?xml version="1.0" encoding="utf-8"?>
-<p:sldLayout xmlns:a="http://schemas.openxmlformats.org/drawingml/2006/main" xmlns:r="http://schemas.openxmlformats.org/officeDocument/2006/relationships" xmlns:p="http://schemas.openxmlformats.org/presentationml/2006/main" type="blank" preserve="1">
-  <p:cSld name="Blank">
-    <p:spTree>
-      <p:nvGrpSpPr>
-        <p:cNvPr id="1" name=""/>
-        <p:cNvGrpSpPr/>
-        <p:nvPr/>
-      </p:nvGrpSpPr>
-      <p:grpSpPr>
-        <a:xfrm>
-          <a:off x="0" y="0"/>
-          <a:ext cx="0" cy="0"/>
-          <a:chOff x="0" y="0"/>
-          <a:chExt cx="0" cy="0"/>
-        </a:xfrm>
-      </p:grpSpPr>
-      <p:sp>
-        <p:nvSpPr>
-          <p:cNvPr id="2" name="Date Placeholder 1"/>
-          <p:cNvSpPr>
-            <a:spLocks noGrp="1"/>
-          </p:cNvSpPr>
-          <p:nvPr>
-            <p:ph type="dt" sz="half" idx="10"/>
-          </p:nvPr>
-        </p:nvSpPr>
-        <p:spPr/>
-        <p:txBody>
-          <a:bodyPr/>
-          <a:lstStyle/>
-          <a:p>
-            <a:fld id="{A2F6F76C-D5F8-4E06-AD29-5D4DEB49879F}" type="datetime1">
-              <a:rPr lang="en-US" smtClean="0"/>
-              <a:t>11/4/2014</a:t>
-            </a:fld>
-            <a:endParaRPr lang="en-US"/>
-          </a:p>
-        </p:txBody>
-      </p:sp>
-      <p:sp>
-        <p:nvSpPr>
-          <p:cNvPr id="3" name="Footer Placeholder 2"/>
-          <p:cNvSpPr>
-            <a:spLocks noGrp="1"/>
-          </p:cNvSpPr>
-          <p:nvPr>
-            <p:ph type="ftr" sz="quarter" idx="11"/>
-          </p:nvPr>
-        </p:nvSpPr>
-        <p:spPr/>
-        <p:txBody>
-          <a:bodyPr/>
-          <a:lstStyle/>
-          <a:p>
-            <a:endParaRPr lang="en-US"/>
-          </a:p>
-        </p:txBody>
-      </p:sp>
-      <p:sp>
-        <p:nvSpPr>
-          <p:cNvPr id="4" name="Slide Number Placeholder 3"/>
-          <p:cNvSpPr>
-            <a:spLocks noGrp="1"/>
-          </p:cNvSpPr>
-          <p:nvPr>
-            <p:ph type="sldNum" sz="quarter" idx="12"/>
-          </p:nvPr>
-        </p:nvSpPr>
-        <p:spPr/>
-        <p:txBody>
-          <a:bodyPr/>
-          <a:lstStyle/>
-          <a:p>
-            <a:fld id="{9F4492BD-6A9C-48FC-AC76-0B4FE11194A1}" type="slidenum">
-              <a:rPr lang="en-US" smtClean="0"/>
-              <a:pPr/>
-              <a:t>‹#›</a:t>
-            </a:fld>
-            <a:endParaRPr lang="en-US"/>
-          </a:p>
-        </p:txBody>
-      </p:sp>
-    </p:spTree>
-  </p:cSld>
-  <p:clrMapOvr>
-    <a:masterClrMapping/>
-  </p:clrMapOvr>
-</p:sldLayout>
-</file>
-
-<file path=ppt/slideLayouts/slideLayout9.xml><?xml version="1.0" encoding="utf-8"?>
-<p:sldLayout xmlns:a="http://schemas.openxmlformats.org/drawingml/2006/main" xmlns:r="http://schemas.openxmlformats.org/officeDocument/2006/relationships" xmlns:p="http://schemas.openxmlformats.org/presentationml/2006/main" type="objTx" preserve="1">
-  <p:cSld name="Content with Caption">
-    <p:spTree>
-      <p:nvGrpSpPr>
-        <p:cNvPr id="1" name=""/>
-        <p:cNvGrpSpPr/>
-        <p:nvPr/>
-      </p:nvGrpSpPr>
-      <p:grpSpPr>
-        <a:xfrm>
-          <a:off x="0" y="0"/>
-          <a:ext cx="0" cy="0"/>
-          <a:chOff x="0" y="0"/>
-          <a:chExt cx="0" cy="0"/>
-        </a:xfrm>
-      </p:grpSpPr>
-      <p:sp>
-        <p:nvSpPr>
-          <p:cNvPr id="2" name="Title 1"/>
-          <p:cNvSpPr>
-            <a:spLocks noGrp="1"/>
-          </p:cNvSpPr>
-          <p:nvPr>
-            <p:ph type="title"/>
-          </p:nvPr>
-        </p:nvSpPr>
-        <p:spPr>
-          <a:xfrm>
-            <a:off x="457200" y="273050"/>
-            <a:ext cx="3008313" cy="1162050"/>
-          </a:xfrm>
-        </p:spPr>
-        <p:txBody>
-          <a:bodyPr anchor="b"/>
-          <a:lstStyle>
-            <a:lvl1pPr algn="l">
-              <a:defRPr sz="2000" b="1"/>
-            </a:lvl1pPr>
-          </a:lstStyle>
-          <a:p>
-            <a:r>
-              <a:rPr lang="en-US" smtClean="0"/>
-              <a:t>Click to edit Master title style</a:t>
-            </a:r>
-            <a:endParaRPr lang="en-US"/>
-          </a:p>
-        </p:txBody>
-      </p:sp>
-      <p:sp>
-        <p:nvSpPr>
-          <p:cNvPr id="3" name="Content Placeholder 2"/>
-          <p:cNvSpPr>
-            <a:spLocks noGrp="1"/>
-          </p:cNvSpPr>
-          <p:nvPr>
-            <p:ph idx="1"/>
-          </p:nvPr>
-        </p:nvSpPr>
-        <p:spPr>
-          <a:xfrm>
-            <a:off x="3575050" y="273050"/>
-            <a:ext cx="5111750" cy="5853113"/>
-          </a:xfrm>
-        </p:spPr>
-        <p:txBody>
-          <a:bodyPr/>
-          <a:lstStyle>
-            <a:lvl1pPr>
-              <a:defRPr sz="3200"/>
-            </a:lvl1pPr>
-            <a:lvl2pPr>
-              <a:defRPr sz="2800"/>
-            </a:lvl2pPr>
-            <a:lvl3pPr>
-              <a:defRPr sz="2400"/>
-            </a:lvl3pPr>
-            <a:lvl4pPr>
-              <a:defRPr sz="2000"/>
-            </a:lvl4pPr>
-            <a:lvl5pPr>
-              <a:defRPr sz="2000"/>
-            </a:lvl5pPr>
-            <a:lvl6pPr>
-              <a:defRPr sz="2000"/>
-            </a:lvl6pPr>
-            <a:lvl7pPr>
-              <a:defRPr sz="2000"/>
-            </a:lvl7pPr>
-            <a:lvl8pPr>
-              <a:defRPr sz="2000"/>
-            </a:lvl8pPr>
-            <a:lvl9pPr>
-              <a:defRPr sz="2000"/>
-            </a:lvl9pPr>
-          </a:lstStyle>
-          <a:p>
-            <a:pPr lvl="0"/>
-            <a:r>
-              <a:rPr lang="en-US" smtClean="0"/>
-              <a:t>Click to edit Master text styles</a:t>
-            </a:r>
-          </a:p>
-          <a:p>
-            <a:pPr lvl="1"/>
-            <a:r>
-              <a:rPr lang="en-US" smtClean="0"/>
-              <a:t>Second level</a:t>
-            </a:r>
-          </a:p>
-          <a:p>
-            <a:pPr lvl="2"/>
-            <a:r>
-              <a:rPr lang="en-US" smtClean="0"/>
-              <a:t>Third level</a:t>
-            </a:r>
-          </a:p>
-          <a:p>
-            <a:pPr lvl="3"/>
-            <a:r>
-              <a:rPr lang="en-US" smtClean="0"/>
-              <a:t>Fourth level</a:t>
-            </a:r>
-          </a:p>
-          <a:p>
-            <a:pPr lvl="4"/>
-            <a:r>
-              <a:rPr lang="en-US" smtClean="0"/>
-              <a:t>Fifth level</a:t>
-            </a:r>
-            <a:endParaRPr lang="en-US"/>
-          </a:p>
-        </p:txBody>
-      </p:sp>
-      <p:sp>
-        <p:nvSpPr>
-          <p:cNvPr id="4" name="Text Placeholder 3"/>
-          <p:cNvSpPr>
-            <a:spLocks noGrp="1"/>
-          </p:cNvSpPr>
-          <p:nvPr>
-            <p:ph type="body" sz="half" idx="2"/>
-          </p:nvPr>
-        </p:nvSpPr>
-        <p:spPr>
-          <a:xfrm>
-            <a:off x="457200" y="1435100"/>
-            <a:ext cx="3008313" cy="4691063"/>
-          </a:xfrm>
-        </p:spPr>
-        <p:txBody>
-          <a:bodyPr/>
-          <a:lstStyle>
-            <a:lvl1pPr marL="0" indent="0">
-              <a:buNone/>
-              <a:defRPr sz="1400"/>
-            </a:lvl1pPr>
-            <a:lvl2pPr marL="457200" indent="0">
-              <a:buNone/>
-              <a:defRPr sz="1200"/>
-            </a:lvl2pPr>
-            <a:lvl3pPr marL="914400" indent="0">
-              <a:buNone/>
-              <a:defRPr sz="1000"/>
-            </a:lvl3pPr>
-            <a:lvl4pPr marL="1371600" indent="0">
-              <a:buNone/>
-              <a:defRPr sz="900"/>
-            </a:lvl4pPr>
-            <a:lvl5pPr marL="1828800" indent="0">
-              <a:buNone/>
-              <a:defRPr sz="900"/>
-            </a:lvl5pPr>
-            <a:lvl6pPr marL="2286000" indent="0">
-              <a:buNone/>
-              <a:defRPr sz="900"/>
-            </a:lvl6pPr>
-            <a:lvl7pPr marL="2743200" indent="0">
-              <a:buNone/>
-              <a:defRPr sz="900"/>
-            </a:lvl7pPr>
-            <a:lvl8pPr marL="3200400" indent="0">
-              <a:buNone/>
-              <a:defRPr sz="900"/>
-            </a:lvl8pPr>
-            <a:lvl9pPr marL="3657600" indent="0">
-              <a:buNone/>
-              <a:defRPr sz="900"/>
-            </a:lvl9pPr>
-          </a:lstStyle>
-          <a:p>
-            <a:pPr lvl="0"/>
-            <a:r>
-              <a:rPr lang="en-US" smtClean="0"/>
-              <a:t>Click to edit Master text styles</a:t>
-            </a:r>
-          </a:p>
-        </p:txBody>
-      </p:sp>
-      <p:sp>
-        <p:nvSpPr>
-          <p:cNvPr id="5" name="Date Placeholder 4"/>
-          <p:cNvSpPr>
-            <a:spLocks noGrp="1"/>
-          </p:cNvSpPr>
-          <p:nvPr>
-            <p:ph type="dt" sz="half" idx="10"/>
-          </p:nvPr>
-        </p:nvSpPr>
-        <p:spPr/>
-        <p:txBody>
-          <a:bodyPr/>
-          <a:lstStyle/>
-          <a:p>
-            <a:fld id="{A895E243-6AF9-4BC1-9166-4958E0E43CAE}" type="datetime1">
-              <a:rPr lang="en-US" smtClean="0"/>
-              <a:t>11/4/2014</a:t>
-            </a:fld>
-            <a:endParaRPr lang="en-US"/>
-          </a:p>
-        </p:txBody>
-      </p:sp>
-      <p:sp>
-        <p:nvSpPr>
-          <p:cNvPr id="6" name="Footer Placeholder 5"/>
-          <p:cNvSpPr>
-            <a:spLocks noGrp="1"/>
-          </p:cNvSpPr>
-          <p:nvPr>
-            <p:ph type="ftr" sz="quarter" idx="11"/>
-          </p:nvPr>
-        </p:nvSpPr>
-        <p:spPr/>
-        <p:txBody>
-          <a:bodyPr/>
-          <a:lstStyle/>
-          <a:p>
-            <a:endParaRPr lang="en-US"/>
-          </a:p>
-        </p:txBody>
-      </p:sp>
-      <p:sp>
-        <p:nvSpPr>
-          <p:cNvPr id="7" name="Slide Number Placeholder 6"/>
-          <p:cNvSpPr>
-            <a:spLocks noGrp="1"/>
-          </p:cNvSpPr>
-          <p:nvPr>
-            <p:ph type="sldNum" sz="quarter" idx="12"/>
-          </p:nvPr>
-        </p:nvSpPr>
-        <p:spPr/>
-        <p:txBody>
-          <a:bodyPr/>
-          <a:lstStyle/>
-          <a:p>
-            <a:fld id="{9F4492BD-6A9C-48FC-AC76-0B4FE11194A1}" type="slidenum">
-              <a:rPr lang="en-US" smtClean="0"/>
-              <a:pPr/>
-              <a:t>‹#›</a:t>
-            </a:fld>
-            <a:endParaRPr lang="en-US"/>
-          </a:p>
-        </p:txBody>
-      </p:sp>
-    </p:spTree>
-  </p:cSld>
-  <p:clrMapOvr>
-    <a:masterClrMapping/>
-  </p:clrMapOvr>
-</p:sldLayout>
-</file>
-
 <file path=ppt/slideMasters/slideMaster1.xml><?xml version="1.0" encoding="utf-8"?>
-<p:sldMaster xmlns:a="http://schemas.openxmlformats.org/drawingml/2006/main" xmlns:r="http://schemas.openxmlformats.org/officeDocument/2006/relationships" xmlns:p="http://schemas.openxmlformats.org/presentationml/2006/main">
+<p:sldMaster xmlns:a="http://schemas.openxmlformats.org/drawingml/2006/main" xmlns:r="http://schemas.openxmlformats.org/officeDocument/2006/relationships" xmlns:p="http://schemas.openxmlformats.org/presentationml/2006/main" preserve="1">
   <p:cSld>
     <p:bg>
       <p:bgRef idx="1001">
@@ -3795,6 +4343,18 @@
             <a:avLst/>
           </a:prstGeom>
         </p:spPr>
+        <p:style>
+          <a:lnRef idx="2">
+            <a:schemeClr val="accent1"/>
+          </a:lnRef>
+          <a:fillRef idx="1">
+            <a:schemeClr val="lt1"/>
+          </a:fillRef>
+          <a:effectRef idx="0">
+            <a:schemeClr val="accent1"/>
+          </a:effectRef>
+          <a:fontRef idx="none"/>
+        </p:style>
         <p:txBody>
           <a:bodyPr vert="horz" lIns="91440" tIns="45720" rIns="91440" bIns="45720" rtlCol="0" anchor="ctr">
             <a:normAutofit/>
@@ -3904,9 +4464,9 @@
             </a:lvl1pPr>
           </a:lstStyle>
           <a:p>
-            <a:fld id="{E7C2857B-1782-481C-B374-EC6651B50F07}" type="datetime1">
+            <a:fld id="{02B3F677-983B-48DB-ADFD-63FE6CBC7FB2}" type="datetime1">
               <a:rPr lang="en-US" smtClean="0"/>
-              <a:t>11/4/2014</a:t>
+              <a:t>10/5/2015</a:t>
             </a:fld>
             <a:endParaRPr lang="en-US"/>
           </a:p>
@@ -3982,9 +4542,8 @@
             </a:lvl1pPr>
           </a:lstStyle>
           <a:p>
-            <a:fld id="{9F4492BD-6A9C-48FC-AC76-0B4FE11194A1}" type="slidenum">
+            <a:fld id="{2AF3B5EA-18B6-4040-9F78-6052AF49C681}" type="slidenum">
               <a:rPr lang="en-US" smtClean="0"/>
-              <a:pPr/>
               <a:t>‹#›</a:t>
             </a:fld>
             <a:endParaRPr lang="en-US"/>
@@ -3992,21 +4551,28 @@
         </p:txBody>
       </p:sp>
     </p:spTree>
+    <p:extLst>
+      <p:ext uri="{BB962C8B-B14F-4D97-AF65-F5344CB8AC3E}">
+        <p14:creationId xmlns:p14="http://schemas.microsoft.com/office/powerpoint/2010/main" val="1217482791"/>
+      </p:ext>
+    </p:extLst>
   </p:cSld>
   <p:clrMap bg1="lt1" tx1="dk1" bg2="lt2" tx2="dk2" accent1="accent1" accent2="accent2" accent3="accent3" accent4="accent4" accent5="accent5" accent6="accent6" hlink="hlink" folHlink="folHlink"/>
   <p:sldLayoutIdLst>
-    <p:sldLayoutId id="2147483649" r:id="rId1"/>
-    <p:sldLayoutId id="2147483650" r:id="rId2"/>
-    <p:sldLayoutId id="2147483660" r:id="rId3"/>
-    <p:sldLayoutId id="2147483651" r:id="rId4"/>
-    <p:sldLayoutId id="2147483652" r:id="rId5"/>
-    <p:sldLayoutId id="2147483653" r:id="rId6"/>
-    <p:sldLayoutId id="2147483654" r:id="rId7"/>
-    <p:sldLayoutId id="2147483655" r:id="rId8"/>
-    <p:sldLayoutId id="2147483656" r:id="rId9"/>
-    <p:sldLayoutId id="2147483657" r:id="rId10"/>
-    <p:sldLayoutId id="2147483658" r:id="rId11"/>
-    <p:sldLayoutId id="2147483659" r:id="rId12"/>
+    <p:sldLayoutId id="2147483661" r:id="rId1"/>
+    <p:sldLayoutId id="2147483662" r:id="rId2"/>
+    <p:sldLayoutId id="2147483663" r:id="rId3"/>
+    <p:sldLayoutId id="2147483664" r:id="rId4"/>
+    <p:sldLayoutId id="2147483665" r:id="rId5"/>
+    <p:sldLayoutId id="2147483666" r:id="rId6"/>
+    <p:sldLayoutId id="2147483667" r:id="rId7"/>
+    <p:sldLayoutId id="2147483668" r:id="rId8"/>
+    <p:sldLayoutId id="2147483669" r:id="rId9"/>
+    <p:sldLayoutId id="2147483670" r:id="rId10"/>
+    <p:sldLayoutId id="2147483671" r:id="rId11"/>
+    <p:sldLayoutId id="2147483672" r:id="rId12"/>
+    <p:sldLayoutId id="2147483673" r:id="rId13"/>
+    <p:sldLayoutId id="2147483674" r:id="rId14"/>
   </p:sldLayoutIdLst>
   <p:timing>
     <p:tnLst>
@@ -4345,6 +4911,30 @@
       </p:sp>
       <p:sp>
         <p:nvSpPr>
+          <p:cNvPr id="11" name="Slide Number Placeholder 10"/>
+          <p:cNvSpPr>
+            <a:spLocks noGrp="1"/>
+          </p:cNvSpPr>
+          <p:nvPr>
+            <p:ph type="sldNum" sz="quarter" idx="12"/>
+          </p:nvPr>
+        </p:nvSpPr>
+        <p:spPr/>
+        <p:txBody>
+          <a:bodyPr/>
+          <a:lstStyle/>
+          <a:p>
+            <a:fld id="{9F4492BD-6A9C-48FC-AC76-0B4FE11194A1}" type="slidenum">
+              <a:rPr lang="en-US" smtClean="0"/>
+              <a:pPr/>
+              <a:t>1</a:t>
+            </a:fld>
+            <a:endParaRPr lang="en-US"/>
+          </a:p>
+        </p:txBody>
+      </p:sp>
+      <p:sp>
+        <p:nvSpPr>
           <p:cNvPr id="4" name="TextBox 3"/>
           <p:cNvSpPr txBox="1"/>
           <p:nvPr>
@@ -4530,31 +5120,12 @@
           </p:txBody>
         </p:sp>
       </p:grpSp>
-      <p:sp>
-        <p:nvSpPr>
-          <p:cNvPr id="11" name="Slide Number Placeholder 10"/>
-          <p:cNvSpPr>
-            <a:spLocks noGrp="1"/>
-          </p:cNvSpPr>
-          <p:nvPr>
-            <p:ph type="sldNum" sz="quarter" idx="12"/>
-          </p:nvPr>
-        </p:nvSpPr>
-        <p:spPr/>
-        <p:txBody>
-          <a:bodyPr/>
-          <a:lstStyle/>
-          <a:p>
-            <a:fld id="{9F4492BD-6A9C-48FC-AC76-0B4FE11194A1}" type="slidenum">
-              <a:rPr lang="en-US" smtClean="0"/>
-              <a:pPr/>
-              <a:t>1</a:t>
-            </a:fld>
-            <a:endParaRPr lang="en-US"/>
-          </a:p>
-        </p:txBody>
-      </p:sp>
     </p:spTree>
+    <p:extLst>
+      <p:ext uri="{BB962C8B-B14F-4D97-AF65-F5344CB8AC3E}">
+        <p14:creationId xmlns:p14="http://schemas.microsoft.com/office/powerpoint/2010/main" val="2082012183"/>
+      </p:ext>
+    </p:extLst>
   </p:cSld>
   <p:clrMapOvr>
     <a:masterClrMapping/>
@@ -4606,6 +5177,30 @@
               <a:t>Reachability</a:t>
             </a:r>
             <a:endParaRPr lang="en-US" dirty="0"/>
+          </a:p>
+        </p:txBody>
+      </p:sp>
+      <p:sp>
+        <p:nvSpPr>
+          <p:cNvPr id="18" name="Slide Number Placeholder 17"/>
+          <p:cNvSpPr>
+            <a:spLocks noGrp="1"/>
+          </p:cNvSpPr>
+          <p:nvPr>
+            <p:ph type="sldNum" sz="quarter" idx="12"/>
+          </p:nvPr>
+        </p:nvSpPr>
+        <p:spPr/>
+        <p:txBody>
+          <a:bodyPr/>
+          <a:lstStyle/>
+          <a:p>
+            <a:fld id="{9F4492BD-6A9C-48FC-AC76-0B4FE11194A1}" type="slidenum">
+              <a:rPr lang="en-US" smtClean="0"/>
+              <a:pPr/>
+              <a:t>10</a:t>
+            </a:fld>
+            <a:endParaRPr lang="en-US"/>
           </a:p>
         </p:txBody>
       </p:sp>
@@ -5560,32 +6155,32 @@
                   <a:schemeClr val="tx1"/>
                 </a:solidFill>
               </a:rPr>
-              <a:t>One node is reachable from another if there is a path from the one node to the other.</a:t>
-            </a:r>
-          </a:p>
-        </p:txBody>
-      </p:sp>
-      <p:sp>
-        <p:nvSpPr>
-          <p:cNvPr id="18" name="Slide Number Placeholder 17"/>
-          <p:cNvSpPr>
-            <a:spLocks noGrp="1"/>
-          </p:cNvSpPr>
-          <p:nvPr>
-            <p:ph type="sldNum" sz="quarter" idx="12"/>
-          </p:nvPr>
-        </p:nvSpPr>
-        <p:spPr/>
-        <p:txBody>
-          <a:bodyPr/>
-          <a:lstStyle/>
-          <a:p>
-            <a:fld id="{9F4492BD-6A9C-48FC-AC76-0B4FE11194A1}" type="slidenum">
-              <a:rPr lang="en-US" smtClean="0"/>
-              <a:pPr/>
-              <a:t>10</a:t>
-            </a:fld>
-            <a:endParaRPr lang="en-US"/>
+              <a:t>One node is </a:t>
+            </a:r>
+            <a:r>
+              <a:rPr lang="en-US" sz="2400" i="1" dirty="0" smtClean="0">
+                <a:solidFill>
+                  <a:srgbClr val="FF0000"/>
+                </a:solidFill>
+              </a:rPr>
+              <a:t>reachable</a:t>
+            </a:r>
+            <a:r>
+              <a:rPr lang="en-US" sz="2400" dirty="0" smtClean="0">
+                <a:solidFill>
+                  <a:srgbClr val="FF0000"/>
+                </a:solidFill>
+              </a:rPr>
+              <a:t> </a:t>
+            </a:r>
+            <a:r>
+              <a:rPr lang="en-US" sz="2400" dirty="0" smtClean="0">
+                <a:solidFill>
+                  <a:schemeClr val="tx1"/>
+                </a:solidFill>
+              </a:rPr>
+              <a:t>from another if there is a path from the one node to the other.</a:t>
+            </a:r>
           </a:p>
         </p:txBody>
       </p:sp>
@@ -5743,7 +6338,7 @@
     </p:spTree>
     <p:extLst>
       <p:ext uri="{BB962C8B-B14F-4D97-AF65-F5344CB8AC3E}">
-        <p14:creationId xmlns:p14="http://schemas.microsoft.com/office/powerpoint/2010/main" val="3626433928"/>
+        <p14:creationId xmlns:p14="http://schemas.microsoft.com/office/powerpoint/2010/main" val="1578734794"/>
       </p:ext>
     </p:extLst>
   </p:cSld>
@@ -5891,7 +6486,7 @@
     </p:spTree>
     <p:extLst>
       <p:ext uri="{BB962C8B-B14F-4D97-AF65-F5344CB8AC3E}">
-        <p14:creationId xmlns:p14="http://schemas.microsoft.com/office/powerpoint/2010/main" val="372554908"/>
+        <p14:creationId xmlns:p14="http://schemas.microsoft.com/office/powerpoint/2010/main" val="625352778"/>
       </p:ext>
     </p:extLst>
   </p:cSld>
@@ -6002,7 +6597,7 @@
           <a:p>
             <a:pPr marL="914400" lvl="1" indent="-514350">
               <a:buFont typeface="+mj-lt"/>
-              <a:buAutoNum type="arabicPeriod"/>
+              <a:buAutoNum type="alphaLcPeriod"/>
             </a:pPr>
             <a:r>
               <a:rPr lang="en-US" dirty="0" smtClean="0"/>
@@ -6012,7 +6607,7 @@
           <a:p>
             <a:pPr marL="914400" lvl="1" indent="-514350">
               <a:buFont typeface="+mj-lt"/>
-              <a:buAutoNum type="arabicPeriod"/>
+              <a:buAutoNum type="alphaLcPeriod"/>
             </a:pPr>
             <a:r>
               <a:rPr lang="en-US" dirty="0" smtClean="0"/>
@@ -6049,7 +6644,7 @@
     </p:spTree>
     <p:extLst>
       <p:ext uri="{BB962C8B-B14F-4D97-AF65-F5344CB8AC3E}">
-        <p14:creationId xmlns:p14="http://schemas.microsoft.com/office/powerpoint/2010/main" val="3612674701"/>
+        <p14:creationId xmlns:p14="http://schemas.microsoft.com/office/powerpoint/2010/main" val="3498935358"/>
       </p:ext>
     </p:extLst>
   </p:cSld>
@@ -6206,7 +6801,7 @@
     </p:spTree>
     <p:extLst>
       <p:ext uri="{BB962C8B-B14F-4D97-AF65-F5344CB8AC3E}">
-        <p14:creationId xmlns:p14="http://schemas.microsoft.com/office/powerpoint/2010/main" val="3879117009"/>
+        <p14:creationId xmlns:p14="http://schemas.microsoft.com/office/powerpoint/2010/main" val="599287461"/>
       </p:ext>
     </p:extLst>
   </p:cSld>
@@ -6330,7 +6925,7 @@
     </p:spTree>
     <p:extLst>
       <p:ext uri="{BB962C8B-B14F-4D97-AF65-F5344CB8AC3E}">
-        <p14:creationId xmlns:p14="http://schemas.microsoft.com/office/powerpoint/2010/main" val="960416721"/>
+        <p14:creationId xmlns:p14="http://schemas.microsoft.com/office/powerpoint/2010/main" val="2271394882"/>
       </p:ext>
     </p:extLst>
   </p:cSld>
@@ -6394,6 +6989,30 @@
               <a:t> S): not done yet</a:t>
             </a:r>
             <a:endParaRPr lang="en-US" dirty="0"/>
+          </a:p>
+        </p:txBody>
+      </p:sp>
+      <p:sp>
+        <p:nvSpPr>
+          <p:cNvPr id="4" name="Slide Number Placeholder 3"/>
+          <p:cNvSpPr>
+            <a:spLocks noGrp="1"/>
+          </p:cNvSpPr>
+          <p:nvPr>
+            <p:ph type="sldNum" sz="quarter" idx="12"/>
+          </p:nvPr>
+        </p:nvSpPr>
+        <p:spPr/>
+        <p:txBody>
+          <a:bodyPr/>
+          <a:lstStyle/>
+          <a:p>
+            <a:fld id="{9F4492BD-6A9C-48FC-AC76-0B4FE11194A1}" type="slidenum">
+              <a:rPr lang="en-US" smtClean="0"/>
+              <a:pPr/>
+              <a:t>15</a:t>
+            </a:fld>
+            <a:endParaRPr lang="en-US"/>
           </a:p>
         </p:txBody>
       </p:sp>
@@ -7944,34 +8563,10 @@
           </p:txBody>
         </p:sp>
       </p:grpSp>
-      <p:sp>
-        <p:nvSpPr>
-          <p:cNvPr id="4" name="Slide Number Placeholder 3"/>
-          <p:cNvSpPr>
-            <a:spLocks noGrp="1"/>
-          </p:cNvSpPr>
-          <p:nvPr>
-            <p:ph type="sldNum" sz="quarter" idx="12"/>
-          </p:nvPr>
-        </p:nvSpPr>
-        <p:spPr/>
-        <p:txBody>
-          <a:bodyPr/>
-          <a:lstStyle/>
-          <a:p>
-            <a:fld id="{9F4492BD-6A9C-48FC-AC76-0B4FE11194A1}" type="slidenum">
-              <a:rPr lang="en-US" smtClean="0"/>
-              <a:pPr/>
-              <a:t>15</a:t>
-            </a:fld>
-            <a:endParaRPr lang="en-US"/>
-          </a:p>
-        </p:txBody>
-      </p:sp>
     </p:spTree>
     <p:extLst>
       <p:ext uri="{BB962C8B-B14F-4D97-AF65-F5344CB8AC3E}">
-        <p14:creationId xmlns:p14="http://schemas.microsoft.com/office/powerpoint/2010/main" val="1676036764"/>
+        <p14:creationId xmlns:p14="http://schemas.microsoft.com/office/powerpoint/2010/main" val="3099799896"/>
       </p:ext>
     </p:extLst>
   </p:cSld>
@@ -8033,6 +8628,30 @@
               <a:t> S): done!</a:t>
             </a:r>
             <a:endParaRPr lang="en-US" dirty="0"/>
+          </a:p>
+        </p:txBody>
+      </p:sp>
+      <p:sp>
+        <p:nvSpPr>
+          <p:cNvPr id="8" name="Slide Number Placeholder 7"/>
+          <p:cNvSpPr>
+            <a:spLocks noGrp="1"/>
+          </p:cNvSpPr>
+          <p:nvPr>
+            <p:ph type="sldNum" sz="quarter" idx="12"/>
+          </p:nvPr>
+        </p:nvSpPr>
+        <p:spPr/>
+        <p:txBody>
+          <a:bodyPr/>
+          <a:lstStyle/>
+          <a:p>
+            <a:fld id="{9F4492BD-6A9C-48FC-AC76-0B4FE11194A1}" type="slidenum">
+              <a:rPr lang="en-US" smtClean="0"/>
+              <a:pPr/>
+              <a:t>16</a:t>
+            </a:fld>
+            <a:endParaRPr lang="en-US"/>
           </a:p>
         </p:txBody>
       </p:sp>
@@ -9971,34 +10590,10 @@
           </a:p>
         </p:txBody>
       </p:sp>
-      <p:sp>
-        <p:nvSpPr>
-          <p:cNvPr id="8" name="Slide Number Placeholder 7"/>
-          <p:cNvSpPr>
-            <a:spLocks noGrp="1"/>
-          </p:cNvSpPr>
-          <p:nvPr>
-            <p:ph type="sldNum" sz="quarter" idx="12"/>
-          </p:nvPr>
-        </p:nvSpPr>
-        <p:spPr/>
-        <p:txBody>
-          <a:bodyPr/>
-          <a:lstStyle/>
-          <a:p>
-            <a:fld id="{9F4492BD-6A9C-48FC-AC76-0B4FE11194A1}" type="slidenum">
-              <a:rPr lang="en-US" smtClean="0"/>
-              <a:pPr/>
-              <a:t>16</a:t>
-            </a:fld>
-            <a:endParaRPr lang="en-US"/>
-          </a:p>
-        </p:txBody>
-      </p:sp>
     </p:spTree>
     <p:extLst>
       <p:ext uri="{BB962C8B-B14F-4D97-AF65-F5344CB8AC3E}">
-        <p14:creationId xmlns:p14="http://schemas.microsoft.com/office/powerpoint/2010/main" val="814797710"/>
+        <p14:creationId xmlns:p14="http://schemas.microsoft.com/office/powerpoint/2010/main" val="1192738131"/>
       </p:ext>
     </p:extLst>
   </p:cSld>
@@ -10122,7 +10717,7 @@
     </p:spTree>
     <p:extLst>
       <p:ext uri="{BB962C8B-B14F-4D97-AF65-F5344CB8AC3E}">
-        <p14:creationId xmlns:p14="http://schemas.microsoft.com/office/powerpoint/2010/main" val="2840092215"/>
+        <p14:creationId xmlns:p14="http://schemas.microsoft.com/office/powerpoint/2010/main" val="3198736314"/>
       </p:ext>
     </p:extLst>
   </p:cSld>
@@ -10345,7 +10940,7 @@
     </p:spTree>
     <p:extLst>
       <p:ext uri="{BB962C8B-B14F-4D97-AF65-F5344CB8AC3E}">
-        <p14:creationId xmlns:p14="http://schemas.microsoft.com/office/powerpoint/2010/main" val="1071269573"/>
+        <p14:creationId xmlns:p14="http://schemas.microsoft.com/office/powerpoint/2010/main" val="1301171958"/>
       </p:ext>
     </p:extLst>
   </p:cSld>
@@ -10466,14 +11061,19 @@
           <a:p>
             <a:r>
               <a:rPr lang="en-US" dirty="0" smtClean="0"/>
-              <a:t>;; TERMINATION ARGUMENT: At every recursive call, the set of </a:t>
-            </a:r>
-          </a:p>
-          <a:p>
+              <a:t>;; </a:t>
+            </a:r>
             <a:r>
               <a:rPr lang="en-US" dirty="0" smtClean="0"/>
-              <a:t>;; nodes NOT in 'nodes' decreases.</a:t>
-            </a:r>
+              <a:t>HALTING MEASURE: </a:t>
+            </a:r>
+          </a:p>
+          <a:p>
+            <a:r>
+              <a:rPr lang="en-US" dirty="0" smtClean="0"/>
+              <a:t>;;   # of nodes in the graph that are NOT in the set 'nodes'.</a:t>
+            </a:r>
+            <a:endParaRPr lang="en-US" dirty="0" smtClean="0"/>
           </a:p>
           <a:p>
             <a:r>
@@ -10543,6 +11143,30 @@
           </a:p>
           <a:p>
             <a:endParaRPr lang="en-US" dirty="0"/>
+          </a:p>
+        </p:txBody>
+      </p:sp>
+      <p:sp>
+        <p:nvSpPr>
+          <p:cNvPr id="7" name="Slide Number Placeholder 6"/>
+          <p:cNvSpPr>
+            <a:spLocks noGrp="1"/>
+          </p:cNvSpPr>
+          <p:nvPr>
+            <p:ph type="sldNum" sz="quarter" idx="12"/>
+          </p:nvPr>
+        </p:nvSpPr>
+        <p:spPr/>
+        <p:txBody>
+          <a:bodyPr/>
+          <a:lstStyle/>
+          <a:p>
+            <a:fld id="{9F4492BD-6A9C-48FC-AC76-0B4FE11194A1}" type="slidenum">
+              <a:rPr lang="en-US" smtClean="0"/>
+              <a:pPr/>
+              <a:t>19</a:t>
+            </a:fld>
+            <a:endParaRPr lang="en-US"/>
           </a:p>
         </p:txBody>
       </p:sp>
@@ -10802,34 +11426,10 @@
           </a:p>
         </p:txBody>
       </p:sp>
-      <p:sp>
-        <p:nvSpPr>
-          <p:cNvPr id="7" name="Slide Number Placeholder 6"/>
-          <p:cNvSpPr>
-            <a:spLocks noGrp="1"/>
-          </p:cNvSpPr>
-          <p:nvPr>
-            <p:ph type="sldNum" sz="quarter" idx="12"/>
-          </p:nvPr>
-        </p:nvSpPr>
-        <p:spPr/>
-        <p:txBody>
-          <a:bodyPr/>
-          <a:lstStyle/>
-          <a:p>
-            <a:fld id="{9F4492BD-6A9C-48FC-AC76-0B4FE11194A1}" type="slidenum">
-              <a:rPr lang="en-US" smtClean="0"/>
-              <a:pPr/>
-              <a:t>19</a:t>
-            </a:fld>
-            <a:endParaRPr lang="en-US"/>
-          </a:p>
-        </p:txBody>
-      </p:sp>
     </p:spTree>
     <p:extLst>
       <p:ext uri="{BB962C8B-B14F-4D97-AF65-F5344CB8AC3E}">
-        <p14:creationId xmlns:p14="http://schemas.microsoft.com/office/powerpoint/2010/main" val="383102467"/>
+        <p14:creationId xmlns:p14="http://schemas.microsoft.com/office/powerpoint/2010/main" val="118208098"/>
       </p:ext>
     </p:extLst>
   </p:cSld>
@@ -10865,6 +11465,29 @@
       </p:grpSpPr>
       <p:sp>
         <p:nvSpPr>
+          <p:cNvPr id="4" name="Title 3"/>
+          <p:cNvSpPr>
+            <a:spLocks noGrp="1"/>
+          </p:cNvSpPr>
+          <p:nvPr>
+            <p:ph type="title"/>
+          </p:nvPr>
+        </p:nvSpPr>
+        <p:spPr/>
+        <p:txBody>
+          <a:bodyPr/>
+          <a:lstStyle/>
+          <a:p>
+            <a:r>
+              <a:rPr lang="en-US" dirty="0" smtClean="0"/>
+              <a:t>Introduction</a:t>
+            </a:r>
+            <a:endParaRPr lang="en-US" dirty="0"/>
+          </a:p>
+        </p:txBody>
+      </p:sp>
+      <p:sp>
+        <p:nvSpPr>
           <p:cNvPr id="3" name="Content Placeholder 2"/>
           <p:cNvSpPr>
             <a:spLocks noGrp="1"/>
@@ -10901,29 +11524,6 @@
             <a:r>
               <a:rPr lang="en-US" dirty="0" smtClean="0"/>
               <a:t>The algorithm we will develop has many other applications.</a:t>
-            </a:r>
-            <a:endParaRPr lang="en-US" dirty="0"/>
-          </a:p>
-        </p:txBody>
-      </p:sp>
-      <p:sp>
-        <p:nvSpPr>
-          <p:cNvPr id="4" name="Title 3"/>
-          <p:cNvSpPr>
-            <a:spLocks noGrp="1"/>
-          </p:cNvSpPr>
-          <p:nvPr>
-            <p:ph type="title"/>
-          </p:nvPr>
-        </p:nvSpPr>
-        <p:spPr/>
-        <p:txBody>
-          <a:bodyPr/>
-          <a:lstStyle/>
-          <a:p>
-            <a:r>
-              <a:rPr lang="en-US" dirty="0" smtClean="0"/>
-              <a:t>Introduction</a:t>
             </a:r>
             <a:endParaRPr lang="en-US" dirty="0"/>
           </a:p>
@@ -10954,6 +11554,11 @@
         </p:txBody>
       </p:sp>
     </p:spTree>
+    <p:extLst>
+      <p:ext uri="{BB962C8B-B14F-4D97-AF65-F5344CB8AC3E}">
+        <p14:creationId xmlns:p14="http://schemas.microsoft.com/office/powerpoint/2010/main" val="396695000"/>
+      </p:ext>
+    </p:extLst>
   </p:cSld>
   <p:clrMapOvr>
     <a:masterClrMapping/>
@@ -11076,7 +11681,7 @@
     </p:spTree>
     <p:extLst>
       <p:ext uri="{BB962C8B-B14F-4D97-AF65-F5344CB8AC3E}">
-        <p14:creationId xmlns:p14="http://schemas.microsoft.com/office/powerpoint/2010/main" val="2463369405"/>
+        <p14:creationId xmlns:p14="http://schemas.microsoft.com/office/powerpoint/2010/main" val="2749395087"/>
       </p:ext>
     </p:extLst>
   </p:cSld>
@@ -11230,6 +11835,30 @@
               <a:t>A Better Idea: keep track of which nodes are new</a:t>
             </a:r>
             <a:endParaRPr lang="en-US" dirty="0"/>
+          </a:p>
+        </p:txBody>
+      </p:sp>
+      <p:sp>
+        <p:nvSpPr>
+          <p:cNvPr id="4" name="Slide Number Placeholder 3"/>
+          <p:cNvSpPr>
+            <a:spLocks noGrp="1"/>
+          </p:cNvSpPr>
+          <p:nvPr>
+            <p:ph type="sldNum" sz="quarter" idx="12"/>
+          </p:nvPr>
+        </p:nvSpPr>
+        <p:spPr/>
+        <p:txBody>
+          <a:bodyPr/>
+          <a:lstStyle/>
+          <a:p>
+            <a:fld id="{9F4492BD-6A9C-48FC-AC76-0B4FE11194A1}" type="slidenum">
+              <a:rPr lang="en-US" smtClean="0"/>
+              <a:pPr/>
+              <a:t>21</a:t>
+            </a:fld>
+            <a:endParaRPr lang="en-US"/>
           </a:p>
         </p:txBody>
       </p:sp>
@@ -12877,34 +13506,10 @@
           </a:p>
         </p:txBody>
       </p:sp>
-      <p:sp>
-        <p:nvSpPr>
-          <p:cNvPr id="4" name="Slide Number Placeholder 3"/>
-          <p:cNvSpPr>
-            <a:spLocks noGrp="1"/>
-          </p:cNvSpPr>
-          <p:nvPr>
-            <p:ph type="sldNum" sz="quarter" idx="12"/>
-          </p:nvPr>
-        </p:nvSpPr>
-        <p:spPr/>
-        <p:txBody>
-          <a:bodyPr/>
-          <a:lstStyle/>
-          <a:p>
-            <a:fld id="{9F4492BD-6A9C-48FC-AC76-0B4FE11194A1}" type="slidenum">
-              <a:rPr lang="en-US" smtClean="0"/>
-              <a:pPr/>
-              <a:t>21</a:t>
-            </a:fld>
-            <a:endParaRPr lang="en-US"/>
-          </a:p>
-        </p:txBody>
-      </p:sp>
     </p:spTree>
     <p:extLst>
       <p:ext uri="{BB962C8B-B14F-4D97-AF65-F5344CB8AC3E}">
-        <p14:creationId xmlns:p14="http://schemas.microsoft.com/office/powerpoint/2010/main" val="4092753745"/>
+        <p14:creationId xmlns:p14="http://schemas.microsoft.com/office/powerpoint/2010/main" val="1764349561"/>
       </p:ext>
     </p:extLst>
   </p:cSld>
@@ -13058,6 +13663,30 @@
               <a:t>Do this with an extra argument and an invariant</a:t>
             </a:r>
             <a:endParaRPr lang="en-US" dirty="0"/>
+          </a:p>
+        </p:txBody>
+      </p:sp>
+      <p:sp>
+        <p:nvSpPr>
+          <p:cNvPr id="4" name="Slide Number Placeholder 3"/>
+          <p:cNvSpPr>
+            <a:spLocks noGrp="1"/>
+          </p:cNvSpPr>
+          <p:nvPr>
+            <p:ph type="sldNum" sz="quarter" idx="12"/>
+          </p:nvPr>
+        </p:nvSpPr>
+        <p:spPr/>
+        <p:txBody>
+          <a:bodyPr/>
+          <a:lstStyle/>
+          <a:p>
+            <a:fld id="{9F4492BD-6A9C-48FC-AC76-0B4FE11194A1}" type="slidenum">
+              <a:rPr lang="en-US" smtClean="0"/>
+              <a:pPr/>
+              <a:t>22</a:t>
+            </a:fld>
+            <a:endParaRPr lang="en-US"/>
           </a:p>
         </p:txBody>
       </p:sp>
@@ -14757,34 +15386,10 @@
           </a:fontRef>
         </p:style>
       </p:cxnSp>
-      <p:sp>
-        <p:nvSpPr>
-          <p:cNvPr id="4" name="Slide Number Placeholder 3"/>
-          <p:cNvSpPr>
-            <a:spLocks noGrp="1"/>
-          </p:cNvSpPr>
-          <p:nvPr>
-            <p:ph type="sldNum" sz="quarter" idx="12"/>
-          </p:nvPr>
-        </p:nvSpPr>
-        <p:spPr/>
-        <p:txBody>
-          <a:bodyPr/>
-          <a:lstStyle/>
-          <a:p>
-            <a:fld id="{9F4492BD-6A9C-48FC-AC76-0B4FE11194A1}" type="slidenum">
-              <a:rPr lang="en-US" smtClean="0"/>
-              <a:pPr/>
-              <a:t>22</a:t>
-            </a:fld>
-            <a:endParaRPr lang="en-US"/>
-          </a:p>
-        </p:txBody>
-      </p:sp>
     </p:spTree>
     <p:extLst>
       <p:ext uri="{BB962C8B-B14F-4D97-AF65-F5344CB8AC3E}">
-        <p14:creationId xmlns:p14="http://schemas.microsoft.com/office/powerpoint/2010/main" val="1733913048"/>
+        <p14:creationId xmlns:p14="http://schemas.microsoft.com/office/powerpoint/2010/main" val="1378793375"/>
       </p:ext>
     </p:extLst>
   </p:cSld>
@@ -14927,20 +15532,24 @@
           </a:p>
           <a:p>
             <a:r>
+              <a:rPr lang="en-US" dirty="0"/>
+              <a:t>;; HALTING MEASURE: </a:t>
+            </a:r>
+          </a:p>
+          <a:p>
+            <a:r>
+              <a:rPr lang="en-US" dirty="0"/>
+              <a:t>;;   # of nodes in the graph that are NOT in the set 'nodes'.</a:t>
+            </a:r>
+          </a:p>
+          <a:p>
+            <a:r>
               <a:rPr lang="en-US" dirty="0" smtClean="0"/>
-              <a:t>;; TERMINATION ARGUMENT: At every recursive call, the set of nodes NOT</a:t>
-            </a:r>
-          </a:p>
-          <a:p>
+              <a:t>(</a:t>
+            </a:r>
             <a:r>
               <a:rPr lang="en-US" dirty="0" smtClean="0"/>
-              <a:t>;; in 'nodes' decreases.</a:t>
-            </a:r>
-          </a:p>
-          <a:p>
-            <a:r>
-              <a:rPr lang="en-US" dirty="0" smtClean="0"/>
-              <a:t>(define (reachables1 nodes newest graph)</a:t>
+              <a:t>define (reachables1 nodes newest graph)</a:t>
             </a:r>
           </a:p>
           <a:p>
@@ -15008,6 +15617,30 @@
               <a:t>              graph)])))</a:t>
             </a:r>
             <a:endParaRPr lang="en-US" dirty="0"/>
+          </a:p>
+        </p:txBody>
+      </p:sp>
+      <p:sp>
+        <p:nvSpPr>
+          <p:cNvPr id="2" name="Slide Number Placeholder 1"/>
+          <p:cNvSpPr>
+            <a:spLocks noGrp="1"/>
+          </p:cNvSpPr>
+          <p:nvPr>
+            <p:ph type="sldNum" sz="quarter" idx="12"/>
+          </p:nvPr>
+        </p:nvSpPr>
+        <p:spPr/>
+        <p:txBody>
+          <a:bodyPr/>
+          <a:lstStyle/>
+          <a:p>
+            <a:fld id="{9F4492BD-6A9C-48FC-AC76-0B4FE11194A1}" type="slidenum">
+              <a:rPr lang="en-US" smtClean="0"/>
+              <a:pPr/>
+              <a:t>23</a:t>
+            </a:fld>
+            <a:endParaRPr lang="en-US"/>
           </a:p>
         </p:txBody>
       </p:sp>
@@ -15127,34 +15760,10 @@
           </a:p>
         </p:txBody>
       </p:sp>
-      <p:sp>
-        <p:nvSpPr>
-          <p:cNvPr id="2" name="Slide Number Placeholder 1"/>
-          <p:cNvSpPr>
-            <a:spLocks noGrp="1"/>
-          </p:cNvSpPr>
-          <p:nvPr>
-            <p:ph type="sldNum" sz="quarter" idx="12"/>
-          </p:nvPr>
-        </p:nvSpPr>
-        <p:spPr/>
-        <p:txBody>
-          <a:bodyPr/>
-          <a:lstStyle/>
-          <a:p>
-            <a:fld id="{9F4492BD-6A9C-48FC-AC76-0B4FE11194A1}" type="slidenum">
-              <a:rPr lang="en-US" smtClean="0"/>
-              <a:pPr/>
-              <a:t>23</a:t>
-            </a:fld>
-            <a:endParaRPr lang="en-US"/>
-          </a:p>
-        </p:txBody>
-      </p:sp>
     </p:spTree>
     <p:extLst>
       <p:ext uri="{BB962C8B-B14F-4D97-AF65-F5344CB8AC3E}">
-        <p14:creationId xmlns:p14="http://schemas.microsoft.com/office/powerpoint/2010/main" val="3982496283"/>
+        <p14:creationId xmlns:p14="http://schemas.microsoft.com/office/powerpoint/2010/main" val="3924263924"/>
       </p:ext>
     </p:extLst>
   </p:cSld>
@@ -15325,7 +15934,7 @@
     </p:spTree>
     <p:extLst>
       <p:ext uri="{BB962C8B-B14F-4D97-AF65-F5344CB8AC3E}">
-        <p14:creationId xmlns:p14="http://schemas.microsoft.com/office/powerpoint/2010/main" val="863685902"/>
+        <p14:creationId xmlns:p14="http://schemas.microsoft.com/office/powerpoint/2010/main" val="4070640294"/>
       </p:ext>
     </p:extLst>
   </p:cSld>
@@ -15456,7 +16065,7 @@
     </p:spTree>
     <p:extLst>
       <p:ext uri="{BB962C8B-B14F-4D97-AF65-F5344CB8AC3E}">
-        <p14:creationId xmlns:p14="http://schemas.microsoft.com/office/powerpoint/2010/main" val="4078382594"/>
+        <p14:creationId xmlns:p14="http://schemas.microsoft.com/office/powerpoint/2010/main" val="3590496958"/>
       </p:ext>
     </p:extLst>
   </p:cSld>
@@ -15692,7 +16301,7 @@
     </p:spTree>
     <p:extLst>
       <p:ext uri="{BB962C8B-B14F-4D97-AF65-F5344CB8AC3E}">
-        <p14:creationId xmlns:p14="http://schemas.microsoft.com/office/powerpoint/2010/main" val="3220733990"/>
+        <p14:creationId xmlns:p14="http://schemas.microsoft.com/office/powerpoint/2010/main" val="229685978"/>
       </p:ext>
     </p:extLst>
   </p:cSld>
@@ -16021,6 +16630,30 @@
               <a:t>))))</a:t>
             </a:r>
             <a:endParaRPr lang="en-US" dirty="0"/>
+          </a:p>
+        </p:txBody>
+      </p:sp>
+      <p:sp>
+        <p:nvSpPr>
+          <p:cNvPr id="4" name="Slide Number Placeholder 3"/>
+          <p:cNvSpPr>
+            <a:spLocks noGrp="1"/>
+          </p:cNvSpPr>
+          <p:nvPr>
+            <p:ph type="sldNum" sz="quarter" idx="12"/>
+          </p:nvPr>
+        </p:nvSpPr>
+        <p:spPr/>
+        <p:txBody>
+          <a:bodyPr/>
+          <a:lstStyle/>
+          <a:p>
+            <a:fld id="{9F4492BD-6A9C-48FC-AC76-0B4FE11194A1}" type="slidenum">
+              <a:rPr lang="en-US" smtClean="0"/>
+              <a:pPr/>
+              <a:t>27</a:t>
+            </a:fld>
+            <a:endParaRPr lang="en-US"/>
           </a:p>
         </p:txBody>
       </p:sp>
@@ -16424,34 +17057,10 @@
           </p:style>
         </p:cxnSp>
       </p:grpSp>
-      <p:sp>
-        <p:nvSpPr>
-          <p:cNvPr id="4" name="Slide Number Placeholder 3"/>
-          <p:cNvSpPr>
-            <a:spLocks noGrp="1"/>
-          </p:cNvSpPr>
-          <p:nvPr>
-            <p:ph type="sldNum" sz="quarter" idx="12"/>
-          </p:nvPr>
-        </p:nvSpPr>
-        <p:spPr/>
-        <p:txBody>
-          <a:bodyPr/>
-          <a:lstStyle/>
-          <a:p>
-            <a:fld id="{9F4492BD-6A9C-48FC-AC76-0B4FE11194A1}" type="slidenum">
-              <a:rPr lang="en-US" smtClean="0"/>
-              <a:pPr/>
-              <a:t>27</a:t>
-            </a:fld>
-            <a:endParaRPr lang="en-US"/>
-          </a:p>
-        </p:txBody>
-      </p:sp>
     </p:spTree>
     <p:extLst>
       <p:ext uri="{BB962C8B-B14F-4D97-AF65-F5344CB8AC3E}">
-        <p14:creationId xmlns:p14="http://schemas.microsoft.com/office/powerpoint/2010/main" val="2302228159"/>
+        <p14:creationId xmlns:p14="http://schemas.microsoft.com/office/powerpoint/2010/main" val="1956450350"/>
       </p:ext>
     </p:extLst>
   </p:cSld>
@@ -16742,174 +17351,12 @@
           <a:p>
             <a:r>
               <a:rPr lang="en-US" dirty="0" smtClean="0"/>
-              <a:t>What if my function doesn't always halt?</a:t>
+              <a:t>Another topic: changing the data representation</a:t>
             </a:r>
             <a:endParaRPr lang="en-US" dirty="0"/>
           </a:p>
         </p:txBody>
       </p:sp>
-      <p:sp>
-        <p:nvSpPr>
-          <p:cNvPr id="3" name="Content Placeholder 2"/>
-          <p:cNvSpPr>
-            <a:spLocks noGrp="1"/>
-          </p:cNvSpPr>
-          <p:nvPr>
-            <p:ph idx="1"/>
-          </p:nvPr>
-        </p:nvSpPr>
-        <p:spPr/>
-        <p:txBody>
-          <a:bodyPr>
-            <a:normAutofit fontScale="92500" lnSpcReduction="10000"/>
-          </a:bodyPr>
-          <a:lstStyle/>
-          <a:p>
-            <a:pPr>
-              <a:buNone/>
-            </a:pPr>
-            <a:r>
-              <a:rPr lang="en-US" dirty="0" smtClean="0"/>
-              <a:t>You must deliver a termination argument for each function that uses general recursion.  This has one of two forms:</a:t>
-            </a:r>
-          </a:p>
-          <a:p>
-            <a:pPr marL="514350" indent="-514350">
-              <a:buFont typeface="+mj-lt"/>
-              <a:buAutoNum type="arabicPeriod"/>
-            </a:pPr>
-            <a:r>
-              <a:rPr lang="en-US" dirty="0" smtClean="0"/>
-              <a:t>The function produces a solution for all problems because  </a:t>
-            </a:r>
-            <a:r>
-              <a:rPr lang="en-US" i="1" dirty="0" smtClean="0">
-                <a:solidFill>
-                  <a:srgbClr val="FF0000"/>
-                </a:solidFill>
-              </a:rPr>
-              <a:t>[show </a:t>
-            </a:r>
-            <a:r>
-              <a:rPr lang="en-US" i="1" smtClean="0">
-                <a:solidFill>
-                  <a:srgbClr val="FF0000"/>
-                </a:solidFill>
-              </a:rPr>
-              <a:t>halting </a:t>
-            </a:r>
-            <a:r>
-              <a:rPr lang="en-US" i="1" smtClean="0">
-                <a:solidFill>
-                  <a:srgbClr val="FF0000"/>
-                </a:solidFill>
-              </a:rPr>
-              <a:t>measure] </a:t>
-            </a:r>
-            <a:r>
-              <a:rPr lang="en-US" dirty="0" smtClean="0"/>
-              <a:t>is always non-negative and gets smaller at every recursive call</a:t>
-            </a:r>
-            <a:r>
-              <a:rPr lang="en-US" i="1" dirty="0" smtClean="0">
-                <a:solidFill>
-                  <a:srgbClr val="FF0000"/>
-                </a:solidFill>
-              </a:rPr>
-              <a:t> </a:t>
-            </a:r>
-            <a:endParaRPr lang="en-US" dirty="0" smtClean="0"/>
-          </a:p>
-          <a:p>
-            <a:pPr marL="514350" indent="-514350">
-              <a:buFont typeface="+mj-lt"/>
-              <a:buAutoNum type="arabicPeriod"/>
-            </a:pPr>
-            <a:r>
-              <a:rPr lang="en-US" dirty="0" smtClean="0"/>
-              <a:t> The function does not terminate on some input problems, example: </a:t>
-            </a:r>
-            <a:r>
-              <a:rPr lang="en-US" i="1" dirty="0" smtClean="0">
-                <a:solidFill>
-                  <a:srgbClr val="FF0000"/>
-                </a:solidFill>
-              </a:rPr>
-              <a:t>[put here a specific example that does not terminate]</a:t>
-            </a:r>
-            <a:r>
-              <a:rPr lang="en-US" i="1" dirty="0" smtClean="0"/>
-              <a:t>.</a:t>
-            </a:r>
-            <a:endParaRPr lang="en-US" i="1" dirty="0">
-              <a:solidFill>
-                <a:srgbClr val="FF0000"/>
-              </a:solidFill>
-            </a:endParaRPr>
-          </a:p>
-        </p:txBody>
-      </p:sp>
-      <p:sp>
-        <p:nvSpPr>
-          <p:cNvPr id="4" name="Slide Number Placeholder 3"/>
-          <p:cNvSpPr>
-            <a:spLocks noGrp="1"/>
-          </p:cNvSpPr>
-          <p:nvPr>
-            <p:ph type="sldNum" sz="quarter" idx="12"/>
-          </p:nvPr>
-        </p:nvSpPr>
-        <p:spPr/>
-        <p:txBody>
-          <a:bodyPr/>
-          <a:lstStyle/>
-          <a:p>
-            <a:fld id="{9F4492BD-6A9C-48FC-AC76-0B4FE11194A1}" type="slidenum">
-              <a:rPr lang="en-US" smtClean="0"/>
-              <a:pPr/>
-              <a:t>28</a:t>
-            </a:fld>
-            <a:endParaRPr lang="en-US"/>
-          </a:p>
-        </p:txBody>
-      </p:sp>
-    </p:spTree>
-    <p:extLst>
-      <p:ext uri="{BB962C8B-B14F-4D97-AF65-F5344CB8AC3E}">
-        <p14:creationId xmlns:p14="http://schemas.microsoft.com/office/powerpoint/2010/main" val="674535102"/>
-      </p:ext>
-    </p:extLst>
-  </p:cSld>
-  <p:clrMapOvr>
-    <a:masterClrMapping/>
-  </p:clrMapOvr>
-  <p:timing>
-    <p:tnLst>
-      <p:par>
-        <p:cTn id="1" dur="indefinite" restart="never" nodeType="tmRoot"/>
-      </p:par>
-    </p:tnLst>
-  </p:timing>
-</p:sld>
-</file>
-
-<file path=ppt/slides/slide29.xml><?xml version="1.0" encoding="utf-8"?>
-<p:sld xmlns:a="http://schemas.openxmlformats.org/drawingml/2006/main" xmlns:r="http://schemas.openxmlformats.org/officeDocument/2006/relationships" xmlns:p="http://schemas.openxmlformats.org/presentationml/2006/main">
-  <p:cSld>
-    <p:spTree>
-      <p:nvGrpSpPr>
-        <p:cNvPr id="1" name=""/>
-        <p:cNvGrpSpPr/>
-        <p:nvPr/>
-      </p:nvGrpSpPr>
-      <p:grpSpPr>
-        <a:xfrm>
-          <a:off x="0" y="0"/>
-          <a:ext cx="0" cy="0"/>
-          <a:chOff x="0" y="0"/>
-          <a:chExt cx="0" cy="0"/>
-        </a:xfrm>
-      </p:grpSpPr>
       <p:sp>
         <p:nvSpPr>
           <p:cNvPr id="3" name="Content Placeholder 2"/>
@@ -17038,31 +17485,6 @@
       </p:sp>
       <p:sp>
         <p:nvSpPr>
-          <p:cNvPr id="2" name="Title 1"/>
-          <p:cNvSpPr>
-            <a:spLocks noGrp="1"/>
-          </p:cNvSpPr>
-          <p:nvPr>
-            <p:ph type="title"/>
-          </p:nvPr>
-        </p:nvSpPr>
-        <p:spPr/>
-        <p:txBody>
-          <a:bodyPr>
-            <a:normAutofit fontScale="90000"/>
-          </a:bodyPr>
-          <a:lstStyle/>
-          <a:p>
-            <a:r>
-              <a:rPr lang="en-US" dirty="0" smtClean="0"/>
-              <a:t>Another topic: changing the data representation</a:t>
-            </a:r>
-            <a:endParaRPr lang="en-US" dirty="0"/>
-          </a:p>
-        </p:txBody>
-      </p:sp>
-      <p:sp>
-        <p:nvSpPr>
           <p:cNvPr id="7" name="Slide Number Placeholder 6"/>
           <p:cNvSpPr>
             <a:spLocks noGrp="1"/>
@@ -17079,7 +17501,7 @@
             <a:fld id="{9F4492BD-6A9C-48FC-AC76-0B4FE11194A1}" type="slidenum">
               <a:rPr lang="en-US" smtClean="0"/>
               <a:pPr/>
-              <a:t>29</a:t>
+              <a:t>28</a:t>
             </a:fld>
             <a:endParaRPr lang="en-US"/>
           </a:p>
@@ -17179,7 +17601,253 @@
     </p:spTree>
     <p:extLst>
       <p:ext uri="{BB962C8B-B14F-4D97-AF65-F5344CB8AC3E}">
-        <p14:creationId xmlns:p14="http://schemas.microsoft.com/office/powerpoint/2010/main" val="1310002384"/>
+        <p14:creationId xmlns:p14="http://schemas.microsoft.com/office/powerpoint/2010/main" val="891770307"/>
+      </p:ext>
+    </p:extLst>
+  </p:cSld>
+  <p:clrMapOvr>
+    <a:masterClrMapping/>
+  </p:clrMapOvr>
+  <p:timing>
+    <p:tnLst>
+      <p:par>
+        <p:cTn id="1" dur="indefinite" restart="never" nodeType="tmRoot"/>
+      </p:par>
+    </p:tnLst>
+  </p:timing>
+</p:sld>
+</file>
+
+<file path=ppt/slides/slide29.xml><?xml version="1.0" encoding="utf-8"?>
+<p:sld xmlns:a="http://schemas.openxmlformats.org/drawingml/2006/main" xmlns:r="http://schemas.openxmlformats.org/officeDocument/2006/relationships" xmlns:p="http://schemas.openxmlformats.org/presentationml/2006/main">
+  <p:cSld>
+    <p:spTree>
+      <p:nvGrpSpPr>
+        <p:cNvPr id="1" name=""/>
+        <p:cNvGrpSpPr/>
+        <p:nvPr/>
+      </p:nvGrpSpPr>
+      <p:grpSpPr>
+        <a:xfrm>
+          <a:off x="0" y="0"/>
+          <a:ext cx="0" cy="0"/>
+          <a:chOff x="0" y="0"/>
+          <a:chExt cx="0" cy="0"/>
+        </a:xfrm>
+      </p:grpSpPr>
+      <p:sp>
+        <p:nvSpPr>
+          <p:cNvPr id="2" name="Title 1"/>
+          <p:cNvSpPr>
+            <a:spLocks noGrp="1"/>
+          </p:cNvSpPr>
+          <p:nvPr>
+            <p:ph type="title"/>
+          </p:nvPr>
+        </p:nvSpPr>
+        <p:spPr/>
+        <p:txBody>
+          <a:bodyPr>
+            <a:normAutofit fontScale="90000"/>
+          </a:bodyPr>
+          <a:lstStyle/>
+          <a:p>
+            <a:r>
+              <a:rPr lang="en-US" dirty="0" smtClean="0"/>
+              <a:t>So let’s pass in the graph’s all-successors function</a:t>
+            </a:r>
+            <a:endParaRPr lang="en-US" dirty="0"/>
+          </a:p>
+        </p:txBody>
+      </p:sp>
+      <p:sp>
+        <p:nvSpPr>
+          <p:cNvPr id="3" name="Content Placeholder 2"/>
+          <p:cNvSpPr>
+            <a:spLocks noGrp="1"/>
+          </p:cNvSpPr>
+          <p:nvPr>
+            <p:ph idx="1"/>
+          </p:nvPr>
+        </p:nvSpPr>
+        <p:spPr/>
+        <p:txBody>
+          <a:bodyPr>
+            <a:normAutofit/>
+          </a:bodyPr>
+          <a:lstStyle/>
+          <a:p>
+            <a:r>
+              <a:rPr lang="en-US" sz="2000" dirty="0" smtClean="0"/>
+              <a:t>;; </a:t>
+            </a:r>
+            <a:r>
+              <a:rPr lang="en-US" sz="2000" dirty="0" err="1" smtClean="0"/>
+              <a:t>reachables</a:t>
+            </a:r>
+            <a:r>
+              <a:rPr lang="en-US" sz="2000" dirty="0" smtClean="0"/>
+              <a:t>: </a:t>
+            </a:r>
+            <a:r>
+              <a:rPr lang="en-US" sz="2000" dirty="0" err="1" smtClean="0"/>
+              <a:t>SetOfNode</a:t>
+            </a:r>
+            <a:r>
+              <a:rPr lang="en-US" sz="2000" dirty="0" smtClean="0"/>
+              <a:t> (</a:t>
+            </a:r>
+            <a:r>
+              <a:rPr lang="en-US" sz="2000" dirty="0" err="1" smtClean="0"/>
+              <a:t>SetOfNode</a:t>
+            </a:r>
+            <a:r>
+              <a:rPr lang="en-US" sz="2000" dirty="0" smtClean="0"/>
+              <a:t> -&gt; </a:t>
+            </a:r>
+            <a:r>
+              <a:rPr lang="en-US" sz="2000" dirty="0" err="1" smtClean="0"/>
+              <a:t>SetOfNode</a:t>
+            </a:r>
+            <a:r>
+              <a:rPr lang="en-US" sz="2000" dirty="0" smtClean="0"/>
+              <a:t>) </a:t>
+            </a:r>
+          </a:p>
+          <a:p>
+            <a:r>
+              <a:rPr lang="en-US" sz="2000" dirty="0" smtClean="0"/>
+              <a:t>;;             -&gt; </a:t>
+            </a:r>
+            <a:r>
+              <a:rPr lang="en-US" sz="2000" dirty="0" err="1" smtClean="0"/>
+              <a:t>SetOfNode</a:t>
+            </a:r>
+            <a:endParaRPr lang="en-US" sz="2000" dirty="0" smtClean="0"/>
+          </a:p>
+          <a:p>
+            <a:r>
+              <a:rPr lang="en-US" sz="2000" dirty="0" smtClean="0"/>
+              <a:t>(define (</a:t>
+            </a:r>
+            <a:r>
+              <a:rPr lang="en-US" sz="2000" dirty="0" err="1" smtClean="0"/>
+              <a:t>reachables</a:t>
+            </a:r>
+            <a:r>
+              <a:rPr lang="en-US" sz="2000" dirty="0" smtClean="0"/>
+              <a:t> nodes all-successors-</a:t>
+            </a:r>
+            <a:r>
+              <a:rPr lang="en-US" sz="2000" dirty="0" err="1" smtClean="0"/>
+              <a:t>fn</a:t>
+            </a:r>
+            <a:r>
+              <a:rPr lang="en-US" sz="2000" dirty="0" smtClean="0"/>
+              <a:t>)</a:t>
+            </a:r>
+          </a:p>
+          <a:p>
+            <a:r>
+              <a:rPr lang="en-US" sz="2000" dirty="0" smtClean="0"/>
+              <a:t>  (local</a:t>
+            </a:r>
+          </a:p>
+          <a:p>
+            <a:r>
+              <a:rPr lang="en-US" sz="2000" dirty="0" smtClean="0"/>
+              <a:t>    ((define candidates (all-successors-</a:t>
+            </a:r>
+            <a:r>
+              <a:rPr lang="en-US" sz="2000" dirty="0" err="1" smtClean="0"/>
+              <a:t>fn</a:t>
+            </a:r>
+            <a:r>
+              <a:rPr lang="en-US" sz="2000" dirty="0" smtClean="0"/>
+              <a:t> nodes)))</a:t>
+            </a:r>
+          </a:p>
+          <a:p>
+            <a:r>
+              <a:rPr lang="en-US" sz="2000" dirty="0" smtClean="0"/>
+              <a:t>    (</a:t>
+            </a:r>
+            <a:r>
+              <a:rPr lang="en-US" sz="2000" dirty="0" err="1" smtClean="0"/>
+              <a:t>cond</a:t>
+            </a:r>
+            <a:endParaRPr lang="en-US" sz="2000" dirty="0" smtClean="0"/>
+          </a:p>
+          <a:p>
+            <a:r>
+              <a:rPr lang="en-US" sz="2000" dirty="0" smtClean="0"/>
+              <a:t>      [(subset? candidates nodes) nodes]</a:t>
+            </a:r>
+          </a:p>
+          <a:p>
+            <a:r>
+              <a:rPr lang="en-US" sz="2000" dirty="0" smtClean="0"/>
+              <a:t>      [else (</a:t>
+            </a:r>
+            <a:r>
+              <a:rPr lang="en-US" sz="2000" dirty="0" err="1" smtClean="0"/>
+              <a:t>reachables</a:t>
+            </a:r>
+            <a:endParaRPr lang="en-US" sz="2000" dirty="0" smtClean="0"/>
+          </a:p>
+          <a:p>
+            <a:r>
+              <a:rPr lang="en-US" sz="2000" dirty="0" smtClean="0"/>
+              <a:t>              (set-union candidates nodes)</a:t>
+            </a:r>
+          </a:p>
+          <a:p>
+            <a:r>
+              <a:rPr lang="en-US" sz="2000" dirty="0" smtClean="0"/>
+              <a:t>              all-successors-</a:t>
+            </a:r>
+            <a:r>
+              <a:rPr lang="en-US" sz="2000" dirty="0" err="1" smtClean="0"/>
+              <a:t>fn</a:t>
+            </a:r>
+            <a:r>
+              <a:rPr lang="en-US" sz="2000" dirty="0" smtClean="0"/>
+              <a:t>)])))</a:t>
+            </a:r>
+          </a:p>
+          <a:p>
+            <a:endParaRPr lang="en-US" sz="2000" dirty="0"/>
+          </a:p>
+        </p:txBody>
+      </p:sp>
+      <p:sp>
+        <p:nvSpPr>
+          <p:cNvPr id="7" name="Slide Number Placeholder 6"/>
+          <p:cNvSpPr>
+            <a:spLocks noGrp="1"/>
+          </p:cNvSpPr>
+          <p:nvPr>
+            <p:ph type="sldNum" sz="quarter" idx="12"/>
+          </p:nvPr>
+        </p:nvSpPr>
+        <p:spPr/>
+        <p:txBody>
+          <a:bodyPr/>
+          <a:lstStyle/>
+          <a:p>
+            <a:fld id="{9F4492BD-6A9C-48FC-AC76-0B4FE11194A1}" type="slidenum">
+              <a:rPr lang="en-US" smtClean="0"/>
+              <a:pPr/>
+              <a:t>29</a:t>
+            </a:fld>
+            <a:endParaRPr lang="en-US"/>
+          </a:p>
+        </p:txBody>
+      </p:sp>
+    </p:spTree>
+    <p:extLst>
+      <p:ext uri="{BB962C8B-B14F-4D97-AF65-F5344CB8AC3E}">
+        <p14:creationId xmlns:p14="http://schemas.microsoft.com/office/powerpoint/2010/main" val="3559138981"/>
       </p:ext>
     </p:extLst>
   </p:cSld>
@@ -17330,7 +17998,7 @@
     </p:spTree>
     <p:extLst>
       <p:ext uri="{BB962C8B-B14F-4D97-AF65-F5344CB8AC3E}">
-        <p14:creationId xmlns:p14="http://schemas.microsoft.com/office/powerpoint/2010/main" val="3844163991"/>
+        <p14:creationId xmlns:p14="http://schemas.microsoft.com/office/powerpoint/2010/main" val="3294254051"/>
       </p:ext>
     </p:extLst>
   </p:cSld>
@@ -17366,6 +18034,43 @@
       </p:grpSpPr>
       <p:sp>
         <p:nvSpPr>
+          <p:cNvPr id="2" name="Title 1"/>
+          <p:cNvSpPr>
+            <a:spLocks noGrp="1"/>
+          </p:cNvSpPr>
+          <p:nvPr>
+            <p:ph type="title"/>
+          </p:nvPr>
+        </p:nvSpPr>
+        <p:spPr/>
+        <p:txBody>
+          <a:bodyPr>
+            <a:normAutofit fontScale="90000"/>
+          </a:bodyPr>
+          <a:lstStyle/>
+          <a:p>
+            <a:r>
+              <a:rPr lang="en-US" dirty="0" smtClean="0"/>
+              <a:t>How do you build an </a:t>
+            </a:r>
+            <a:r>
+              <a:rPr lang="en-US" b="1" dirty="0" smtClean="0"/>
+              <a:t>all-successors-</a:t>
+            </a:r>
+            <a:r>
+              <a:rPr lang="en-US" b="1" dirty="0" err="1" smtClean="0"/>
+              <a:t>fn</a:t>
+            </a:r>
+            <a:r>
+              <a:rPr lang="en-US" dirty="0" smtClean="0"/>
+              <a:t>?</a:t>
+            </a:r>
+            <a:endParaRPr lang="en-US" dirty="0"/>
+          </a:p>
+        </p:txBody>
+      </p:sp>
+      <p:sp>
+        <p:nvSpPr>
           <p:cNvPr id="3" name="Content Placeholder 2"/>
           <p:cNvSpPr>
             <a:spLocks noGrp="1"/>
@@ -17383,15 +18088,16 @@
           <a:p>
             <a:r>
               <a:rPr lang="en-US" sz="2000" dirty="0" smtClean="0"/>
-              <a:t>;; </a:t>
-            </a:r>
-            <a:r>
-              <a:rPr lang="en-US" sz="2000" dirty="0" err="1" smtClean="0"/>
-              <a:t>reachables</a:t>
-            </a:r>
+              <a:t>;; You could do it from a data structure:</a:t>
+            </a:r>
+          </a:p>
+          <a:p>
+            <a:endParaRPr lang="en-US" sz="2000" dirty="0" smtClean="0"/>
+          </a:p>
+          <a:p>
             <a:r>
               <a:rPr lang="en-US" sz="2000" dirty="0" smtClean="0"/>
-              <a:t>: </a:t>
+              <a:t>;; Graph -&gt; (</a:t>
             </a:r>
             <a:r>
               <a:rPr lang="en-US" sz="2000" dirty="0" err="1" smtClean="0"/>
@@ -17399,7 +18105,7 @@
             </a:r>
             <a:r>
               <a:rPr lang="en-US" sz="2000" dirty="0" smtClean="0"/>
-              <a:t> (</a:t>
+              <a:t> -&gt; </a:t>
             </a:r>
             <a:r>
               <a:rPr lang="en-US" sz="2000" dirty="0" err="1" smtClean="0"/>
@@ -17407,40 +18113,14 @@
             </a:r>
             <a:r>
               <a:rPr lang="en-US" sz="2000" dirty="0" smtClean="0"/>
-              <a:t> -&gt; </a:t>
-            </a:r>
-            <a:r>
-              <a:rPr lang="en-US" sz="2000" dirty="0" err="1" smtClean="0"/>
-              <a:t>SetOfNode</a:t>
-            </a:r>
+              <a:t>)</a:t>
+            </a:r>
+            <a:endParaRPr lang="en-US" sz="2000" dirty="0"/>
+          </a:p>
+          <a:p>
             <a:r>
               <a:rPr lang="en-US" sz="2000" dirty="0" smtClean="0"/>
-              <a:t>) </a:t>
-            </a:r>
-          </a:p>
-          <a:p>
-            <a:r>
-              <a:rPr lang="en-US" sz="2000" dirty="0" smtClean="0"/>
-              <a:t>;;             -&gt; </a:t>
-            </a:r>
-            <a:r>
-              <a:rPr lang="en-US" sz="2000" dirty="0" err="1" smtClean="0"/>
-              <a:t>SetOfNode</a:t>
-            </a:r>
-            <a:endParaRPr lang="en-US" sz="2000" dirty="0" smtClean="0"/>
-          </a:p>
-          <a:p>
-            <a:r>
-              <a:rPr lang="en-US" sz="2000" dirty="0" smtClean="0"/>
-              <a:t>(define (</a:t>
-            </a:r>
-            <a:r>
-              <a:rPr lang="en-US" sz="2000" dirty="0" err="1" smtClean="0"/>
-              <a:t>reachables</a:t>
-            </a:r>
-            <a:r>
-              <a:rPr lang="en-US" sz="2000" dirty="0" smtClean="0"/>
-              <a:t> nodes all-successors-</a:t>
+              <a:t>(define (all-successors-</a:t>
             </a:r>
             <a:r>
               <a:rPr lang="en-US" sz="2000" dirty="0" err="1" smtClean="0"/>
@@ -17448,110 +18128,35 @@
             </a:r>
             <a:r>
               <a:rPr lang="en-US" sz="2000" dirty="0" smtClean="0"/>
-              <a:t>)</a:t>
-            </a:r>
-          </a:p>
-          <a:p>
+              <a:t> g)</a:t>
+            </a:r>
+          </a:p>
+          <a:p>
+            <a:r>
+              <a:rPr lang="en-US" sz="2000" dirty="0"/>
+              <a:t> </a:t>
+            </a:r>
             <a:r>
               <a:rPr lang="en-US" sz="2000" dirty="0" smtClean="0"/>
-              <a:t>  (local</a:t>
-            </a:r>
-          </a:p>
-          <a:p>
+              <a:t> (lambda (nodes)</a:t>
+            </a:r>
+          </a:p>
+          <a:p>
+            <a:r>
+              <a:rPr lang="en-US" sz="2000" dirty="0"/>
+              <a:t> </a:t>
+            </a:r>
             <a:r>
               <a:rPr lang="en-US" sz="2000" dirty="0" smtClean="0"/>
-              <a:t>    ((define candidates (all-successors-</a:t>
-            </a:r>
-            <a:r>
-              <a:rPr lang="en-US" sz="2000" dirty="0" err="1" smtClean="0"/>
-              <a:t>fn</a:t>
-            </a:r>
-            <a:r>
-              <a:rPr lang="en-US" sz="2000" dirty="0" smtClean="0"/>
-              <a:t> nodes)))</a:t>
-            </a:r>
-          </a:p>
-          <a:p>
-            <a:r>
-              <a:rPr lang="en-US" sz="2000" dirty="0" smtClean="0"/>
-              <a:t>    (</a:t>
-            </a:r>
-            <a:r>
-              <a:rPr lang="en-US" sz="2000" dirty="0" err="1" smtClean="0"/>
-              <a:t>cond</a:t>
-            </a:r>
-            <a:endParaRPr lang="en-US" sz="2000" dirty="0" smtClean="0"/>
-          </a:p>
-          <a:p>
-            <a:r>
-              <a:rPr lang="en-US" sz="2000" dirty="0" smtClean="0"/>
-              <a:t>      [(subset? candidates nodes) nodes]</a:t>
-            </a:r>
-          </a:p>
-          <a:p>
-            <a:r>
-              <a:rPr lang="en-US" sz="2000" dirty="0" smtClean="0"/>
-              <a:t>      [else (</a:t>
-            </a:r>
-            <a:r>
-              <a:rPr lang="en-US" sz="2000" dirty="0" err="1" smtClean="0"/>
-              <a:t>reachables</a:t>
-            </a:r>
-            <a:endParaRPr lang="en-US" sz="2000" dirty="0" smtClean="0"/>
-          </a:p>
-          <a:p>
-            <a:r>
-              <a:rPr lang="en-US" sz="2000" dirty="0" smtClean="0"/>
-              <a:t>              (set-union candidates nodes)</a:t>
-            </a:r>
-          </a:p>
-          <a:p>
-            <a:r>
-              <a:rPr lang="en-US" sz="2000" dirty="0" smtClean="0"/>
-              <a:t>              all-successors-</a:t>
-            </a:r>
-            <a:r>
-              <a:rPr lang="en-US" sz="2000" dirty="0" err="1" smtClean="0"/>
-              <a:t>fn</a:t>
-            </a:r>
-            <a:r>
-              <a:rPr lang="en-US" sz="2000" dirty="0" smtClean="0"/>
-              <a:t>)])))</a:t>
-            </a:r>
-          </a:p>
-          <a:p>
+              <a:t>   (all-successors nodes g)))</a:t>
+            </a:r>
             <a:endParaRPr lang="en-US" sz="2000" dirty="0"/>
           </a:p>
         </p:txBody>
       </p:sp>
       <p:sp>
         <p:nvSpPr>
-          <p:cNvPr id="2" name="Title 1"/>
-          <p:cNvSpPr>
-            <a:spLocks noGrp="1"/>
-          </p:cNvSpPr>
-          <p:nvPr>
-            <p:ph type="title"/>
-          </p:nvPr>
-        </p:nvSpPr>
-        <p:spPr/>
-        <p:txBody>
-          <a:bodyPr>
-            <a:normAutofit fontScale="90000"/>
-          </a:bodyPr>
-          <a:lstStyle/>
-          <a:p>
-            <a:r>
-              <a:rPr lang="en-US" dirty="0" smtClean="0"/>
-              <a:t>So let’s pass in the graph’s all-successors function</a:t>
-            </a:r>
-            <a:endParaRPr lang="en-US" dirty="0"/>
-          </a:p>
-        </p:txBody>
-      </p:sp>
-      <p:sp>
-        <p:nvSpPr>
-          <p:cNvPr id="7" name="Slide Number Placeholder 6"/>
+          <p:cNvPr id="4" name="Slide Number Placeholder 3"/>
           <p:cNvSpPr>
             <a:spLocks noGrp="1"/>
           </p:cNvSpPr>
@@ -17576,7 +18181,7 @@
     </p:spTree>
     <p:extLst>
       <p:ext uri="{BB962C8B-B14F-4D97-AF65-F5344CB8AC3E}">
-        <p14:creationId xmlns:p14="http://schemas.microsoft.com/office/powerpoint/2010/main" val="2765626960"/>
+        <p14:creationId xmlns:p14="http://schemas.microsoft.com/office/powerpoint/2010/main" val="1072755970"/>
       </p:ext>
     </p:extLst>
   </p:cSld>
@@ -17629,19 +18234,7 @@
           <a:p>
             <a:r>
               <a:rPr lang="en-US" dirty="0" smtClean="0"/>
-              <a:t>How do you build an </a:t>
-            </a:r>
-            <a:r>
-              <a:rPr lang="en-US" b="1" dirty="0" smtClean="0"/>
-              <a:t>all-successors-</a:t>
-            </a:r>
-            <a:r>
-              <a:rPr lang="en-US" b="1" dirty="0" err="1" smtClean="0"/>
-              <a:t>fn</a:t>
-            </a:r>
-            <a:r>
-              <a:rPr lang="en-US" dirty="0" smtClean="0"/>
-              <a:t>?</a:t>
+              <a:t>Or you could avoid building the data structure entirely</a:t>
             </a:r>
             <a:endParaRPr lang="en-US" dirty="0"/>
           </a:p>
@@ -17649,7 +18242,7 @@
       </p:sp>
       <p:sp>
         <p:nvSpPr>
-          <p:cNvPr id="3" name="Content Placeholder 2"/>
+          <p:cNvPr id="5" name="Content Placeholder 4"/>
           <p:cNvSpPr>
             <a:spLocks noGrp="1"/>
           </p:cNvSpPr>
@@ -17659,76 +18252,19 @@
         </p:nvSpPr>
         <p:spPr/>
         <p:txBody>
-          <a:bodyPr>
-            <a:normAutofit/>
-          </a:bodyPr>
+          <a:bodyPr/>
           <a:lstStyle/>
           <a:p>
             <a:r>
-              <a:rPr lang="en-US" sz="2000" dirty="0" smtClean="0"/>
-              <a:t>;; You could do it from a data structure:</a:t>
-            </a:r>
-          </a:p>
-          <a:p>
-            <a:endParaRPr lang="en-US" sz="2000" dirty="0" smtClean="0"/>
-          </a:p>
-          <a:p>
-            <a:r>
-              <a:rPr lang="en-US" sz="2000" dirty="0" smtClean="0"/>
-              <a:t>;; Graph -&gt; (</a:t>
-            </a:r>
-            <a:r>
-              <a:rPr lang="en-US" sz="2000" dirty="0" err="1" smtClean="0"/>
-              <a:t>SetOfNode</a:t>
-            </a:r>
-            <a:r>
-              <a:rPr lang="en-US" sz="2000" dirty="0" smtClean="0"/>
-              <a:t> -&gt; </a:t>
-            </a:r>
-            <a:r>
-              <a:rPr lang="en-US" sz="2000" dirty="0" err="1" smtClean="0"/>
-              <a:t>SetOfNode</a:t>
-            </a:r>
-            <a:r>
-              <a:rPr lang="en-US" sz="2000" dirty="0" smtClean="0"/>
-              <a:t>)</a:t>
-            </a:r>
-            <a:endParaRPr lang="en-US" sz="2000" dirty="0"/>
-          </a:p>
-          <a:p>
-            <a:r>
-              <a:rPr lang="en-US" sz="2000" dirty="0" smtClean="0"/>
-              <a:t>(define (all-successors-</a:t>
-            </a:r>
-            <a:r>
-              <a:rPr lang="en-US" sz="2000" dirty="0" err="1" smtClean="0"/>
-              <a:t>fn</a:t>
-            </a:r>
-            <a:r>
-              <a:rPr lang="en-US" sz="2000" dirty="0" smtClean="0"/>
-              <a:t> g)</a:t>
-            </a:r>
-          </a:p>
-          <a:p>
-            <a:r>
-              <a:rPr lang="en-US" sz="2000" dirty="0"/>
-              <a:t> </a:t>
-            </a:r>
-            <a:r>
-              <a:rPr lang="en-US" sz="2000" dirty="0" smtClean="0"/>
-              <a:t> (lambda (nodes)</a:t>
-            </a:r>
-          </a:p>
-          <a:p>
-            <a:r>
-              <a:rPr lang="en-US" sz="2000" dirty="0"/>
-              <a:t> </a:t>
-            </a:r>
-            <a:r>
-              <a:rPr lang="en-US" sz="2000" dirty="0" smtClean="0"/>
-              <a:t>   (all-successors nodes g)))</a:t>
-            </a:r>
-            <a:endParaRPr lang="en-US" sz="2000" dirty="0"/>
+              <a:rPr lang="en-US" dirty="0" smtClean="0"/>
+              <a:t>Just define a successors function, and  then define all-successors by HOFC</a:t>
+            </a:r>
+          </a:p>
+          <a:p>
+            <a:r>
+              <a:rPr lang="en-US" dirty="0" smtClean="0"/>
+              <a:t>Good thing to do if your graph is very large– e.g. Rubik’s cube. </a:t>
+            </a:r>
           </a:p>
         </p:txBody>
       </p:sp>
@@ -17759,7 +18295,7 @@
     </p:spTree>
     <p:extLst>
       <p:ext uri="{BB962C8B-B14F-4D97-AF65-F5344CB8AC3E}">
-        <p14:creationId xmlns:p14="http://schemas.microsoft.com/office/powerpoint/2010/main" val="4017303627"/>
+        <p14:creationId xmlns:p14="http://schemas.microsoft.com/office/powerpoint/2010/main" val="1762312947"/>
       </p:ext>
     </p:extLst>
   </p:cSld>
@@ -17795,120 +18331,6 @@
       </p:grpSpPr>
       <p:sp>
         <p:nvSpPr>
-          <p:cNvPr id="2" name="Title 1"/>
-          <p:cNvSpPr>
-            <a:spLocks noGrp="1"/>
-          </p:cNvSpPr>
-          <p:nvPr>
-            <p:ph type="title"/>
-          </p:nvPr>
-        </p:nvSpPr>
-        <p:spPr/>
-        <p:txBody>
-          <a:bodyPr>
-            <a:normAutofit fontScale="90000"/>
-          </a:bodyPr>
-          <a:lstStyle/>
-          <a:p>
-            <a:r>
-              <a:rPr lang="en-US" dirty="0" smtClean="0"/>
-              <a:t>Or you could avoid building the data structure entirely</a:t>
-            </a:r>
-            <a:endParaRPr lang="en-US" dirty="0"/>
-          </a:p>
-        </p:txBody>
-      </p:sp>
-      <p:sp>
-        <p:nvSpPr>
-          <p:cNvPr id="5" name="Content Placeholder 4"/>
-          <p:cNvSpPr>
-            <a:spLocks noGrp="1"/>
-          </p:cNvSpPr>
-          <p:nvPr>
-            <p:ph idx="1"/>
-          </p:nvPr>
-        </p:nvSpPr>
-        <p:spPr/>
-        <p:txBody>
-          <a:bodyPr/>
-          <a:lstStyle/>
-          <a:p>
-            <a:r>
-              <a:rPr lang="en-US" dirty="0" smtClean="0"/>
-              <a:t>Just define a successors function, and  then define all-successors by HOFC</a:t>
-            </a:r>
-          </a:p>
-          <a:p>
-            <a:r>
-              <a:rPr lang="en-US" dirty="0" smtClean="0"/>
-              <a:t>Good thing to do if your graph is very large– e.g. Rubik’s cube. </a:t>
-            </a:r>
-          </a:p>
-        </p:txBody>
-      </p:sp>
-      <p:sp>
-        <p:nvSpPr>
-          <p:cNvPr id="4" name="Slide Number Placeholder 3"/>
-          <p:cNvSpPr>
-            <a:spLocks noGrp="1"/>
-          </p:cNvSpPr>
-          <p:nvPr>
-            <p:ph type="sldNum" sz="quarter" idx="12"/>
-          </p:nvPr>
-        </p:nvSpPr>
-        <p:spPr/>
-        <p:txBody>
-          <a:bodyPr/>
-          <a:lstStyle/>
-          <a:p>
-            <a:fld id="{9F4492BD-6A9C-48FC-AC76-0B4FE11194A1}" type="slidenum">
-              <a:rPr lang="en-US" smtClean="0"/>
-              <a:pPr/>
-              <a:t>32</a:t>
-            </a:fld>
-            <a:endParaRPr lang="en-US"/>
-          </a:p>
-        </p:txBody>
-      </p:sp>
-    </p:spTree>
-    <p:extLst>
-      <p:ext uri="{BB962C8B-B14F-4D97-AF65-F5344CB8AC3E}">
-        <p14:creationId xmlns:p14="http://schemas.microsoft.com/office/powerpoint/2010/main" val="1781537914"/>
-      </p:ext>
-    </p:extLst>
-  </p:cSld>
-  <p:clrMapOvr>
-    <a:masterClrMapping/>
-  </p:clrMapOvr>
-  <p:timing>
-    <p:tnLst>
-      <p:par>
-        <p:cTn id="1" dur="indefinite" restart="never" nodeType="tmRoot"/>
-      </p:par>
-    </p:tnLst>
-  </p:timing>
-</p:sld>
-</file>
-
-<file path=ppt/slides/slide33.xml><?xml version="1.0" encoding="utf-8"?>
-<p:sld xmlns:a="http://schemas.openxmlformats.org/drawingml/2006/main" xmlns:r="http://schemas.openxmlformats.org/officeDocument/2006/relationships" xmlns:p="http://schemas.openxmlformats.org/presentationml/2006/main">
-  <p:cSld>
-    <p:spTree>
-      <p:nvGrpSpPr>
-        <p:cNvPr id="1" name=""/>
-        <p:cNvGrpSpPr/>
-        <p:nvPr/>
-      </p:nvGrpSpPr>
-      <p:grpSpPr>
-        <a:xfrm>
-          <a:off x="0" y="0"/>
-          <a:ext cx="0" cy="0"/>
-          <a:chOff x="0" y="0"/>
-          <a:chExt cx="0" cy="0"/>
-        </a:xfrm>
-      </p:grpSpPr>
-      <p:sp>
-        <p:nvSpPr>
           <p:cNvPr id="5" name="Title 4"/>
           <p:cNvSpPr>
             <a:spLocks noGrp="1"/>
@@ -18039,7 +18461,7 @@
             <a:fld id="{9F4492BD-6A9C-48FC-AC76-0B4FE11194A1}" type="slidenum">
               <a:rPr lang="en-US" smtClean="0"/>
               <a:pPr/>
-              <a:t>33</a:t>
+              <a:t>32</a:t>
             </a:fld>
             <a:endParaRPr lang="en-US"/>
           </a:p>
@@ -19318,7 +19740,7 @@
     </p:spTree>
     <p:extLst>
       <p:ext uri="{BB962C8B-B14F-4D97-AF65-F5344CB8AC3E}">
-        <p14:creationId xmlns:p14="http://schemas.microsoft.com/office/powerpoint/2010/main" val="1484001326"/>
+        <p14:creationId xmlns:p14="http://schemas.microsoft.com/office/powerpoint/2010/main" val="3828226299"/>
       </p:ext>
     </p:extLst>
   </p:cSld>
@@ -19335,7 +19757,7 @@
 </p:sld>
 </file>
 
-<file path=ppt/slides/slide34.xml><?xml version="1.0" encoding="utf-8"?>
+<file path=ppt/slides/slide33.xml><?xml version="1.0" encoding="utf-8"?>
 <p:sld xmlns:a="http://schemas.openxmlformats.org/drawingml/2006/main" xmlns:r="http://schemas.openxmlformats.org/officeDocument/2006/relationships" xmlns:p="http://schemas.openxmlformats.org/presentationml/2006/main">
   <p:cSld>
     <p:spTree>
@@ -19354,7 +19776,7 @@
       </p:grpSpPr>
       <p:sp>
         <p:nvSpPr>
-          <p:cNvPr id="2" name="Title 1"/>
+          <p:cNvPr id="6" name="Title 5"/>
           <p:cNvSpPr>
             <a:spLocks noGrp="1"/>
           </p:cNvSpPr>
@@ -19466,7 +19888,7 @@
             <a:fld id="{9F4492BD-6A9C-48FC-AC76-0B4FE11194A1}" type="slidenum">
               <a:rPr lang="en-US" smtClean="0"/>
               <a:pPr/>
-              <a:t>34</a:t>
+              <a:t>33</a:t>
             </a:fld>
             <a:endParaRPr lang="en-US" dirty="0"/>
           </a:p>
@@ -19536,7 +19958,133 @@
     </p:spTree>
     <p:extLst>
       <p:ext uri="{BB962C8B-B14F-4D97-AF65-F5344CB8AC3E}">
-        <p14:creationId xmlns:p14="http://schemas.microsoft.com/office/powerpoint/2010/main" val="1858426092"/>
+        <p14:creationId xmlns:p14="http://schemas.microsoft.com/office/powerpoint/2010/main" val="3421131612"/>
+      </p:ext>
+    </p:extLst>
+  </p:cSld>
+  <p:clrMapOvr>
+    <a:masterClrMapping/>
+  </p:clrMapOvr>
+  <p:timing>
+    <p:tnLst>
+      <p:par>
+        <p:cTn id="1" dur="indefinite" restart="never" nodeType="tmRoot"/>
+      </p:par>
+    </p:tnLst>
+  </p:timing>
+</p:sld>
+</file>
+
+<file path=ppt/slides/slide34.xml><?xml version="1.0" encoding="utf-8"?>
+<p:sld xmlns:a="http://schemas.openxmlformats.org/drawingml/2006/main" xmlns:r="http://schemas.openxmlformats.org/officeDocument/2006/relationships" xmlns:p="http://schemas.openxmlformats.org/presentationml/2006/main">
+  <p:cSld>
+    <p:spTree>
+      <p:nvGrpSpPr>
+        <p:cNvPr id="1" name=""/>
+        <p:cNvGrpSpPr/>
+        <p:nvPr/>
+      </p:nvGrpSpPr>
+      <p:grpSpPr>
+        <a:xfrm>
+          <a:off x="0" y="0"/>
+          <a:ext cx="0" cy="0"/>
+          <a:chOff x="0" y="0"/>
+          <a:chExt cx="0" cy="0"/>
+        </a:xfrm>
+      </p:grpSpPr>
+      <p:sp>
+        <p:nvSpPr>
+          <p:cNvPr id="2" name="Title 1"/>
+          <p:cNvSpPr>
+            <a:spLocks noGrp="1"/>
+          </p:cNvSpPr>
+          <p:nvPr>
+            <p:ph type="title"/>
+          </p:nvPr>
+        </p:nvSpPr>
+        <p:spPr>
+          <a:noFill/>
+        </p:spPr>
+        <p:txBody>
+          <a:bodyPr/>
+          <a:lstStyle/>
+          <a:p>
+            <a:r>
+              <a:rPr lang="en-US" dirty="0" smtClean="0"/>
+              <a:t>Summary</a:t>
+            </a:r>
+            <a:endParaRPr lang="en-US" dirty="0"/>
+          </a:p>
+        </p:txBody>
+      </p:sp>
+      <p:sp>
+        <p:nvSpPr>
+          <p:cNvPr id="3" name="Content Placeholder 2"/>
+          <p:cNvSpPr>
+            <a:spLocks noGrp="1"/>
+          </p:cNvSpPr>
+          <p:nvPr>
+            <p:ph idx="1"/>
+          </p:nvPr>
+        </p:nvSpPr>
+        <p:spPr/>
+        <p:txBody>
+          <a:bodyPr>
+            <a:normAutofit/>
+          </a:bodyPr>
+          <a:lstStyle/>
+          <a:p>
+            <a:r>
+              <a:rPr lang="en-US" dirty="0" smtClean="0"/>
+              <a:t>We've applied General Recursion to an important problem: graph reachability</a:t>
+            </a:r>
+          </a:p>
+          <a:p>
+            <a:r>
+              <a:rPr lang="en-US" dirty="0"/>
+              <a:t>We considered the functions we needed to write on graphs in order to choose our representation(s).</a:t>
+            </a:r>
+          </a:p>
+          <a:p>
+            <a:r>
+              <a:rPr lang="en-US" dirty="0" smtClean="0"/>
+              <a:t>We </a:t>
+            </a:r>
+            <a:r>
+              <a:rPr lang="en-US" dirty="0" smtClean="0"/>
+              <a:t>used list abstractions to make our program easier to write</a:t>
+            </a:r>
+          </a:p>
+        </p:txBody>
+      </p:sp>
+      <p:sp>
+        <p:nvSpPr>
+          <p:cNvPr id="4" name="Slide Number Placeholder 3"/>
+          <p:cNvSpPr>
+            <a:spLocks noGrp="1"/>
+          </p:cNvSpPr>
+          <p:nvPr>
+            <p:ph type="sldNum" sz="quarter" idx="12"/>
+          </p:nvPr>
+        </p:nvSpPr>
+        <p:spPr/>
+        <p:txBody>
+          <a:bodyPr/>
+          <a:lstStyle/>
+          <a:p>
+            <a:fld id="{9F4492BD-6A9C-48FC-AC76-0B4FE11194A1}" type="slidenum">
+              <a:rPr lang="en-US" smtClean="0"/>
+              <a:pPr/>
+              <a:t>34</a:t>
+            </a:fld>
+            <a:endParaRPr lang="en-US"/>
+          </a:p>
+        </p:txBody>
+      </p:sp>
+    </p:spTree>
+    <p:extLst>
+      <p:ext uri="{BB962C8B-B14F-4D97-AF65-F5344CB8AC3E}">
+        <p14:creationId xmlns:p14="http://schemas.microsoft.com/office/powerpoint/2010/main" val="1151370197"/>
       </p:ext>
     </p:extLst>
   </p:cSld>
@@ -19580,16 +20128,14 @@
             <p:ph type="title"/>
           </p:nvPr>
         </p:nvSpPr>
-        <p:spPr>
-          <a:noFill/>
-        </p:spPr>
+        <p:spPr/>
         <p:txBody>
           <a:bodyPr/>
           <a:lstStyle/>
           <a:p>
             <a:r>
               <a:rPr lang="en-US" dirty="0" smtClean="0"/>
-              <a:t>Summary</a:t>
+              <a:t>Learning Objectives</a:t>
             </a:r>
             <a:endParaRPr lang="en-US" dirty="0"/>
           </a:p>
@@ -19605,47 +20151,62 @@
             <p:ph idx="1"/>
           </p:nvPr>
         </p:nvSpPr>
-        <p:spPr/>
+        <p:spPr>
+          <a:xfrm>
+            <a:off x="457200" y="1676400"/>
+            <a:ext cx="8229600" cy="4525963"/>
+          </a:xfrm>
+        </p:spPr>
         <p:txBody>
-          <a:bodyPr>
-            <a:normAutofit lnSpcReduction="10000"/>
-          </a:bodyPr>
+          <a:bodyPr/>
           <a:lstStyle/>
           <a:p>
             <a:r>
               <a:rPr lang="en-US" dirty="0" smtClean="0"/>
-              <a:t>We've applied General Recursion to an important problem: graph reachability</a:t>
-            </a:r>
-          </a:p>
-          <a:p>
-            <a:r>
-              <a:rPr lang="en-US" dirty="0"/>
-              <a:t>We considered the functions we needed to write on graphs in order to choose our representation(s).</a:t>
-            </a:r>
-          </a:p>
-          <a:p>
+              <a:t>You should now be able to:</a:t>
+            </a:r>
+          </a:p>
+          <a:p>
+            <a:pPr lvl="1"/>
             <a:r>
               <a:rPr lang="en-US" dirty="0" smtClean="0"/>
-              <a:t>We used general recursion with a </a:t>
-            </a:r>
-            <a:r>
-              <a:rPr lang="en-US" i="1" dirty="0" smtClean="0"/>
-              <a:t>list</a:t>
-            </a:r>
+              <a:t>explain what a directed graph is, and it means for one node to be reachable from another</a:t>
+            </a:r>
+          </a:p>
+          <a:p>
+            <a:pPr lvl="1"/>
             <a:r>
               <a:rPr lang="en-US" dirty="0" smtClean="0"/>
-              <a:t> of </a:t>
+              <a:t>explain how the function for reachability works.</a:t>
+            </a:r>
+          </a:p>
+          <a:p>
+            <a:pPr lvl="1"/>
+            <a:r>
+              <a:rPr lang="en-US" dirty="0" smtClean="0"/>
+              <a:t>explain what a closure problem is</a:t>
+            </a:r>
+          </a:p>
+          <a:p>
+            <a:pPr lvl="1"/>
+            <a:r>
+              <a:rPr lang="en-US" dirty="0" smtClean="0"/>
+              <a:t>explain the </a:t>
             </a:r>
             <a:r>
               <a:rPr lang="en-US" dirty="0" err="1" smtClean="0"/>
-              <a:t>subproblems</a:t>
-            </a:r>
-            <a:endParaRPr lang="en-US" dirty="0" smtClean="0"/>
-          </a:p>
-          <a:p>
+              <a:t>worklist</a:t>
+            </a:r>
             <a:r>
               <a:rPr lang="en-US" dirty="0" smtClean="0"/>
-              <a:t>We used list abstractions to make our program easier to write</a:t>
+              <a:t> algorithm</a:t>
+            </a:r>
+          </a:p>
+          <a:p>
+            <a:pPr lvl="1"/>
+            <a:r>
+              <a:rPr lang="en-US" dirty="0" smtClean="0"/>
+              <a:t>write similar programs for searching in graphs.</a:t>
             </a:r>
           </a:p>
         </p:txBody>
@@ -19677,7 +20238,7 @@
     </p:spTree>
     <p:extLst>
       <p:ext uri="{BB962C8B-B14F-4D97-AF65-F5344CB8AC3E}">
-        <p14:creationId xmlns:p14="http://schemas.microsoft.com/office/powerpoint/2010/main" val="2793776612"/>
+        <p14:creationId xmlns:p14="http://schemas.microsoft.com/office/powerpoint/2010/main" val="768699877"/>
       </p:ext>
     </p:extLst>
   </p:cSld>
@@ -19728,7 +20289,7 @@
           <a:p>
             <a:r>
               <a:rPr lang="en-US" dirty="0" smtClean="0"/>
-              <a:t>Learning Objectives</a:t>
+              <a:t>Next Steps</a:t>
             </a:r>
             <a:endParaRPr lang="en-US" dirty="0"/>
           </a:p>
@@ -19744,62 +20305,20 @@
             <p:ph idx="1"/>
           </p:nvPr>
         </p:nvSpPr>
-        <p:spPr>
-          <a:xfrm>
-            <a:off x="457200" y="1676400"/>
-            <a:ext cx="8229600" cy="4525963"/>
-          </a:xfrm>
-        </p:spPr>
+        <p:spPr/>
         <p:txBody>
           <a:bodyPr/>
           <a:lstStyle/>
           <a:p>
             <a:r>
               <a:rPr lang="en-US" dirty="0" smtClean="0"/>
-              <a:t>You should now be able to:</a:t>
-            </a:r>
-          </a:p>
-          <a:p>
-            <a:pPr lvl="1"/>
+              <a:t>If you have questions about this lesson, ask them on the Discussion Board</a:t>
+            </a:r>
+          </a:p>
+          <a:p>
             <a:r>
               <a:rPr lang="en-US" dirty="0" smtClean="0"/>
-              <a:t>explain what a directed graph is, and it means for one node to be reachable from another</a:t>
-            </a:r>
-          </a:p>
-          <a:p>
-            <a:pPr lvl="1"/>
-            <a:r>
-              <a:rPr lang="en-US" dirty="0" smtClean="0"/>
-              <a:t>explain how the function for reachability works.</a:t>
-            </a:r>
-          </a:p>
-          <a:p>
-            <a:pPr lvl="1"/>
-            <a:r>
-              <a:rPr lang="en-US" dirty="0" smtClean="0"/>
-              <a:t>explain what a closure problem is</a:t>
-            </a:r>
-          </a:p>
-          <a:p>
-            <a:pPr lvl="1"/>
-            <a:r>
-              <a:rPr lang="en-US" dirty="0" smtClean="0"/>
-              <a:t>explain the </a:t>
-            </a:r>
-            <a:r>
-              <a:rPr lang="en-US" dirty="0" err="1" smtClean="0"/>
-              <a:t>worklist</a:t>
-            </a:r>
-            <a:r>
-              <a:rPr lang="en-US" dirty="0" smtClean="0"/>
-              <a:t> algorithm</a:t>
-            </a:r>
-          </a:p>
-          <a:p>
-            <a:pPr lvl="1"/>
-            <a:r>
-              <a:rPr lang="en-US" dirty="0" smtClean="0"/>
-              <a:t>write similar programs for searching in graphs.</a:t>
+              <a:t>Do Guided Practice 8.4</a:t>
             </a:r>
           </a:p>
         </p:txBody>
@@ -19831,119 +20350,7 @@
     </p:spTree>
     <p:extLst>
       <p:ext uri="{BB962C8B-B14F-4D97-AF65-F5344CB8AC3E}">
-        <p14:creationId xmlns:p14="http://schemas.microsoft.com/office/powerpoint/2010/main" val="1839553344"/>
-      </p:ext>
-    </p:extLst>
-  </p:cSld>
-  <p:clrMapOvr>
-    <a:masterClrMapping/>
-  </p:clrMapOvr>
-  <p:timing>
-    <p:tnLst>
-      <p:par>
-        <p:cTn id="1" dur="indefinite" restart="never" nodeType="tmRoot"/>
-      </p:par>
-    </p:tnLst>
-  </p:timing>
-</p:sld>
-</file>
-
-<file path=ppt/slides/slide37.xml><?xml version="1.0" encoding="utf-8"?>
-<p:sld xmlns:a="http://schemas.openxmlformats.org/drawingml/2006/main" xmlns:r="http://schemas.openxmlformats.org/officeDocument/2006/relationships" xmlns:p="http://schemas.openxmlformats.org/presentationml/2006/main">
-  <p:cSld>
-    <p:spTree>
-      <p:nvGrpSpPr>
-        <p:cNvPr id="1" name=""/>
-        <p:cNvGrpSpPr/>
-        <p:nvPr/>
-      </p:nvGrpSpPr>
-      <p:grpSpPr>
-        <a:xfrm>
-          <a:off x="0" y="0"/>
-          <a:ext cx="0" cy="0"/>
-          <a:chOff x="0" y="0"/>
-          <a:chExt cx="0" cy="0"/>
-        </a:xfrm>
-      </p:grpSpPr>
-      <p:sp>
-        <p:nvSpPr>
-          <p:cNvPr id="2" name="Title 1"/>
-          <p:cNvSpPr>
-            <a:spLocks noGrp="1"/>
-          </p:cNvSpPr>
-          <p:nvPr>
-            <p:ph type="title"/>
-          </p:nvPr>
-        </p:nvSpPr>
-        <p:spPr/>
-        <p:txBody>
-          <a:bodyPr/>
-          <a:lstStyle/>
-          <a:p>
-            <a:r>
-              <a:rPr lang="en-US" dirty="0" smtClean="0"/>
-              <a:t>Next Steps</a:t>
-            </a:r>
-            <a:endParaRPr lang="en-US" dirty="0"/>
-          </a:p>
-        </p:txBody>
-      </p:sp>
-      <p:sp>
-        <p:nvSpPr>
-          <p:cNvPr id="3" name="Content Placeholder 2"/>
-          <p:cNvSpPr>
-            <a:spLocks noGrp="1"/>
-          </p:cNvSpPr>
-          <p:nvPr>
-            <p:ph idx="1"/>
-          </p:nvPr>
-        </p:nvSpPr>
-        <p:spPr/>
-        <p:txBody>
-          <a:bodyPr/>
-          <a:lstStyle/>
-          <a:p>
-            <a:r>
-              <a:rPr lang="en-US" dirty="0" smtClean="0"/>
-              <a:t>If you have questions about this lesson, ask them on the Discussion Board</a:t>
-            </a:r>
-          </a:p>
-          <a:p>
-            <a:r>
-              <a:rPr lang="en-US" dirty="0" smtClean="0"/>
-              <a:t>Do Guided Practice 8.4</a:t>
-            </a:r>
-          </a:p>
-        </p:txBody>
-      </p:sp>
-      <p:sp>
-        <p:nvSpPr>
-          <p:cNvPr id="4" name="Slide Number Placeholder 3"/>
-          <p:cNvSpPr>
-            <a:spLocks noGrp="1"/>
-          </p:cNvSpPr>
-          <p:nvPr>
-            <p:ph type="sldNum" sz="quarter" idx="12"/>
-          </p:nvPr>
-        </p:nvSpPr>
-        <p:spPr/>
-        <p:txBody>
-          <a:bodyPr/>
-          <a:lstStyle/>
-          <a:p>
-            <a:fld id="{9F4492BD-6A9C-48FC-AC76-0B4FE11194A1}" type="slidenum">
-              <a:rPr lang="en-US" smtClean="0"/>
-              <a:pPr/>
-              <a:t>37</a:t>
-            </a:fld>
-            <a:endParaRPr lang="en-US"/>
-          </a:p>
-        </p:txBody>
-      </p:sp>
-    </p:spTree>
-    <p:extLst>
-      <p:ext uri="{BB962C8B-B14F-4D97-AF65-F5344CB8AC3E}">
-        <p14:creationId xmlns:p14="http://schemas.microsoft.com/office/powerpoint/2010/main" val="2206922053"/>
+        <p14:creationId xmlns:p14="http://schemas.microsoft.com/office/powerpoint/2010/main" val="1480087643"/>
       </p:ext>
     </p:extLst>
   </p:cSld>
@@ -20043,7 +20450,11 @@
             </a:r>
             <a:r>
               <a:rPr lang="en-US" dirty="0" smtClean="0"/>
-              <a:t>each edge has a direction.  We will indicate the direction with an arrow</a:t>
+              <a:t>each edge has a direction.  We will indicate the direction with an </a:t>
+            </a:r>
+            <a:r>
+              <a:rPr lang="en-US" dirty="0" smtClean="0"/>
+              <a:t>arrow.</a:t>
             </a:r>
             <a:endParaRPr lang="en-US" dirty="0"/>
           </a:p>
@@ -20079,7 +20490,7 @@
     </p:spTree>
     <p:extLst>
       <p:ext uri="{BB962C8B-B14F-4D97-AF65-F5344CB8AC3E}">
-        <p14:creationId xmlns:p14="http://schemas.microsoft.com/office/powerpoint/2010/main" val="3335507649"/>
+        <p14:creationId xmlns:p14="http://schemas.microsoft.com/office/powerpoint/2010/main" val="3274178972"/>
       </p:ext>
     </p:extLst>
   </p:cSld>
@@ -20133,6 +20544,30 @@
               <a:t>A Graph</a:t>
             </a:r>
             <a:endParaRPr lang="en-US" dirty="0"/>
+          </a:p>
+        </p:txBody>
+      </p:sp>
+      <p:sp>
+        <p:nvSpPr>
+          <p:cNvPr id="3" name="Slide Number Placeholder 2"/>
+          <p:cNvSpPr>
+            <a:spLocks noGrp="1"/>
+          </p:cNvSpPr>
+          <p:nvPr>
+            <p:ph type="sldNum" sz="quarter" idx="12"/>
+          </p:nvPr>
+        </p:nvSpPr>
+        <p:spPr/>
+        <p:txBody>
+          <a:bodyPr/>
+          <a:lstStyle/>
+          <a:p>
+            <a:fld id="{9F4492BD-6A9C-48FC-AC76-0B4FE11194A1}" type="slidenum">
+              <a:rPr lang="en-US" smtClean="0"/>
+              <a:pPr/>
+              <a:t>5</a:t>
+            </a:fld>
+            <a:endParaRPr lang="en-US"/>
           </a:p>
         </p:txBody>
       </p:sp>
@@ -21012,31 +21447,12 @@
           </p:style>
         </p:cxnSp>
       </p:grpSp>
-      <p:sp>
-        <p:nvSpPr>
-          <p:cNvPr id="3" name="Slide Number Placeholder 2"/>
-          <p:cNvSpPr>
-            <a:spLocks noGrp="1"/>
-          </p:cNvSpPr>
-          <p:nvPr>
-            <p:ph type="sldNum" sz="quarter" idx="12"/>
-          </p:nvPr>
-        </p:nvSpPr>
-        <p:spPr/>
-        <p:txBody>
-          <a:bodyPr/>
-          <a:lstStyle/>
-          <a:p>
-            <a:fld id="{9F4492BD-6A9C-48FC-AC76-0B4FE11194A1}" type="slidenum">
-              <a:rPr lang="en-US" smtClean="0"/>
-              <a:pPr/>
-              <a:t>5</a:t>
-            </a:fld>
-            <a:endParaRPr lang="en-US"/>
-          </a:p>
-        </p:txBody>
-      </p:sp>
     </p:spTree>
+    <p:extLst>
+      <p:ext uri="{BB962C8B-B14F-4D97-AF65-F5344CB8AC3E}">
+        <p14:creationId xmlns:p14="http://schemas.microsoft.com/office/powerpoint/2010/main" val="4043613515"/>
+      </p:ext>
+    </p:extLst>
   </p:cSld>
   <p:clrMapOvr>
     <a:masterClrMapping/>
@@ -21093,13 +21509,37 @@
       </p:sp>
       <p:sp>
         <p:nvSpPr>
+          <p:cNvPr id="3" name="Slide Number Placeholder 2"/>
+          <p:cNvSpPr>
+            <a:spLocks noGrp="1"/>
+          </p:cNvSpPr>
+          <p:nvPr>
+            <p:ph type="sldNum" sz="quarter" idx="12"/>
+          </p:nvPr>
+        </p:nvSpPr>
+        <p:spPr/>
+        <p:txBody>
+          <a:bodyPr/>
+          <a:lstStyle/>
+          <a:p>
+            <a:fld id="{9F4492BD-6A9C-48FC-AC76-0B4FE11194A1}" type="slidenum">
+              <a:rPr lang="en-US" smtClean="0"/>
+              <a:pPr/>
+              <a:t>6</a:t>
+            </a:fld>
+            <a:endParaRPr lang="en-US"/>
+          </a:p>
+        </p:txBody>
+      </p:sp>
+      <p:sp>
+        <p:nvSpPr>
           <p:cNvPr id="33" name="TextBox 32"/>
           <p:cNvSpPr txBox="1"/>
           <p:nvPr/>
         </p:nvSpPr>
         <p:spPr>
           <a:xfrm>
-            <a:off x="381001" y="1447800"/>
+            <a:off x="470273" y="1636177"/>
             <a:ext cx="4191000" cy="3108543"/>
           </a:xfrm>
           <a:prstGeom prst="rect">
@@ -21992,34 +22432,10 @@
           </p:style>
         </p:cxnSp>
       </p:grpSp>
-      <p:sp>
-        <p:nvSpPr>
-          <p:cNvPr id="3" name="Slide Number Placeholder 2"/>
-          <p:cNvSpPr>
-            <a:spLocks noGrp="1"/>
-          </p:cNvSpPr>
-          <p:nvPr>
-            <p:ph type="sldNum" sz="quarter" idx="12"/>
-          </p:nvPr>
-        </p:nvSpPr>
-        <p:spPr/>
-        <p:txBody>
-          <a:bodyPr/>
-          <a:lstStyle/>
-          <a:p>
-            <a:fld id="{9F4492BD-6A9C-48FC-AC76-0B4FE11194A1}" type="slidenum">
-              <a:rPr lang="en-US" smtClean="0"/>
-              <a:pPr/>
-              <a:t>6</a:t>
-            </a:fld>
-            <a:endParaRPr lang="en-US"/>
-          </a:p>
-        </p:txBody>
-      </p:sp>
     </p:spTree>
     <p:extLst>
       <p:ext uri="{BB962C8B-B14F-4D97-AF65-F5344CB8AC3E}">
-        <p14:creationId xmlns:p14="http://schemas.microsoft.com/office/powerpoint/2010/main" val="2879945636"/>
+        <p14:creationId xmlns:p14="http://schemas.microsoft.com/office/powerpoint/2010/main" val="1950754455"/>
       </p:ext>
     </p:extLst>
   </p:cSld>
@@ -22069,10 +22485,42 @@
           <a:lstStyle/>
           <a:p>
             <a:r>
+              <a:rPr lang="en-US" b="1" dirty="0" smtClean="0"/>
+              <a:t>all-successors</a:t>
+            </a:r>
+            <a:r>
               <a:rPr lang="en-US" dirty="0" smtClean="0"/>
-              <a:t>successors of a set of nodes</a:t>
+              <a:t> </a:t>
+            </a:r>
+            <a:r>
+              <a:rPr lang="en-US" dirty="0" smtClean="0"/>
+              <a:t>of a set of nodes</a:t>
             </a:r>
             <a:endParaRPr lang="en-US" dirty="0"/>
+          </a:p>
+        </p:txBody>
+      </p:sp>
+      <p:sp>
+        <p:nvSpPr>
+          <p:cNvPr id="3" name="Slide Number Placeholder 2"/>
+          <p:cNvSpPr>
+            <a:spLocks noGrp="1"/>
+          </p:cNvSpPr>
+          <p:nvPr>
+            <p:ph type="sldNum" sz="quarter" idx="12"/>
+          </p:nvPr>
+        </p:nvSpPr>
+        <p:spPr/>
+        <p:txBody>
+          <a:bodyPr/>
+          <a:lstStyle/>
+          <a:p>
+            <a:fld id="{9F4492BD-6A9C-48FC-AC76-0B4FE11194A1}" type="slidenum">
+              <a:rPr lang="en-US" smtClean="0"/>
+              <a:pPr/>
+              <a:t>7</a:t>
+            </a:fld>
+            <a:endParaRPr lang="en-US"/>
           </a:p>
         </p:txBody>
       </p:sp>
@@ -22084,7 +22532,7 @@
         </p:nvSpPr>
         <p:spPr>
           <a:xfrm>
-            <a:off x="381001" y="1447800"/>
+            <a:off x="457200" y="1807856"/>
             <a:ext cx="4191000" cy="3970318"/>
           </a:xfrm>
           <a:prstGeom prst="rect">
@@ -22112,8 +22560,12 @@
           <a:lstStyle/>
           <a:p>
             <a:r>
+              <a:rPr lang="en-US" sz="2800" b="1" dirty="0"/>
+              <a:t>all-successors</a:t>
+            </a:r>
+            <a:r>
               <a:rPr lang="en-US" sz="2800" dirty="0"/>
-              <a:t>all-successors of a set of nodes are all the successors of </a:t>
+              <a:t> of a set of nodes are all the successors of </a:t>
             </a:r>
             <a:r>
               <a:rPr lang="en-US" sz="2800" dirty="0" smtClean="0"/>
@@ -22990,34 +23442,10 @@
           </p:style>
         </p:cxnSp>
       </p:grpSp>
-      <p:sp>
-        <p:nvSpPr>
-          <p:cNvPr id="3" name="Slide Number Placeholder 2"/>
-          <p:cNvSpPr>
-            <a:spLocks noGrp="1"/>
-          </p:cNvSpPr>
-          <p:nvPr>
-            <p:ph type="sldNum" sz="quarter" idx="12"/>
-          </p:nvPr>
-        </p:nvSpPr>
-        <p:spPr/>
-        <p:txBody>
-          <a:bodyPr/>
-          <a:lstStyle/>
-          <a:p>
-            <a:fld id="{9F4492BD-6A9C-48FC-AC76-0B4FE11194A1}" type="slidenum">
-              <a:rPr lang="en-US" smtClean="0"/>
-              <a:pPr/>
-              <a:t>7</a:t>
-            </a:fld>
-            <a:endParaRPr lang="en-US"/>
-          </a:p>
-        </p:txBody>
-      </p:sp>
     </p:spTree>
     <p:extLst>
       <p:ext uri="{BB962C8B-B14F-4D97-AF65-F5344CB8AC3E}">
-        <p14:creationId xmlns:p14="http://schemas.microsoft.com/office/powerpoint/2010/main" val="3290053656"/>
+        <p14:creationId xmlns:p14="http://schemas.microsoft.com/office/powerpoint/2010/main" val="2719759537"/>
       </p:ext>
     </p:extLst>
   </p:cSld>
@@ -23076,6 +23504,30 @@
               <a:t>Paths in a Graph</a:t>
             </a:r>
             <a:endParaRPr lang="en-US" dirty="0"/>
+          </a:p>
+        </p:txBody>
+      </p:sp>
+      <p:sp>
+        <p:nvSpPr>
+          <p:cNvPr id="4" name="Slide Number Placeholder 3"/>
+          <p:cNvSpPr>
+            <a:spLocks noGrp="1"/>
+          </p:cNvSpPr>
+          <p:nvPr>
+            <p:ph type="sldNum" sz="quarter" idx="12"/>
+          </p:nvPr>
+        </p:nvSpPr>
+        <p:spPr/>
+        <p:txBody>
+          <a:bodyPr/>
+          <a:lstStyle/>
+          <a:p>
+            <a:fld id="{9F4492BD-6A9C-48FC-AC76-0B4FE11194A1}" type="slidenum">
+              <a:rPr lang="en-US" smtClean="0"/>
+              <a:pPr/>
+              <a:t>8</a:t>
+            </a:fld>
+            <a:endParaRPr lang="en-US"/>
           </a:p>
         </p:txBody>
       </p:sp>
@@ -24076,34 +24528,10 @@
           </a:p>
         </p:txBody>
       </p:sp>
-      <p:sp>
-        <p:nvSpPr>
-          <p:cNvPr id="4" name="Slide Number Placeholder 3"/>
-          <p:cNvSpPr>
-            <a:spLocks noGrp="1"/>
-          </p:cNvSpPr>
-          <p:nvPr>
-            <p:ph type="sldNum" sz="quarter" idx="12"/>
-          </p:nvPr>
-        </p:nvSpPr>
-        <p:spPr/>
-        <p:txBody>
-          <a:bodyPr/>
-          <a:lstStyle/>
-          <a:p>
-            <a:fld id="{9F4492BD-6A9C-48FC-AC76-0B4FE11194A1}" type="slidenum">
-              <a:rPr lang="en-US" smtClean="0"/>
-              <a:pPr/>
-              <a:t>8</a:t>
-            </a:fld>
-            <a:endParaRPr lang="en-US"/>
-          </a:p>
-        </p:txBody>
-      </p:sp>
     </p:spTree>
     <p:extLst>
       <p:ext uri="{BB962C8B-B14F-4D97-AF65-F5344CB8AC3E}">
-        <p14:creationId xmlns:p14="http://schemas.microsoft.com/office/powerpoint/2010/main" val="3266530904"/>
+        <p14:creationId xmlns:p14="http://schemas.microsoft.com/office/powerpoint/2010/main" val="3729308660"/>
       </p:ext>
     </p:extLst>
   </p:cSld>
@@ -24157,6 +24585,30 @@
               <a:t>Cycles</a:t>
             </a:r>
             <a:endParaRPr lang="en-US" dirty="0"/>
+          </a:p>
+        </p:txBody>
+      </p:sp>
+      <p:sp>
+        <p:nvSpPr>
+          <p:cNvPr id="15" name="Slide Number Placeholder 14"/>
+          <p:cNvSpPr>
+            <a:spLocks noGrp="1"/>
+          </p:cNvSpPr>
+          <p:nvPr>
+            <p:ph type="sldNum" sz="quarter" idx="12"/>
+          </p:nvPr>
+        </p:nvSpPr>
+        <p:spPr/>
+        <p:txBody>
+          <a:bodyPr/>
+          <a:lstStyle/>
+          <a:p>
+            <a:fld id="{9F4492BD-6A9C-48FC-AC76-0B4FE11194A1}" type="slidenum">
+              <a:rPr lang="en-US" smtClean="0"/>
+              <a:pPr/>
+              <a:t>9</a:t>
+            </a:fld>
+            <a:endParaRPr lang="en-US"/>
           </a:p>
         </p:txBody>
       </p:sp>
@@ -25093,34 +25545,10 @@
           </a:p>
         </p:txBody>
       </p:sp>
-      <p:sp>
-        <p:nvSpPr>
-          <p:cNvPr id="15" name="Slide Number Placeholder 14"/>
-          <p:cNvSpPr>
-            <a:spLocks noGrp="1"/>
-          </p:cNvSpPr>
-          <p:nvPr>
-            <p:ph type="sldNum" sz="quarter" idx="12"/>
-          </p:nvPr>
-        </p:nvSpPr>
-        <p:spPr/>
-        <p:txBody>
-          <a:bodyPr/>
-          <a:lstStyle/>
-          <a:p>
-            <a:fld id="{9F4492BD-6A9C-48FC-AC76-0B4FE11194A1}" type="slidenum">
-              <a:rPr lang="en-US" smtClean="0"/>
-              <a:pPr/>
-              <a:t>9</a:t>
-            </a:fld>
-            <a:endParaRPr lang="en-US"/>
-          </a:p>
-        </p:txBody>
-      </p:sp>
     </p:spTree>
     <p:extLst>
       <p:ext uri="{BB962C8B-B14F-4D97-AF65-F5344CB8AC3E}">
-        <p14:creationId xmlns:p14="http://schemas.microsoft.com/office/powerpoint/2010/main" val="2450010613"/>
+        <p14:creationId xmlns:p14="http://schemas.microsoft.com/office/powerpoint/2010/main" val="906803067"/>
       </p:ext>
     </p:extLst>
   </p:cSld>
@@ -25139,8 +25567,7 @@
 
 <file path=ppt/tags/tag1.xml><?xml version="1.0" encoding="utf-8"?>
 <p:tagLst xmlns:a="http://schemas.openxmlformats.org/drawingml/2006/main" xmlns:r="http://schemas.openxmlformats.org/officeDocument/2006/relationships" xmlns:p="http://schemas.openxmlformats.org/presentationml/2006/main">
-  <p:tag name="ISPRING_RESOURCE_PATHS_HASH_2" val="a715c3e2e12397255096108cd2b177977f90a6"/>
-  <p:tag name="ISPRING_RESOURCE_PATHS_HASH_PRESENTER" val="8bdda9484ff36434c3188a56709224c21395c98"/>
+  <p:tag name="ISPRING_RESOURCE_PATHS_HASH_PRESENTER" val="876fc126d3114d2cd7af425e30d91d1d47f77022"/>
 </p:tagLst>
 </file>
 
@@ -25151,7 +25578,7 @@
 </file>
 
 <file path=ppt/theme/theme1.xml><?xml version="1.0" encoding="utf-8"?>
-<a:theme xmlns:a="http://schemas.openxmlformats.org/drawingml/2006/main" name="Office Theme">
+<a:theme xmlns:a="http://schemas.openxmlformats.org/drawingml/2006/main" name="1_Office Theme">
   <a:themeElements>
     <a:clrScheme name="Office">
       <a:dk1>
@@ -25225,6 +25652,7 @@
         <a:font script="Mong" typeface="Mongolian Baiti"/>
         <a:font script="Viet" typeface="Times New Roman"/>
         <a:font script="Uigh" typeface="Microsoft Uighur"/>
+        <a:font script="Geor" typeface="Sylfaen"/>
       </a:majorFont>
       <a:minorFont>
         <a:latin typeface="Calibri"/>
@@ -25259,6 +25687,7 @@
         <a:font script="Mong" typeface="Mongolian Baiti"/>
         <a:font script="Viet" typeface="Arial"/>
         <a:font script="Uigh" typeface="Microsoft Uighur"/>
+        <a:font script="Geor" typeface="Sylfaen"/>
       </a:minorFont>
     </a:fontScheme>
     <a:fmtScheme name="Office">
@@ -25446,8 +25875,8 @@
         <a:noAutofit/>
       </a:bodyPr>
       <a:lstStyle>
-        <a:defPPr algn="ctr">
-          <a:defRPr sz="2400" dirty="0" smtClean="0">
+        <a:defPPr>
+          <a:defRPr dirty="0">
             <a:solidFill>
               <a:schemeClr val="tx1"/>
             </a:solidFill>
@@ -25469,68 +25898,6 @@
         </a:fontRef>
       </a:style>
     </a:spDef>
-    <a:lnDef>
-      <a:spPr>
-        <a:ln w="12700">
-          <a:solidFill>
-            <a:schemeClr val="tx1"/>
-          </a:solidFill>
-          <a:tailEnd type="stealth" w="lg" len="lg"/>
-        </a:ln>
-      </a:spPr>
-      <a:bodyPr/>
-      <a:lstStyle/>
-      <a:style>
-        <a:lnRef idx="1">
-          <a:schemeClr val="accent1"/>
-        </a:lnRef>
-        <a:fillRef idx="0">
-          <a:schemeClr val="accent1"/>
-        </a:fillRef>
-        <a:effectRef idx="0">
-          <a:schemeClr val="accent1"/>
-        </a:effectRef>
-        <a:fontRef idx="minor">
-          <a:schemeClr val="tx1"/>
-        </a:fontRef>
-      </a:style>
-    </a:lnDef>
-    <a:txDef>
-      <a:spPr>
-        <a:solidFill>
-          <a:schemeClr val="accent3">
-            <a:lumMod val="40000"/>
-            <a:lumOff val="60000"/>
-          </a:schemeClr>
-        </a:solidFill>
-        <a:ln/>
-      </a:spPr>
-      <a:bodyPr rot="0" spcFirstLastPara="0" vertOverflow="overflow" horzOverflow="overflow" vert="horz" wrap="square" lIns="91440" tIns="45720" rIns="91440" bIns="45720" numCol="1" spcCol="0" rtlCol="0" fromWordArt="0" anchor="ctr" anchorCtr="0" forceAA="0" compatLnSpc="1">
-        <a:prstTxWarp prst="textNoShape">
-          <a:avLst/>
-        </a:prstTxWarp>
-        <a:noAutofit/>
-      </a:bodyPr>
-      <a:lstStyle>
-        <a:defPPr>
-          <a:defRPr sz="1400" dirty="0"/>
-        </a:defPPr>
-      </a:lstStyle>
-      <a:style>
-        <a:lnRef idx="2">
-          <a:schemeClr val="accent1"/>
-        </a:lnRef>
-        <a:fillRef idx="1">
-          <a:schemeClr val="lt1"/>
-        </a:fillRef>
-        <a:effectRef idx="0">
-          <a:schemeClr val="accent1"/>
-        </a:effectRef>
-        <a:fontRef idx="minor">
-          <a:schemeClr val="dk1"/>
-        </a:fontRef>
-      </a:style>
-    </a:txDef>
   </a:objectDefaults>
   <a:extraClrSchemeLst/>
 </a:theme>

--- a/Slides/Lesson 8.4 Searching in a Graph.pptx
+++ b/Slides/Lesson 8.4 Searching in a Graph.pptx
@@ -261,7 +261,7 @@
             <a:fld id="{CF8F25F6-E1EF-4065-8525-42EDEBD9BD22}" type="datetimeFigureOut">
               <a:rPr lang="en-US" smtClean="0"/>
               <a:pPr/>
-              <a:t>10/5/2015</a:t>
+              <a:t>10/16/2015</a:t>
             </a:fld>
             <a:endParaRPr lang="en-US"/>
           </a:p>
@@ -1310,7 +1310,7 @@
           <a:p>
             <a:fld id="{2F1F79F5-7BEC-496A-AFC7-876E38F64D71}" type="datetime1">
               <a:rPr lang="en-US" smtClean="0"/>
-              <a:t>10/5/2015</a:t>
+              <a:t>10/16/2015</a:t>
             </a:fld>
             <a:endParaRPr lang="en-US"/>
           </a:p>
@@ -1412,7 +1412,7 @@
           <a:p>
             <a:fld id="{0A05703A-7669-4FEA-9056-25299B4D29D4}" type="datetime1">
               <a:rPr lang="en-US" smtClean="0"/>
-              <a:t>10/5/2015</a:t>
+              <a:t>10/16/2015</a:t>
             </a:fld>
             <a:endParaRPr lang="en-US"/>
           </a:p>
@@ -1689,7 +1689,7 @@
           <a:p>
             <a:fld id="{6E5077B5-BB57-49DB-88CA-226A139E5C01}" type="datetime1">
               <a:rPr lang="en-US" smtClean="0"/>
-              <a:t>10/5/2015</a:t>
+              <a:t>10/16/2015</a:t>
             </a:fld>
             <a:endParaRPr lang="en-US"/>
           </a:p>
@@ -1942,7 +1942,7 @@
           <a:p>
             <a:fld id="{C48D9447-CBD6-49A1-89FD-8512A8CF8999}" type="datetime1">
               <a:rPr lang="en-US" smtClean="0"/>
-              <a:t>10/5/2015</a:t>
+              <a:t>10/16/2015</a:t>
             </a:fld>
             <a:endParaRPr lang="en-US"/>
           </a:p>
@@ -2112,7 +2112,7 @@
           <a:p>
             <a:fld id="{A3639A2A-823D-48B7-9ACE-7FAF42870BA9}" type="datetime1">
               <a:rPr lang="en-US" smtClean="0"/>
-              <a:t>10/5/2015</a:t>
+              <a:t>10/16/2015</a:t>
             </a:fld>
             <a:endParaRPr lang="en-US"/>
           </a:p>
@@ -2292,7 +2292,7 @@
           <a:p>
             <a:fld id="{ED1B6996-82E9-463C-972C-7B56056E426C}" type="datetime1">
               <a:rPr lang="en-US" smtClean="0"/>
-              <a:t>10/5/2015</a:t>
+              <a:t>10/16/2015</a:t>
             </a:fld>
             <a:endParaRPr lang="en-US"/>
           </a:p>
@@ -2468,7 +2468,7 @@
           <a:p>
             <a:fld id="{E22ED4DA-448D-4BB1-B935-CC112220207B}" type="datetime1">
               <a:rPr lang="en-US" smtClean="0"/>
-              <a:t>10/5/2015</a:t>
+              <a:t>10/16/2015</a:t>
             </a:fld>
             <a:endParaRPr lang="en-US"/>
           </a:p>
@@ -2650,7 +2650,7 @@
           <a:p>
             <a:fld id="{E22ED4DA-448D-4BB1-B935-CC112220207B}" type="datetime1">
               <a:rPr lang="en-US" smtClean="0"/>
-              <a:t>10/5/2015</a:t>
+              <a:t>10/16/2015</a:t>
             </a:fld>
             <a:endParaRPr lang="en-US"/>
           </a:p>
@@ -2919,7 +2919,7 @@
           <a:p>
             <a:fld id="{FF5D65A6-AB94-4435-B0B7-3743215FA46C}" type="datetime1">
               <a:rPr lang="en-US" smtClean="0"/>
-              <a:t>10/5/2015</a:t>
+              <a:t>10/16/2015</a:t>
             </a:fld>
             <a:endParaRPr lang="en-US"/>
           </a:p>
@@ -3104,7 +3104,7 @@
           <a:p>
             <a:fld id="{FF5D65A6-AB94-4435-B0B7-3743215FA46C}" type="datetime1">
               <a:rPr lang="en-US" smtClean="0"/>
-              <a:t>10/5/2015</a:t>
+              <a:t>10/16/2015</a:t>
             </a:fld>
             <a:endParaRPr lang="en-US"/>
           </a:p>
@@ -3406,7 +3406,7 @@
           <a:p>
             <a:fld id="{7C193DC4-6EF0-48C9-B29C-616106A645E1}" type="datetime1">
               <a:rPr lang="en-US" smtClean="0"/>
-              <a:t>10/5/2015</a:t>
+              <a:t>10/16/2015</a:t>
             </a:fld>
             <a:endParaRPr lang="en-US"/>
           </a:p>
@@ -3694,7 +3694,7 @@
           <a:p>
             <a:fld id="{5D1846AD-9252-4647-9435-4C2AC365653A}" type="datetime1">
               <a:rPr lang="en-US" smtClean="0"/>
-              <a:t>10/5/2015</a:t>
+              <a:t>10/16/2015</a:t>
             </a:fld>
             <a:endParaRPr lang="en-US"/>
           </a:p>
@@ -4116,7 +4116,7 @@
           <a:p>
             <a:fld id="{CE56DC10-3561-4063-A6AF-C1CC7A41040A}" type="datetime1">
               <a:rPr lang="en-US" smtClean="0"/>
-              <a:t>10/5/2015</a:t>
+              <a:t>10/16/2015</a:t>
             </a:fld>
             <a:endParaRPr lang="en-US"/>
           </a:p>
@@ -4234,7 +4234,7 @@
           <a:p>
             <a:fld id="{2F7B77F5-1464-4F6B-92A8-64FC8A508293}" type="datetime1">
               <a:rPr lang="en-US" smtClean="0"/>
-              <a:t>10/5/2015</a:t>
+              <a:t>10/16/2015</a:t>
             </a:fld>
             <a:endParaRPr lang="en-US"/>
           </a:p>
@@ -4466,7 +4466,7 @@
           <a:p>
             <a:fld id="{02B3F677-983B-48DB-ADFD-63FE6CBC7FB2}" type="datetime1">
               <a:rPr lang="en-US" smtClean="0"/>
-              <a:t>10/5/2015</a:t>
+              <a:t>10/16/2015</a:t>
             </a:fld>
             <a:endParaRPr lang="en-US"/>
           </a:p>
@@ -11054,8 +11054,20 @@
           </a:p>
           <a:p>
             <a:r>
+              <a:rPr lang="en-US" dirty="0"/>
+              <a:t>;; STRATEGY: recur on </a:t>
+            </a:r>
+            <a:r>
               <a:rPr lang="en-US" dirty="0" smtClean="0"/>
-              <a:t>;; STRATEGY: General Recursion</a:t>
+              <a:t>(nodes U their </a:t>
+            </a:r>
+            <a:r>
+              <a:rPr lang="en-US" dirty="0"/>
+              <a:t>immediate </a:t>
+            </a:r>
+            <a:r>
+              <a:rPr lang="en-US" dirty="0" smtClean="0"/>
+              <a:t>successors)</a:t>
             </a:r>
           </a:p>
           <a:p>
@@ -11073,7 +11085,6 @@
               <a:rPr lang="en-US" dirty="0" smtClean="0"/>
               <a:t>;;   # of nodes in the graph that are NOT in the set 'nodes'.</a:t>
             </a:r>
-            <a:endParaRPr lang="en-US" dirty="0" smtClean="0"/>
           </a:p>
           <a:p>
             <a:r>
@@ -15459,44 +15470,44 @@
         <p:spPr/>
         <p:txBody>
           <a:bodyPr>
-            <a:normAutofit fontScale="47500" lnSpcReduction="20000"/>
+            <a:noAutofit/>
           </a:bodyPr>
           <a:lstStyle/>
           <a:p>
             <a:r>
-              <a:rPr lang="en-US" dirty="0" smtClean="0"/>
+              <a:rPr lang="en-US" sz="1200" dirty="0" smtClean="0"/>
               <a:t>;; reachables1 : </a:t>
             </a:r>
             <a:r>
-              <a:rPr lang="en-US" dirty="0" err="1" smtClean="0"/>
+              <a:rPr lang="en-US" sz="1200" dirty="0" err="1" smtClean="0"/>
               <a:t>SetOfNode</a:t>
             </a:r>
             <a:r>
-              <a:rPr lang="en-US" dirty="0" smtClean="0"/>
+              <a:rPr lang="en-US" sz="1200" dirty="0" smtClean="0"/>
               <a:t> </a:t>
             </a:r>
             <a:r>
-              <a:rPr lang="en-US" dirty="0" err="1" smtClean="0"/>
+              <a:rPr lang="en-US" sz="1200" dirty="0" err="1" smtClean="0"/>
               <a:t>SetOfNode</a:t>
             </a:r>
             <a:r>
-              <a:rPr lang="en-US" dirty="0" smtClean="0"/>
+              <a:rPr lang="en-US" sz="1200" dirty="0" smtClean="0"/>
               <a:t> Graph</a:t>
             </a:r>
           </a:p>
           <a:p>
             <a:r>
-              <a:rPr lang="en-US" dirty="0" smtClean="0"/>
+              <a:rPr lang="en-US" sz="1200" dirty="0" smtClean="0"/>
               <a:t>;; GIVEN: two sets of nodes, 'nodes' and 'newest' in a graph</a:t>
             </a:r>
           </a:p>
           <a:p>
             <a:r>
-              <a:rPr lang="en-US" dirty="0" smtClean="0"/>
+              <a:rPr lang="en-US" sz="1200" dirty="0" smtClean="0"/>
               <a:t>;; </a:t>
             </a:r>
             <a:r>
-              <a:rPr lang="en-US" dirty="0" smtClean="0">
+              <a:rPr lang="en-US" sz="1200" dirty="0" smtClean="0">
                 <a:solidFill>
                   <a:srgbClr val="FF0000"/>
                 </a:solidFill>
@@ -15506,11 +15517,11 @@
           </a:p>
           <a:p>
             <a:r>
-              <a:rPr lang="en-US" dirty="0" smtClean="0"/>
+              <a:rPr lang="en-US" sz="1200" dirty="0" smtClean="0"/>
               <a:t>;;</a:t>
             </a:r>
             <a:r>
-              <a:rPr lang="en-US" dirty="0" smtClean="0">
+              <a:rPr lang="en-US" sz="1200" dirty="0" smtClean="0">
                 <a:solidFill>
                   <a:srgbClr val="FF0000"/>
                 </a:solidFill>
@@ -15520,103 +15531,125 @@
           </a:p>
           <a:p>
             <a:r>
-              <a:rPr lang="en-US" dirty="0" smtClean="0"/>
+              <a:rPr lang="en-US" sz="1200" dirty="0" smtClean="0"/>
               <a:t>;; RETURNS: the set of nodes reachable from 'nodes'.</a:t>
             </a:r>
           </a:p>
           <a:p>
             <a:r>
-              <a:rPr lang="en-US" dirty="0" smtClean="0"/>
-              <a:t>;; STRATEGY: General Recursion</a:t>
-            </a:r>
-          </a:p>
-          <a:p>
-            <a:r>
-              <a:rPr lang="en-US" dirty="0"/>
-              <a:t>;; HALTING MEASURE: </a:t>
-            </a:r>
-          </a:p>
-          <a:p>
-            <a:r>
-              <a:rPr lang="en-US" dirty="0"/>
+              <a:rPr lang="en-US" sz="1200" dirty="0"/>
+              <a:t>;; STRATEGY: recur on successors of newest that are not already </a:t>
+            </a:r>
+            <a:r>
+              <a:rPr lang="en-US" sz="1200" dirty="0" smtClean="0"/>
+              <a:t>in </a:t>
+            </a:r>
+            <a:r>
+              <a:rPr lang="en-US" sz="1200" dirty="0"/>
+              <a:t>nodes; </a:t>
+            </a:r>
+            <a:endParaRPr lang="en-US" sz="1200" dirty="0" smtClean="0"/>
+          </a:p>
+          <a:p>
+            <a:r>
+              <a:rPr lang="en-US" sz="1200" dirty="0" smtClean="0"/>
+              <a:t>;;    halt when no more successors </a:t>
+            </a:r>
+          </a:p>
+          <a:p>
+            <a:r>
+              <a:rPr lang="en-US" sz="1200" dirty="0" smtClean="0"/>
+              <a:t>;; </a:t>
+            </a:r>
+            <a:r>
+              <a:rPr lang="en-US" sz="1200" dirty="0"/>
+              <a:t>HALTING MEASURE: </a:t>
+            </a:r>
+          </a:p>
+          <a:p>
+            <a:r>
+              <a:rPr lang="en-US" sz="1200" dirty="0"/>
               <a:t>;;   # of nodes in the graph that are NOT in the set 'nodes'.</a:t>
             </a:r>
           </a:p>
           <a:p>
-            <a:r>
-              <a:rPr lang="en-US" dirty="0" smtClean="0"/>
+            <a:endParaRPr lang="en-US" sz="1200" dirty="0" smtClean="0"/>
+          </a:p>
+          <a:p>
+            <a:r>
+              <a:rPr lang="en-US" sz="1200" dirty="0" smtClean="0"/>
               <a:t>(</a:t>
             </a:r>
             <a:r>
-              <a:rPr lang="en-US" dirty="0" smtClean="0"/>
+              <a:rPr lang="en-US" sz="1200" dirty="0" smtClean="0"/>
               <a:t>define (reachables1 nodes newest graph)</a:t>
             </a:r>
           </a:p>
           <a:p>
             <a:r>
-              <a:rPr lang="en-US" dirty="0" smtClean="0"/>
+              <a:rPr lang="en-US" sz="1200" dirty="0" smtClean="0"/>
               <a:t>  (local</a:t>
             </a:r>
           </a:p>
           <a:p>
             <a:r>
-              <a:rPr lang="en-US" dirty="0" smtClean="0"/>
+              <a:rPr lang="en-US" sz="1200" dirty="0" smtClean="0"/>
               <a:t>    ((define candidates (set-minus </a:t>
             </a:r>
           </a:p>
           <a:p>
             <a:r>
-              <a:rPr lang="en-US" dirty="0" smtClean="0"/>
+              <a:rPr lang="en-US" sz="1200" dirty="0" smtClean="0"/>
               <a:t>                          (all-successors newest graph)</a:t>
             </a:r>
           </a:p>
           <a:p>
             <a:r>
-              <a:rPr lang="en-US" dirty="0" smtClean="0"/>
+              <a:rPr lang="en-US" sz="1200" dirty="0" smtClean="0"/>
               <a:t>                          nodes)))</a:t>
             </a:r>
           </a:p>
           <a:p>
             <a:r>
-              <a:rPr lang="en-US" dirty="0" smtClean="0"/>
+              <a:rPr lang="en-US" sz="1200" dirty="0" smtClean="0"/>
               <a:t>    (</a:t>
             </a:r>
             <a:r>
-              <a:rPr lang="en-US" dirty="0" err="1" smtClean="0"/>
+              <a:rPr lang="en-US" sz="1200" dirty="0" err="1" smtClean="0"/>
               <a:t>cond</a:t>
             </a:r>
-            <a:endParaRPr lang="en-US" dirty="0" smtClean="0"/>
-          </a:p>
-          <a:p>
-            <a:r>
-              <a:rPr lang="en-US" dirty="0" smtClean="0"/>
+            <a:endParaRPr lang="en-US" sz="1200" dirty="0" smtClean="0"/>
+          </a:p>
+          <a:p>
+            <a:r>
+              <a:rPr lang="en-US" sz="1200" dirty="0" smtClean="0"/>
               <a:t>      [(empty? candidates) nodes]</a:t>
             </a:r>
           </a:p>
           <a:p>
             <a:r>
-              <a:rPr lang="en-US" dirty="0" smtClean="0"/>
+              <a:rPr lang="en-US" sz="1200" dirty="0" smtClean="0"/>
               <a:t>      [else (reachables1</a:t>
             </a:r>
           </a:p>
           <a:p>
             <a:r>
-              <a:rPr lang="en-US" dirty="0" smtClean="0"/>
+              <a:rPr lang="en-US" sz="1200" dirty="0" smtClean="0"/>
               <a:t>              (append candidates nodes)</a:t>
             </a:r>
           </a:p>
           <a:p>
             <a:r>
-              <a:rPr lang="en-US" dirty="0" smtClean="0"/>
+              <a:rPr lang="en-US" sz="1200" dirty="0" smtClean="0"/>
               <a:t>              candidates</a:t>
             </a:r>
           </a:p>
           <a:p>
             <a:r>
-              <a:rPr lang="en-US" dirty="0" smtClean="0"/>
+              <a:rPr lang="en-US" sz="1200" dirty="0" smtClean="0"/>
               <a:t>              graph)])))</a:t>
             </a:r>
-            <a:endParaRPr lang="en-US" dirty="0"/>
+            <a:endParaRPr lang="en-US" sz="1200" dirty="0"/>
           </a:p>
         </p:txBody>
       </p:sp>
@@ -15652,7 +15685,7 @@
         </p:nvSpPr>
         <p:spPr>
           <a:xfrm>
-            <a:off x="5334001" y="4876800"/>
+            <a:off x="5318760" y="5119086"/>
             <a:ext cx="3581400" cy="1015663"/>
           </a:xfrm>
           <a:prstGeom prst="rect">
@@ -15699,9 +15732,9 @@
           <p:nvPr/>
         </p:nvSpPr>
         <p:spPr>
-          <a:xfrm>
-            <a:off x="4754880" y="5364480"/>
-            <a:ext cx="563880" cy="15240"/>
+          <a:xfrm flipV="1">
+            <a:off x="3962400" y="5672636"/>
+            <a:ext cx="1356360" cy="45719"/>
           </a:xfrm>
           <a:custGeom>
             <a:avLst/>
@@ -15855,8 +15888,32 @@
             </a:pPr>
             <a:r>
               <a:rPr lang="en-US" sz="2800" dirty="0" smtClean="0"/>
-              <a:t>;; initially all the nodes are new.</a:t>
-            </a:r>
+              <a:t>;; initially all the nodes are new</a:t>
+            </a:r>
+            <a:r>
+              <a:rPr lang="en-US" sz="2800" dirty="0" smtClean="0"/>
+              <a:t>.</a:t>
+            </a:r>
+          </a:p>
+          <a:p>
+            <a:pPr>
+              <a:spcBef>
+                <a:spcPts val="0"/>
+              </a:spcBef>
+            </a:pPr>
+            <a:endParaRPr lang="en-US" sz="2800" dirty="0"/>
+          </a:p>
+          <a:p>
+            <a:pPr>
+              <a:spcBef>
+                <a:spcPts val="0"/>
+              </a:spcBef>
+            </a:pPr>
+            <a:r>
+              <a:rPr lang="en-US" sz="2800" dirty="0" smtClean="0"/>
+              <a:t>;; STRATEGY: Call more general function</a:t>
+            </a:r>
+            <a:endParaRPr lang="en-US" sz="2800" dirty="0" smtClean="0"/>
           </a:p>
           <a:p>
             <a:pPr>
@@ -16210,8 +16267,13 @@
           <a:p>
             <a:r>
               <a:rPr lang="en-US" sz="2400" dirty="0" smtClean="0"/>
-              <a:t>;; STRATEGY: function composition</a:t>
-            </a:r>
+              <a:t>;; STRATEGY: </a:t>
+            </a:r>
+            <a:r>
+              <a:rPr lang="en-US" sz="2400" dirty="0" smtClean="0"/>
+              <a:t>call more general function</a:t>
+            </a:r>
+            <a:endParaRPr lang="en-US" sz="2400" dirty="0" smtClean="0"/>
           </a:p>
           <a:p>
             <a:r>
@@ -16515,13 +16577,53 @@
           <a:p>
             <a:r>
               <a:rPr lang="en-US" dirty="0"/>
-              <a:t>       ;; STRATEGY: general recursion</a:t>
-            </a:r>
-          </a:p>
-          <a:p>
+              <a:t>       ;; STRATEGY: </a:t>
+            </a:r>
             <a:r>
               <a:rPr lang="en-US" dirty="0"/>
-              <a:t>       ;; HALTING MEASURE: the number of graph nodes _not_ in 'nodes'</a:t>
+              <a:t> recur on successors of newest; </a:t>
+            </a:r>
+            <a:r>
+              <a:rPr lang="en-US" dirty="0">
+                <a:solidFill>
+                  <a:srgbClr val="FF0000"/>
+                </a:solidFill>
+              </a:rPr>
+              <a:t>halt when </a:t>
+            </a:r>
+            <a:r>
+              <a:rPr lang="en-US" dirty="0" err="1">
+                <a:solidFill>
+                  <a:srgbClr val="FF0000"/>
+                </a:solidFill>
+              </a:rPr>
+              <a:t>tgt</a:t>
+            </a:r>
+            <a:r>
+              <a:rPr lang="en-US" dirty="0">
+                <a:solidFill>
+                  <a:srgbClr val="FF0000"/>
+                </a:solidFill>
+              </a:rPr>
+              <a:t> </a:t>
+            </a:r>
+            <a:r>
+              <a:rPr lang="en-US" dirty="0" smtClean="0">
+                <a:solidFill>
+                  <a:srgbClr val="FF0000"/>
+                </a:solidFill>
+              </a:rPr>
+              <a:t>is found.</a:t>
+            </a:r>
+          </a:p>
+          <a:p>
+            <a:r>
+              <a:rPr lang="en-US" dirty="0" smtClean="0"/>
+              <a:t>       </a:t>
+            </a:r>
+            <a:r>
+              <a:rPr lang="en-US" dirty="0"/>
+              <a:t>;; HALTING MEASURE: the number of graph nodes _not_ in 'nodes'</a:t>
             </a:r>
           </a:p>
           <a:p>
@@ -20048,11 +20150,7 @@
           <a:p>
             <a:r>
               <a:rPr lang="en-US" dirty="0" smtClean="0"/>
-              <a:t>We </a:t>
-            </a:r>
-            <a:r>
-              <a:rPr lang="en-US" dirty="0" smtClean="0"/>
-              <a:t>used list abstractions to make our program easier to write</a:t>
+              <a:t>We used list abstractions to make our program easier to write</a:t>
             </a:r>
           </a:p>
         </p:txBody>
@@ -20450,11 +20548,7 @@
             </a:r>
             <a:r>
               <a:rPr lang="en-US" dirty="0" smtClean="0"/>
-              <a:t>each edge has a direction.  We will indicate the direction with an </a:t>
-            </a:r>
-            <a:r>
-              <a:rPr lang="en-US" dirty="0" smtClean="0"/>
-              <a:t>arrow.</a:t>
+              <a:t>each edge has a direction.  We will indicate the direction with an arrow.</a:t>
             </a:r>
             <a:endParaRPr lang="en-US" dirty="0"/>
           </a:p>
@@ -22490,11 +22584,7 @@
             </a:r>
             <a:r>
               <a:rPr lang="en-US" dirty="0" smtClean="0"/>
-              <a:t> </a:t>
-            </a:r>
-            <a:r>
-              <a:rPr lang="en-US" dirty="0" smtClean="0"/>
-              <a:t>of a set of nodes</a:t>
+              <a:t> of a set of nodes</a:t>
             </a:r>
             <a:endParaRPr lang="en-US" dirty="0"/>
           </a:p>

--- a/Slides/Lesson 8.4 Searching in a Graph.pptx
+++ b/Slides/Lesson 8.4 Searching in a Graph.pptx
@@ -261,7 +261,7 @@
             <a:fld id="{CF8F25F6-E1EF-4065-8525-42EDEBD9BD22}" type="datetimeFigureOut">
               <a:rPr lang="en-US" smtClean="0"/>
               <a:pPr/>
-              <a:t>10/16/2015</a:t>
+              <a:t>10/19/2015</a:t>
             </a:fld>
             <a:endParaRPr lang="en-US"/>
           </a:p>
@@ -1310,7 +1310,7 @@
           <a:p>
             <a:fld id="{2F1F79F5-7BEC-496A-AFC7-876E38F64D71}" type="datetime1">
               <a:rPr lang="en-US" smtClean="0"/>
-              <a:t>10/16/2015</a:t>
+              <a:t>10/19/2015</a:t>
             </a:fld>
             <a:endParaRPr lang="en-US"/>
           </a:p>
@@ -1412,7 +1412,7 @@
           <a:p>
             <a:fld id="{0A05703A-7669-4FEA-9056-25299B4D29D4}" type="datetime1">
               <a:rPr lang="en-US" smtClean="0"/>
-              <a:t>10/16/2015</a:t>
+              <a:t>10/19/2015</a:t>
             </a:fld>
             <a:endParaRPr lang="en-US"/>
           </a:p>
@@ -1689,7 +1689,7 @@
           <a:p>
             <a:fld id="{6E5077B5-BB57-49DB-88CA-226A139E5C01}" type="datetime1">
               <a:rPr lang="en-US" smtClean="0"/>
-              <a:t>10/16/2015</a:t>
+              <a:t>10/19/2015</a:t>
             </a:fld>
             <a:endParaRPr lang="en-US"/>
           </a:p>
@@ -1942,7 +1942,7 @@
           <a:p>
             <a:fld id="{C48D9447-CBD6-49A1-89FD-8512A8CF8999}" type="datetime1">
               <a:rPr lang="en-US" smtClean="0"/>
-              <a:t>10/16/2015</a:t>
+              <a:t>10/19/2015</a:t>
             </a:fld>
             <a:endParaRPr lang="en-US"/>
           </a:p>
@@ -2112,7 +2112,7 @@
           <a:p>
             <a:fld id="{A3639A2A-823D-48B7-9ACE-7FAF42870BA9}" type="datetime1">
               <a:rPr lang="en-US" smtClean="0"/>
-              <a:t>10/16/2015</a:t>
+              <a:t>10/19/2015</a:t>
             </a:fld>
             <a:endParaRPr lang="en-US"/>
           </a:p>
@@ -2292,7 +2292,7 @@
           <a:p>
             <a:fld id="{ED1B6996-82E9-463C-972C-7B56056E426C}" type="datetime1">
               <a:rPr lang="en-US" smtClean="0"/>
-              <a:t>10/16/2015</a:t>
+              <a:t>10/19/2015</a:t>
             </a:fld>
             <a:endParaRPr lang="en-US"/>
           </a:p>
@@ -2468,7 +2468,7 @@
           <a:p>
             <a:fld id="{E22ED4DA-448D-4BB1-B935-CC112220207B}" type="datetime1">
               <a:rPr lang="en-US" smtClean="0"/>
-              <a:t>10/16/2015</a:t>
+              <a:t>10/19/2015</a:t>
             </a:fld>
             <a:endParaRPr lang="en-US"/>
           </a:p>
@@ -2650,7 +2650,7 @@
           <a:p>
             <a:fld id="{E22ED4DA-448D-4BB1-B935-CC112220207B}" type="datetime1">
               <a:rPr lang="en-US" smtClean="0"/>
-              <a:t>10/16/2015</a:t>
+              <a:t>10/19/2015</a:t>
             </a:fld>
             <a:endParaRPr lang="en-US"/>
           </a:p>
@@ -2919,7 +2919,7 @@
           <a:p>
             <a:fld id="{FF5D65A6-AB94-4435-B0B7-3743215FA46C}" type="datetime1">
               <a:rPr lang="en-US" smtClean="0"/>
-              <a:t>10/16/2015</a:t>
+              <a:t>10/19/2015</a:t>
             </a:fld>
             <a:endParaRPr lang="en-US"/>
           </a:p>
@@ -3104,7 +3104,7 @@
           <a:p>
             <a:fld id="{FF5D65A6-AB94-4435-B0B7-3743215FA46C}" type="datetime1">
               <a:rPr lang="en-US" smtClean="0"/>
-              <a:t>10/16/2015</a:t>
+              <a:t>10/19/2015</a:t>
             </a:fld>
             <a:endParaRPr lang="en-US"/>
           </a:p>
@@ -3406,7 +3406,7 @@
           <a:p>
             <a:fld id="{7C193DC4-6EF0-48C9-B29C-616106A645E1}" type="datetime1">
               <a:rPr lang="en-US" smtClean="0"/>
-              <a:t>10/16/2015</a:t>
+              <a:t>10/19/2015</a:t>
             </a:fld>
             <a:endParaRPr lang="en-US"/>
           </a:p>
@@ -3694,7 +3694,7 @@
           <a:p>
             <a:fld id="{5D1846AD-9252-4647-9435-4C2AC365653A}" type="datetime1">
               <a:rPr lang="en-US" smtClean="0"/>
-              <a:t>10/16/2015</a:t>
+              <a:t>10/19/2015</a:t>
             </a:fld>
             <a:endParaRPr lang="en-US"/>
           </a:p>
@@ -4116,7 +4116,7 @@
           <a:p>
             <a:fld id="{CE56DC10-3561-4063-A6AF-C1CC7A41040A}" type="datetime1">
               <a:rPr lang="en-US" smtClean="0"/>
-              <a:t>10/16/2015</a:t>
+              <a:t>10/19/2015</a:t>
             </a:fld>
             <a:endParaRPr lang="en-US"/>
           </a:p>
@@ -4234,7 +4234,7 @@
           <a:p>
             <a:fld id="{2F7B77F5-1464-4F6B-92A8-64FC8A508293}" type="datetime1">
               <a:rPr lang="en-US" smtClean="0"/>
-              <a:t>10/16/2015</a:t>
+              <a:t>10/19/2015</a:t>
             </a:fld>
             <a:endParaRPr lang="en-US"/>
           </a:p>
@@ -4466,7 +4466,7 @@
           <a:p>
             <a:fld id="{02B3F677-983B-48DB-ADFD-63FE6CBC7FB2}" type="datetime1">
               <a:rPr lang="en-US" smtClean="0"/>
-              <a:t>10/16/2015</a:t>
+              <a:t>10/19/2015</a:t>
             </a:fld>
             <a:endParaRPr lang="en-US"/>
           </a:p>
@@ -11073,11 +11073,7 @@
           <a:p>
             <a:r>
               <a:rPr lang="en-US" dirty="0" smtClean="0"/>
-              <a:t>;; </a:t>
-            </a:r>
-            <a:r>
-              <a:rPr lang="en-US" dirty="0" smtClean="0"/>
-              <a:t>HALTING MEASURE: </a:t>
+              <a:t>;; HALTING MEASURE: </a:t>
             </a:r>
           </a:p>
           <a:p>
@@ -15578,11 +15574,7 @@
           <a:p>
             <a:r>
               <a:rPr lang="en-US" sz="1200" dirty="0" smtClean="0"/>
-              <a:t>(</a:t>
-            </a:r>
-            <a:r>
-              <a:rPr lang="en-US" sz="1200" dirty="0" smtClean="0"/>
-              <a:t>define (reachables1 nodes newest graph)</a:t>
+              <a:t>(define (reachables1 nodes newest graph)</a:t>
             </a:r>
           </a:p>
           <a:p>
@@ -15888,11 +15880,7 @@
             </a:pPr>
             <a:r>
               <a:rPr lang="en-US" sz="2800" dirty="0" smtClean="0"/>
-              <a:t>;; initially all the nodes are new</a:t>
-            </a:r>
-            <a:r>
-              <a:rPr lang="en-US" sz="2800" dirty="0" smtClean="0"/>
-              <a:t>.</a:t>
+              <a:t>;; initially all the nodes are new.</a:t>
             </a:r>
           </a:p>
           <a:p>
@@ -15913,7 +15901,6 @@
               <a:rPr lang="en-US" sz="2800" dirty="0" smtClean="0"/>
               <a:t>;; STRATEGY: Call more general function</a:t>
             </a:r>
-            <a:endParaRPr lang="en-US" sz="2800" dirty="0" smtClean="0"/>
           </a:p>
           <a:p>
             <a:pPr>
@@ -16267,13 +16254,8 @@
           <a:p>
             <a:r>
               <a:rPr lang="en-US" sz="2400" dirty="0" smtClean="0"/>
-              <a:t>;; STRATEGY: </a:t>
-            </a:r>
-            <a:r>
-              <a:rPr lang="en-US" sz="2400" dirty="0" smtClean="0"/>
-              <a:t>call more general function</a:t>
-            </a:r>
-            <a:endParaRPr lang="en-US" sz="2400" dirty="0" smtClean="0"/>
+              <a:t>;; STRATEGY: call more general function</a:t>
+            </a:r>
           </a:p>
           <a:p>
             <a:r>
@@ -16577,11 +16559,7 @@
           <a:p>
             <a:r>
               <a:rPr lang="en-US" dirty="0"/>
-              <a:t>       ;; STRATEGY: </a:t>
-            </a:r>
-            <a:r>
-              <a:rPr lang="en-US" dirty="0"/>
-              <a:t> recur on successors of newest; </a:t>
+              <a:t>       ;; STRATEGY:  recur on successors of newest; </a:t>
             </a:r>
             <a:r>
               <a:rPr lang="en-US" dirty="0">
@@ -20410,7 +20388,21 @@
           <a:p>
             <a:r>
               <a:rPr lang="en-US" dirty="0" smtClean="0"/>
-              <a:t>If you have questions about this lesson, ask them on the Discussion Board</a:t>
+              <a:t>Study 03-5-reachability.rkt in the </a:t>
+            </a:r>
+            <a:r>
+              <a:rPr lang="en-US" smtClean="0"/>
+              <a:t>Examples folder.</a:t>
+            </a:r>
+          </a:p>
+          <a:p>
+            <a:r>
+              <a:rPr lang="en-US" dirty="0" smtClean="0"/>
+              <a:t>If </a:t>
+            </a:r>
+            <a:r>
+              <a:rPr lang="en-US" dirty="0" smtClean="0"/>
+              <a:t>you have questions about this lesson, ask them on the Discussion Board</a:t>
             </a:r>
           </a:p>
           <a:p>

--- a/Slides/Lesson 8.4 Searching in a Graph.pptx
+++ b/Slides/Lesson 8.4 Searching in a Graph.pptx
@@ -261,7 +261,7 @@
             <a:fld id="{CF8F25F6-E1EF-4065-8525-42EDEBD9BD22}" type="datetimeFigureOut">
               <a:rPr lang="en-US" smtClean="0"/>
               <a:pPr/>
-              <a:t>10/19/2015</a:t>
+              <a:t>10/26/2015</a:t>
             </a:fld>
             <a:endParaRPr lang="en-US"/>
           </a:p>
@@ -1310,7 +1310,7 @@
           <a:p>
             <a:fld id="{2F1F79F5-7BEC-496A-AFC7-876E38F64D71}" type="datetime1">
               <a:rPr lang="en-US" smtClean="0"/>
-              <a:t>10/19/2015</a:t>
+              <a:t>10/26/2015</a:t>
             </a:fld>
             <a:endParaRPr lang="en-US"/>
           </a:p>
@@ -1412,7 +1412,7 @@
           <a:p>
             <a:fld id="{0A05703A-7669-4FEA-9056-25299B4D29D4}" type="datetime1">
               <a:rPr lang="en-US" smtClean="0"/>
-              <a:t>10/19/2015</a:t>
+              <a:t>10/26/2015</a:t>
             </a:fld>
             <a:endParaRPr lang="en-US"/>
           </a:p>
@@ -1689,7 +1689,7 @@
           <a:p>
             <a:fld id="{6E5077B5-BB57-49DB-88CA-226A139E5C01}" type="datetime1">
               <a:rPr lang="en-US" smtClean="0"/>
-              <a:t>10/19/2015</a:t>
+              <a:t>10/26/2015</a:t>
             </a:fld>
             <a:endParaRPr lang="en-US"/>
           </a:p>
@@ -1942,7 +1942,7 @@
           <a:p>
             <a:fld id="{C48D9447-CBD6-49A1-89FD-8512A8CF8999}" type="datetime1">
               <a:rPr lang="en-US" smtClean="0"/>
-              <a:t>10/19/2015</a:t>
+              <a:t>10/26/2015</a:t>
             </a:fld>
             <a:endParaRPr lang="en-US"/>
           </a:p>
@@ -2112,7 +2112,7 @@
           <a:p>
             <a:fld id="{A3639A2A-823D-48B7-9ACE-7FAF42870BA9}" type="datetime1">
               <a:rPr lang="en-US" smtClean="0"/>
-              <a:t>10/19/2015</a:t>
+              <a:t>10/26/2015</a:t>
             </a:fld>
             <a:endParaRPr lang="en-US"/>
           </a:p>
@@ -2292,7 +2292,7 @@
           <a:p>
             <a:fld id="{ED1B6996-82E9-463C-972C-7B56056E426C}" type="datetime1">
               <a:rPr lang="en-US" smtClean="0"/>
-              <a:t>10/19/2015</a:t>
+              <a:t>10/26/2015</a:t>
             </a:fld>
             <a:endParaRPr lang="en-US"/>
           </a:p>
@@ -2468,7 +2468,7 @@
           <a:p>
             <a:fld id="{E22ED4DA-448D-4BB1-B935-CC112220207B}" type="datetime1">
               <a:rPr lang="en-US" smtClean="0"/>
-              <a:t>10/19/2015</a:t>
+              <a:t>10/26/2015</a:t>
             </a:fld>
             <a:endParaRPr lang="en-US"/>
           </a:p>
@@ -2650,7 +2650,7 @@
           <a:p>
             <a:fld id="{E22ED4DA-448D-4BB1-B935-CC112220207B}" type="datetime1">
               <a:rPr lang="en-US" smtClean="0"/>
-              <a:t>10/19/2015</a:t>
+              <a:t>10/26/2015</a:t>
             </a:fld>
             <a:endParaRPr lang="en-US"/>
           </a:p>
@@ -2919,7 +2919,7 @@
           <a:p>
             <a:fld id="{FF5D65A6-AB94-4435-B0B7-3743215FA46C}" type="datetime1">
               <a:rPr lang="en-US" smtClean="0"/>
-              <a:t>10/19/2015</a:t>
+              <a:t>10/26/2015</a:t>
             </a:fld>
             <a:endParaRPr lang="en-US"/>
           </a:p>
@@ -3104,7 +3104,7 @@
           <a:p>
             <a:fld id="{FF5D65A6-AB94-4435-B0B7-3743215FA46C}" type="datetime1">
               <a:rPr lang="en-US" smtClean="0"/>
-              <a:t>10/19/2015</a:t>
+              <a:t>10/26/2015</a:t>
             </a:fld>
             <a:endParaRPr lang="en-US"/>
           </a:p>
@@ -3406,7 +3406,7 @@
           <a:p>
             <a:fld id="{7C193DC4-6EF0-48C9-B29C-616106A645E1}" type="datetime1">
               <a:rPr lang="en-US" smtClean="0"/>
-              <a:t>10/19/2015</a:t>
+              <a:t>10/26/2015</a:t>
             </a:fld>
             <a:endParaRPr lang="en-US"/>
           </a:p>
@@ -3694,7 +3694,7 @@
           <a:p>
             <a:fld id="{5D1846AD-9252-4647-9435-4C2AC365653A}" type="datetime1">
               <a:rPr lang="en-US" smtClean="0"/>
-              <a:t>10/19/2015</a:t>
+              <a:t>10/26/2015</a:t>
             </a:fld>
             <a:endParaRPr lang="en-US"/>
           </a:p>
@@ -4116,7 +4116,7 @@
           <a:p>
             <a:fld id="{CE56DC10-3561-4063-A6AF-C1CC7A41040A}" type="datetime1">
               <a:rPr lang="en-US" smtClean="0"/>
-              <a:t>10/19/2015</a:t>
+              <a:t>10/26/2015</a:t>
             </a:fld>
             <a:endParaRPr lang="en-US"/>
           </a:p>
@@ -4234,7 +4234,7 @@
           <a:p>
             <a:fld id="{2F7B77F5-1464-4F6B-92A8-64FC8A508293}" type="datetime1">
               <a:rPr lang="en-US" smtClean="0"/>
-              <a:t>10/19/2015</a:t>
+              <a:t>10/26/2015</a:t>
             </a:fld>
             <a:endParaRPr lang="en-US"/>
           </a:p>
@@ -4466,7 +4466,7 @@
           <a:p>
             <a:fld id="{02B3F677-983B-48DB-ADFD-63FE6CBC7FB2}" type="datetime1">
               <a:rPr lang="en-US" smtClean="0"/>
-              <a:t>10/19/2015</a:t>
+              <a:t>10/26/2015</a:t>
             </a:fld>
             <a:endParaRPr lang="en-US"/>
           </a:p>
@@ -5063,8 +5063,9 @@
               </a:r>
               <a:r>
                 <a:rPr lang="en-US" sz="1000" dirty="0" smtClean="0"/>
-                <a:t>2012-2014</a:t>
+                <a:t>2012-2015</a:t>
               </a:r>
+              <a:endParaRPr lang="en-US" sz="1000" dirty="0" smtClean="0"/>
             </a:p>
             <a:p>
               <a:r>
@@ -18337,13 +18338,21 @@
           <a:p>
             <a:r>
               <a:rPr lang="en-US" dirty="0" smtClean="0"/>
-              <a:t>Just define a successors function, and  then define all-successors by HOFC</a:t>
-            </a:r>
-          </a:p>
-          <a:p>
+              <a:t>Just define a </a:t>
+            </a:r>
             <a:r>
               <a:rPr lang="en-US" dirty="0" smtClean="0"/>
-              <a:t>Good thing to do if your graph is very large– e.g. Rubik’s cube. </a:t>
+              <a:t>successors function from scratch, and then define all-successors using a HOF.</a:t>
+            </a:r>
+          </a:p>
+          <a:p>
+            <a:r>
+              <a:rPr lang="en-US" dirty="0" smtClean="0"/>
+              <a:t>Good </a:t>
+            </a:r>
+            <a:r>
+              <a:rPr lang="en-US" dirty="0" smtClean="0"/>
+              <a:t>thing to do if your graph is very large– e.g. Rubik’s cube. </a:t>
             </a:r>
           </a:p>
         </p:txBody>
@@ -18641,7 +18650,11 @@
           <a:p>
             <a:r>
               <a:rPr lang="en-US" dirty="0" smtClean="0"/>
-              <a:t>From Examples/08-4-implicit-graphs.rkt</a:t>
+              <a:t>From </a:t>
+            </a:r>
+            <a:r>
+              <a:rPr lang="en-US" dirty="0" smtClean="0"/>
+              <a:t>Examples/08-5a-implicit-graphs.rkt</a:t>
             </a:r>
             <a:endParaRPr lang="en-US" dirty="0"/>
           </a:p>
@@ -19925,8 +19938,27 @@
           <a:p>
             <a:r>
               <a:rPr lang="en-US" sz="2800" dirty="0"/>
-              <a:t>;; RETURNS: the set of all their successors in our implicit graph</a:t>
-            </a:r>
+              <a:t>;; RETURNS: the set of all their successors in our implicit </a:t>
+            </a:r>
+            <a:r>
+              <a:rPr lang="en-US" sz="2800" dirty="0" smtClean="0"/>
+              <a:t>graph</a:t>
+            </a:r>
+          </a:p>
+          <a:p>
+            <a:r>
+              <a:rPr lang="en-US" sz="2800" dirty="0" smtClean="0"/>
+              <a:t>;; STRATEGY: Use HOFs map, then </a:t>
+            </a:r>
+            <a:r>
+              <a:rPr lang="en-US" sz="2800" dirty="0" err="1" smtClean="0"/>
+              <a:t>unionall</a:t>
+            </a:r>
+            <a:r>
+              <a:rPr lang="en-US" sz="2800" dirty="0" smtClean="0"/>
+              <a:t>.</a:t>
+            </a:r>
+            <a:endParaRPr lang="en-US" sz="2800" dirty="0"/>
           </a:p>
           <a:p>
             <a:r>
@@ -20387,27 +20419,31 @@
           <a:lstStyle/>
           <a:p>
             <a:r>
+              <a:rPr lang="en-US" dirty="0"/>
+              <a:t>Study </a:t>
+            </a:r>
+            <a:r>
               <a:rPr lang="en-US" dirty="0" smtClean="0"/>
-              <a:t>Study 03-5-reachability.rkt in the </a:t>
+              <a:t>08-5-reachability.rkt </a:t>
             </a:r>
             <a:r>
               <a:rPr lang="en-US" smtClean="0"/>
-              <a:t>Examples folder.</a:t>
-            </a:r>
-          </a:p>
-          <a:p>
-            <a:r>
-              <a:rPr lang="en-US" dirty="0" smtClean="0"/>
-              <a:t>If </a:t>
-            </a:r>
-            <a:r>
-              <a:rPr lang="en-US" dirty="0" smtClean="0"/>
-              <a:t>you have questions about this lesson, ask them on the Discussion Board</a:t>
-            </a:r>
-          </a:p>
-          <a:p>
-            <a:r>
-              <a:rPr lang="en-US" dirty="0" smtClean="0"/>
+              <a:t>and 08-5a-implicit-graphs.rkt </a:t>
+            </a:r>
+            <a:r>
+              <a:rPr lang="en-US" dirty="0"/>
+              <a:t>in the Examples folder.</a:t>
+            </a:r>
+          </a:p>
+          <a:p>
+            <a:r>
+              <a:rPr lang="en-US" dirty="0"/>
+              <a:t>If you have questions about this lesson, ask them on the Discussion Board</a:t>
+            </a:r>
+          </a:p>
+          <a:p>
+            <a:r>
+              <a:rPr lang="en-US" dirty="0"/>
               <a:t>Do Guided Practice 8.4</a:t>
             </a:r>
           </a:p>

--- a/Slides/Lesson 8.4 Searching in a Graph.pptx
+++ b/Slides/Lesson 8.4 Searching in a Graph.pptx
@@ -261,7 +261,7 @@
             <a:fld id="{CF8F25F6-E1EF-4065-8525-42EDEBD9BD22}" type="datetimeFigureOut">
               <a:rPr lang="en-US" smtClean="0"/>
               <a:pPr/>
-              <a:t>10/26/2015</a:t>
+              <a:t>10/31/2015</a:t>
             </a:fld>
             <a:endParaRPr lang="en-US"/>
           </a:p>
@@ -1310,7 +1310,7 @@
           <a:p>
             <a:fld id="{2F1F79F5-7BEC-496A-AFC7-876E38F64D71}" type="datetime1">
               <a:rPr lang="en-US" smtClean="0"/>
-              <a:t>10/26/2015</a:t>
+              <a:t>10/31/2015</a:t>
             </a:fld>
             <a:endParaRPr lang="en-US"/>
           </a:p>
@@ -1412,7 +1412,7 @@
           <a:p>
             <a:fld id="{0A05703A-7669-4FEA-9056-25299B4D29D4}" type="datetime1">
               <a:rPr lang="en-US" smtClean="0"/>
-              <a:t>10/26/2015</a:t>
+              <a:t>10/31/2015</a:t>
             </a:fld>
             <a:endParaRPr lang="en-US"/>
           </a:p>
@@ -1689,7 +1689,7 @@
           <a:p>
             <a:fld id="{6E5077B5-BB57-49DB-88CA-226A139E5C01}" type="datetime1">
               <a:rPr lang="en-US" smtClean="0"/>
-              <a:t>10/26/2015</a:t>
+              <a:t>10/31/2015</a:t>
             </a:fld>
             <a:endParaRPr lang="en-US"/>
           </a:p>
@@ -1942,7 +1942,7 @@
           <a:p>
             <a:fld id="{C48D9447-CBD6-49A1-89FD-8512A8CF8999}" type="datetime1">
               <a:rPr lang="en-US" smtClean="0"/>
-              <a:t>10/26/2015</a:t>
+              <a:t>10/31/2015</a:t>
             </a:fld>
             <a:endParaRPr lang="en-US"/>
           </a:p>
@@ -2112,7 +2112,7 @@
           <a:p>
             <a:fld id="{A3639A2A-823D-48B7-9ACE-7FAF42870BA9}" type="datetime1">
               <a:rPr lang="en-US" smtClean="0"/>
-              <a:t>10/26/2015</a:t>
+              <a:t>10/31/2015</a:t>
             </a:fld>
             <a:endParaRPr lang="en-US"/>
           </a:p>
@@ -2292,7 +2292,7 @@
           <a:p>
             <a:fld id="{ED1B6996-82E9-463C-972C-7B56056E426C}" type="datetime1">
               <a:rPr lang="en-US" smtClean="0"/>
-              <a:t>10/26/2015</a:t>
+              <a:t>10/31/2015</a:t>
             </a:fld>
             <a:endParaRPr lang="en-US"/>
           </a:p>
@@ -2468,7 +2468,7 @@
           <a:p>
             <a:fld id="{E22ED4DA-448D-4BB1-B935-CC112220207B}" type="datetime1">
               <a:rPr lang="en-US" smtClean="0"/>
-              <a:t>10/26/2015</a:t>
+              <a:t>10/31/2015</a:t>
             </a:fld>
             <a:endParaRPr lang="en-US"/>
           </a:p>
@@ -2650,7 +2650,7 @@
           <a:p>
             <a:fld id="{E22ED4DA-448D-4BB1-B935-CC112220207B}" type="datetime1">
               <a:rPr lang="en-US" smtClean="0"/>
-              <a:t>10/26/2015</a:t>
+              <a:t>10/31/2015</a:t>
             </a:fld>
             <a:endParaRPr lang="en-US"/>
           </a:p>
@@ -2919,7 +2919,7 @@
           <a:p>
             <a:fld id="{FF5D65A6-AB94-4435-B0B7-3743215FA46C}" type="datetime1">
               <a:rPr lang="en-US" smtClean="0"/>
-              <a:t>10/26/2015</a:t>
+              <a:t>10/31/2015</a:t>
             </a:fld>
             <a:endParaRPr lang="en-US"/>
           </a:p>
@@ -3104,7 +3104,7 @@
           <a:p>
             <a:fld id="{FF5D65A6-AB94-4435-B0B7-3743215FA46C}" type="datetime1">
               <a:rPr lang="en-US" smtClean="0"/>
-              <a:t>10/26/2015</a:t>
+              <a:t>10/31/2015</a:t>
             </a:fld>
             <a:endParaRPr lang="en-US"/>
           </a:p>
@@ -3406,7 +3406,7 @@
           <a:p>
             <a:fld id="{7C193DC4-6EF0-48C9-B29C-616106A645E1}" type="datetime1">
               <a:rPr lang="en-US" smtClean="0"/>
-              <a:t>10/26/2015</a:t>
+              <a:t>10/31/2015</a:t>
             </a:fld>
             <a:endParaRPr lang="en-US"/>
           </a:p>
@@ -3694,7 +3694,7 @@
           <a:p>
             <a:fld id="{5D1846AD-9252-4647-9435-4C2AC365653A}" type="datetime1">
               <a:rPr lang="en-US" smtClean="0"/>
-              <a:t>10/26/2015</a:t>
+              <a:t>10/31/2015</a:t>
             </a:fld>
             <a:endParaRPr lang="en-US"/>
           </a:p>
@@ -4116,7 +4116,7 @@
           <a:p>
             <a:fld id="{CE56DC10-3561-4063-A6AF-C1CC7A41040A}" type="datetime1">
               <a:rPr lang="en-US" smtClean="0"/>
-              <a:t>10/26/2015</a:t>
+              <a:t>10/31/2015</a:t>
             </a:fld>
             <a:endParaRPr lang="en-US"/>
           </a:p>
@@ -4234,7 +4234,7 @@
           <a:p>
             <a:fld id="{2F7B77F5-1464-4F6B-92A8-64FC8A508293}" type="datetime1">
               <a:rPr lang="en-US" smtClean="0"/>
-              <a:t>10/26/2015</a:t>
+              <a:t>10/31/2015</a:t>
             </a:fld>
             <a:endParaRPr lang="en-US"/>
           </a:p>
@@ -4466,7 +4466,7 @@
           <a:p>
             <a:fld id="{02B3F677-983B-48DB-ADFD-63FE6CBC7FB2}" type="datetime1">
               <a:rPr lang="en-US" smtClean="0"/>
-              <a:t>10/26/2015</a:t>
+              <a:t>10/31/2015</a:t>
             </a:fld>
             <a:endParaRPr lang="en-US"/>
           </a:p>
@@ -5065,7 +5065,6 @@
                 <a:rPr lang="en-US" sz="1000" dirty="0" smtClean="0"/>
                 <a:t>2012-2015</a:t>
               </a:r>
-              <a:endParaRPr lang="en-US" sz="1000" dirty="0" smtClean="0"/>
             </a:p>
             <a:p>
               <a:r>
@@ -18014,7 +18013,15 @@
             <a:pPr lvl="1"/>
             <a:r>
               <a:rPr lang="en-US" dirty="0"/>
-              <a:t>explain what a directed graph is, and it means for one node to be reachable from another</a:t>
+              <a:t>explain what a directed graph is, and </a:t>
+            </a:r>
+            <a:r>
+              <a:rPr lang="en-US" dirty="0" smtClean="0"/>
+              <a:t>what  it </a:t>
+            </a:r>
+            <a:r>
+              <a:rPr lang="en-US" dirty="0"/>
+              <a:t>means for one node to be reachable from another</a:t>
             </a:r>
           </a:p>
           <a:p>
@@ -18338,21 +18345,13 @@
           <a:p>
             <a:r>
               <a:rPr lang="en-US" dirty="0" smtClean="0"/>
-              <a:t>Just define a </a:t>
-            </a:r>
+              <a:t>Just define a successors function from scratch, and then define all-successors using a HOF.</a:t>
+            </a:r>
+          </a:p>
+          <a:p>
             <a:r>
               <a:rPr lang="en-US" dirty="0" smtClean="0"/>
-              <a:t>successors function from scratch, and then define all-successors using a HOF.</a:t>
-            </a:r>
-          </a:p>
-          <a:p>
-            <a:r>
-              <a:rPr lang="en-US" dirty="0" smtClean="0"/>
-              <a:t>Good </a:t>
-            </a:r>
-            <a:r>
-              <a:rPr lang="en-US" dirty="0" smtClean="0"/>
-              <a:t>thing to do if your graph is very large– e.g. Rubik’s cube. </a:t>
+              <a:t>Good thing to do if your graph is very large– e.g. Rubik’s cube. </a:t>
             </a:r>
           </a:p>
         </p:txBody>
@@ -18650,11 +18649,7 @@
           <a:p>
             <a:r>
               <a:rPr lang="en-US" dirty="0" smtClean="0"/>
-              <a:t>From </a:t>
-            </a:r>
-            <a:r>
-              <a:rPr lang="en-US" dirty="0" smtClean="0"/>
-              <a:t>Examples/08-5a-implicit-graphs.rkt</a:t>
+              <a:t>From Examples/08-5a-implicit-graphs.rkt</a:t>
             </a:r>
             <a:endParaRPr lang="en-US" dirty="0"/>
           </a:p>
@@ -20278,7 +20273,19 @@
             <a:pPr lvl="1"/>
             <a:r>
               <a:rPr lang="en-US" dirty="0" smtClean="0"/>
-              <a:t>explain what a directed graph is, and it means for one node to be reachable from another</a:t>
+              <a:t>explain what a directed graph is, </a:t>
+            </a:r>
+            <a:r>
+              <a:rPr lang="en-US" smtClean="0"/>
+              <a:t>and </a:t>
+            </a:r>
+            <a:r>
+              <a:rPr lang="en-US" smtClean="0"/>
+              <a:t>what it </a:t>
+            </a:r>
+            <a:r>
+              <a:rPr lang="en-US" dirty="0" smtClean="0"/>
+              <a:t>means for one node to be reachable from another</a:t>
             </a:r>
           </a:p>
           <a:p>

--- a/Slides/Lesson 8.4 Searching in a Graph.pptx
+++ b/Slides/Lesson 8.4 Searching in a Graph.pptx
@@ -261,7 +261,7 @@
             <a:fld id="{CF8F25F6-E1EF-4065-8525-42EDEBD9BD22}" type="datetimeFigureOut">
               <a:rPr lang="en-US" smtClean="0"/>
               <a:pPr/>
-              <a:t>10/31/2015</a:t>
+              <a:t>11/3/2015</a:t>
             </a:fld>
             <a:endParaRPr lang="en-US"/>
           </a:p>
@@ -1310,7 +1310,7 @@
           <a:p>
             <a:fld id="{2F1F79F5-7BEC-496A-AFC7-876E38F64D71}" type="datetime1">
               <a:rPr lang="en-US" smtClean="0"/>
-              <a:t>10/31/2015</a:t>
+              <a:t>11/3/2015</a:t>
             </a:fld>
             <a:endParaRPr lang="en-US"/>
           </a:p>
@@ -1412,7 +1412,7 @@
           <a:p>
             <a:fld id="{0A05703A-7669-4FEA-9056-25299B4D29D4}" type="datetime1">
               <a:rPr lang="en-US" smtClean="0"/>
-              <a:t>10/31/2015</a:t>
+              <a:t>11/3/2015</a:t>
             </a:fld>
             <a:endParaRPr lang="en-US"/>
           </a:p>
@@ -1689,7 +1689,7 @@
           <a:p>
             <a:fld id="{6E5077B5-BB57-49DB-88CA-226A139E5C01}" type="datetime1">
               <a:rPr lang="en-US" smtClean="0"/>
-              <a:t>10/31/2015</a:t>
+              <a:t>11/3/2015</a:t>
             </a:fld>
             <a:endParaRPr lang="en-US"/>
           </a:p>
@@ -1942,7 +1942,7 @@
           <a:p>
             <a:fld id="{C48D9447-CBD6-49A1-89FD-8512A8CF8999}" type="datetime1">
               <a:rPr lang="en-US" smtClean="0"/>
-              <a:t>10/31/2015</a:t>
+              <a:t>11/3/2015</a:t>
             </a:fld>
             <a:endParaRPr lang="en-US"/>
           </a:p>
@@ -2112,7 +2112,7 @@
           <a:p>
             <a:fld id="{A3639A2A-823D-48B7-9ACE-7FAF42870BA9}" type="datetime1">
               <a:rPr lang="en-US" smtClean="0"/>
-              <a:t>10/31/2015</a:t>
+              <a:t>11/3/2015</a:t>
             </a:fld>
             <a:endParaRPr lang="en-US"/>
           </a:p>
@@ -2292,7 +2292,7 @@
           <a:p>
             <a:fld id="{ED1B6996-82E9-463C-972C-7B56056E426C}" type="datetime1">
               <a:rPr lang="en-US" smtClean="0"/>
-              <a:t>10/31/2015</a:t>
+              <a:t>11/3/2015</a:t>
             </a:fld>
             <a:endParaRPr lang="en-US"/>
           </a:p>
@@ -2468,7 +2468,7 @@
           <a:p>
             <a:fld id="{E22ED4DA-448D-4BB1-B935-CC112220207B}" type="datetime1">
               <a:rPr lang="en-US" smtClean="0"/>
-              <a:t>10/31/2015</a:t>
+              <a:t>11/3/2015</a:t>
             </a:fld>
             <a:endParaRPr lang="en-US"/>
           </a:p>
@@ -2650,7 +2650,7 @@
           <a:p>
             <a:fld id="{E22ED4DA-448D-4BB1-B935-CC112220207B}" type="datetime1">
               <a:rPr lang="en-US" smtClean="0"/>
-              <a:t>10/31/2015</a:t>
+              <a:t>11/3/2015</a:t>
             </a:fld>
             <a:endParaRPr lang="en-US"/>
           </a:p>
@@ -2919,7 +2919,7 @@
           <a:p>
             <a:fld id="{FF5D65A6-AB94-4435-B0B7-3743215FA46C}" type="datetime1">
               <a:rPr lang="en-US" smtClean="0"/>
-              <a:t>10/31/2015</a:t>
+              <a:t>11/3/2015</a:t>
             </a:fld>
             <a:endParaRPr lang="en-US"/>
           </a:p>
@@ -3104,7 +3104,7 @@
           <a:p>
             <a:fld id="{FF5D65A6-AB94-4435-B0B7-3743215FA46C}" type="datetime1">
               <a:rPr lang="en-US" smtClean="0"/>
-              <a:t>10/31/2015</a:t>
+              <a:t>11/3/2015</a:t>
             </a:fld>
             <a:endParaRPr lang="en-US"/>
           </a:p>
@@ -3406,7 +3406,7 @@
           <a:p>
             <a:fld id="{7C193DC4-6EF0-48C9-B29C-616106A645E1}" type="datetime1">
               <a:rPr lang="en-US" smtClean="0"/>
-              <a:t>10/31/2015</a:t>
+              <a:t>11/3/2015</a:t>
             </a:fld>
             <a:endParaRPr lang="en-US"/>
           </a:p>
@@ -3694,7 +3694,7 @@
           <a:p>
             <a:fld id="{5D1846AD-9252-4647-9435-4C2AC365653A}" type="datetime1">
               <a:rPr lang="en-US" smtClean="0"/>
-              <a:t>10/31/2015</a:t>
+              <a:t>11/3/2015</a:t>
             </a:fld>
             <a:endParaRPr lang="en-US"/>
           </a:p>
@@ -4116,7 +4116,7 @@
           <a:p>
             <a:fld id="{CE56DC10-3561-4063-A6AF-C1CC7A41040A}" type="datetime1">
               <a:rPr lang="en-US" smtClean="0"/>
-              <a:t>10/31/2015</a:t>
+              <a:t>11/3/2015</a:t>
             </a:fld>
             <a:endParaRPr lang="en-US"/>
           </a:p>
@@ -4234,7 +4234,7 @@
           <a:p>
             <a:fld id="{2F7B77F5-1464-4F6B-92A8-64FC8A508293}" type="datetime1">
               <a:rPr lang="en-US" smtClean="0"/>
-              <a:t>10/31/2015</a:t>
+              <a:t>11/3/2015</a:t>
             </a:fld>
             <a:endParaRPr lang="en-US"/>
           </a:p>
@@ -4466,7 +4466,7 @@
           <a:p>
             <a:fld id="{02B3F677-983B-48DB-ADFD-63FE6CBC7FB2}" type="datetime1">
               <a:rPr lang="en-US" smtClean="0"/>
-              <a:t>10/31/2015</a:t>
+              <a:t>11/3/2015</a:t>
             </a:fld>
             <a:endParaRPr lang="en-US"/>
           </a:p>
@@ -6890,8 +6890,54 @@
             </a:r>
             <a:r>
               <a:rPr lang="en-US" dirty="0" smtClean="0"/>
-              <a:t> S) is the smallest set of nodes such that (all-successors S) is a subset of S.</a:t>
-            </a:r>
+              <a:t> S) is the smallest set </a:t>
+            </a:r>
+            <a:r>
+              <a:rPr lang="en-US" dirty="0" smtClean="0"/>
+              <a:t>R of </a:t>
+            </a:r>
+            <a:r>
+              <a:rPr lang="en-US" dirty="0" smtClean="0"/>
+              <a:t>nodes such that </a:t>
+            </a:r>
+            <a:endParaRPr lang="en-US" dirty="0" smtClean="0"/>
+          </a:p>
+          <a:p>
+            <a:pPr marL="971550" lvl="1" indent="-514350">
+              <a:buFont typeface="+mj-lt"/>
+              <a:buAutoNum type="arabicPeriod"/>
+            </a:pPr>
+            <a:r>
+              <a:rPr lang="en-US" dirty="0" smtClean="0"/>
+              <a:t>S is a subset of R</a:t>
+            </a:r>
+          </a:p>
+          <a:p>
+            <a:pPr marL="971550" lvl="1" indent="-514350">
+              <a:buFont typeface="+mj-lt"/>
+              <a:buAutoNum type="arabicPeriod"/>
+            </a:pPr>
+            <a:r>
+              <a:rPr lang="en-US" dirty="0" smtClean="0"/>
+              <a:t>(all-successors </a:t>
+            </a:r>
+            <a:r>
+              <a:rPr lang="en-US" dirty="0" smtClean="0"/>
+              <a:t>R</a:t>
+            </a:r>
+            <a:r>
+              <a:rPr lang="en-US" dirty="0" smtClean="0"/>
+              <a:t>) </a:t>
+            </a:r>
+            <a:r>
+              <a:rPr lang="en-US" dirty="0" smtClean="0"/>
+              <a:t>is a subset of </a:t>
+            </a:r>
+            <a:r>
+              <a:rPr lang="en-US" dirty="0" smtClean="0"/>
+              <a:t>R.</a:t>
+            </a:r>
+            <a:endParaRPr lang="en-US" dirty="0" smtClean="0"/>
           </a:p>
           <a:p>
             <a:endParaRPr lang="en-US" dirty="0"/>
@@ -7997,7 +8043,7 @@
         <p:spPr>
           <a:xfrm>
             <a:off x="4990891" y="5257800"/>
-            <a:ext cx="4076909" cy="830997"/>
+            <a:ext cx="4076909" cy="1200329"/>
           </a:xfrm>
           <a:prstGeom prst="rect">
             <a:avLst/>
@@ -8025,7 +8071,11 @@
           <a:p>
             <a:r>
               <a:rPr lang="en-US" sz="2400" dirty="0" smtClean="0"/>
-              <a:t>not closed under successors: more </a:t>
+              <a:t>This R is not </a:t>
+            </a:r>
+            <a:r>
+              <a:rPr lang="en-US" sz="2400" dirty="0" smtClean="0"/>
+              <a:t>closed under successors: more </a:t>
             </a:r>
             <a:r>
               <a:rPr lang="en-US" sz="2400" dirty="0" err="1" smtClean="0"/>
@@ -9635,8 +9685,8 @@
         </p:nvSpPr>
         <p:spPr>
           <a:xfrm>
-            <a:off x="3865516" y="5794569"/>
-            <a:ext cx="5085366" cy="461665"/>
+            <a:off x="4052710" y="5438847"/>
+            <a:ext cx="4668884" cy="1200329"/>
           </a:xfrm>
           <a:prstGeom prst="rect">
             <a:avLst/>
@@ -9657,14 +9707,22 @@
           </a:fontRef>
         </p:style>
         <p:txBody>
-          <a:bodyPr wrap="none" rtlCol="0">
+          <a:bodyPr wrap="square" rtlCol="0">
             <a:spAutoFit/>
           </a:bodyPr>
           <a:lstStyle/>
           <a:p>
             <a:r>
               <a:rPr lang="en-US" sz="2400" dirty="0" smtClean="0"/>
-              <a:t>(</a:t>
+              <a:t>The R contains S as a subset and is closed </a:t>
+            </a:r>
+            <a:r>
+              <a:rPr lang="en-US" sz="2400" dirty="0" smtClean="0"/>
+              <a:t>under </a:t>
+            </a:r>
+            <a:r>
+              <a:rPr lang="en-US" sz="2400" dirty="0" smtClean="0"/>
+              <a:t>successors.  So it is (</a:t>
             </a:r>
             <a:r>
               <a:rPr lang="en-US" sz="2400" dirty="0" err="1" smtClean="0"/>
@@ -9672,7 +9730,7 @@
             </a:r>
             <a:r>
               <a:rPr lang="en-US" sz="2400" dirty="0" smtClean="0"/>
-              <a:t> S): closed under successors</a:t>
+              <a:t> S)</a:t>
             </a:r>
             <a:endParaRPr lang="en-US" sz="2400" dirty="0"/>
           </a:p>
@@ -10519,7 +10577,7 @@
         <p:spPr>
           <a:xfrm>
             <a:off x="6387152" y="4012442"/>
-            <a:ext cx="1308354" cy="1787857"/>
+            <a:ext cx="1308354" cy="1426405"/>
           </a:xfrm>
           <a:custGeom>
             <a:avLst/>
@@ -10667,7 +10725,19 @@
           <a:p>
             <a:r>
               <a:rPr lang="en-US" dirty="0" smtClean="0"/>
-              <a:t>This is called a "closure problem": we want to find the smallest set S which is closed under some operation</a:t>
+              <a:t>This is called a "closure problem": we want to find the smallest set </a:t>
+            </a:r>
+            <a:r>
+              <a:rPr lang="en-US" dirty="0" smtClean="0"/>
+              <a:t>R which contains our starting set S and </a:t>
+            </a:r>
+            <a:r>
+              <a:rPr lang="en-US" dirty="0" smtClean="0"/>
+              <a:t>which </a:t>
+            </a:r>
+            <a:r>
+              <a:rPr lang="en-US" dirty="0" smtClean="0"/>
+              <a:t>is closed under some operation</a:t>
             </a:r>
           </a:p>
           <a:p>
@@ -20277,11 +20347,7 @@
             </a:r>
             <a:r>
               <a:rPr lang="en-US" smtClean="0"/>
-              <a:t>and </a:t>
-            </a:r>
-            <a:r>
-              <a:rPr lang="en-US" smtClean="0"/>
-              <a:t>what it </a:t>
+              <a:t>and what it </a:t>
             </a:r>
             <a:r>
               <a:rPr lang="en-US" dirty="0" smtClean="0"/>

--- a/Slides/Lesson 8.4 Searching in a Graph.pptx
+++ b/Slides/Lesson 8.4 Searching in a Graph.pptx
@@ -261,7 +261,7 @@
             <a:fld id="{CF8F25F6-E1EF-4065-8525-42EDEBD9BD22}" type="datetimeFigureOut">
               <a:rPr lang="en-US" smtClean="0"/>
               <a:pPr/>
-              <a:t>11/3/2015</a:t>
+              <a:t>11/4/2015</a:t>
             </a:fld>
             <a:endParaRPr lang="en-US"/>
           </a:p>
@@ -1310,7 +1310,7 @@
           <a:p>
             <a:fld id="{2F1F79F5-7BEC-496A-AFC7-876E38F64D71}" type="datetime1">
               <a:rPr lang="en-US" smtClean="0"/>
-              <a:t>11/3/2015</a:t>
+              <a:t>11/4/2015</a:t>
             </a:fld>
             <a:endParaRPr lang="en-US"/>
           </a:p>
@@ -1412,7 +1412,7 @@
           <a:p>
             <a:fld id="{0A05703A-7669-4FEA-9056-25299B4D29D4}" type="datetime1">
               <a:rPr lang="en-US" smtClean="0"/>
-              <a:t>11/3/2015</a:t>
+              <a:t>11/4/2015</a:t>
             </a:fld>
             <a:endParaRPr lang="en-US"/>
           </a:p>
@@ -1689,7 +1689,7 @@
           <a:p>
             <a:fld id="{6E5077B5-BB57-49DB-88CA-226A139E5C01}" type="datetime1">
               <a:rPr lang="en-US" smtClean="0"/>
-              <a:t>11/3/2015</a:t>
+              <a:t>11/4/2015</a:t>
             </a:fld>
             <a:endParaRPr lang="en-US"/>
           </a:p>
@@ -1942,7 +1942,7 @@
           <a:p>
             <a:fld id="{C48D9447-CBD6-49A1-89FD-8512A8CF8999}" type="datetime1">
               <a:rPr lang="en-US" smtClean="0"/>
-              <a:t>11/3/2015</a:t>
+              <a:t>11/4/2015</a:t>
             </a:fld>
             <a:endParaRPr lang="en-US"/>
           </a:p>
@@ -2112,7 +2112,7 @@
           <a:p>
             <a:fld id="{A3639A2A-823D-48B7-9ACE-7FAF42870BA9}" type="datetime1">
               <a:rPr lang="en-US" smtClean="0"/>
-              <a:t>11/3/2015</a:t>
+              <a:t>11/4/2015</a:t>
             </a:fld>
             <a:endParaRPr lang="en-US"/>
           </a:p>
@@ -2292,7 +2292,7 @@
           <a:p>
             <a:fld id="{ED1B6996-82E9-463C-972C-7B56056E426C}" type="datetime1">
               <a:rPr lang="en-US" smtClean="0"/>
-              <a:t>11/3/2015</a:t>
+              <a:t>11/4/2015</a:t>
             </a:fld>
             <a:endParaRPr lang="en-US"/>
           </a:p>
@@ -2468,7 +2468,7 @@
           <a:p>
             <a:fld id="{E22ED4DA-448D-4BB1-B935-CC112220207B}" type="datetime1">
               <a:rPr lang="en-US" smtClean="0"/>
-              <a:t>11/3/2015</a:t>
+              <a:t>11/4/2015</a:t>
             </a:fld>
             <a:endParaRPr lang="en-US"/>
           </a:p>
@@ -2650,7 +2650,7 @@
           <a:p>
             <a:fld id="{E22ED4DA-448D-4BB1-B935-CC112220207B}" type="datetime1">
               <a:rPr lang="en-US" smtClean="0"/>
-              <a:t>11/3/2015</a:t>
+              <a:t>11/4/2015</a:t>
             </a:fld>
             <a:endParaRPr lang="en-US"/>
           </a:p>
@@ -2919,7 +2919,7 @@
           <a:p>
             <a:fld id="{FF5D65A6-AB94-4435-B0B7-3743215FA46C}" type="datetime1">
               <a:rPr lang="en-US" smtClean="0"/>
-              <a:t>11/3/2015</a:t>
+              <a:t>11/4/2015</a:t>
             </a:fld>
             <a:endParaRPr lang="en-US"/>
           </a:p>
@@ -3104,7 +3104,7 @@
           <a:p>
             <a:fld id="{FF5D65A6-AB94-4435-B0B7-3743215FA46C}" type="datetime1">
               <a:rPr lang="en-US" smtClean="0"/>
-              <a:t>11/3/2015</a:t>
+              <a:t>11/4/2015</a:t>
             </a:fld>
             <a:endParaRPr lang="en-US"/>
           </a:p>
@@ -3406,7 +3406,7 @@
           <a:p>
             <a:fld id="{7C193DC4-6EF0-48C9-B29C-616106A645E1}" type="datetime1">
               <a:rPr lang="en-US" smtClean="0"/>
-              <a:t>11/3/2015</a:t>
+              <a:t>11/4/2015</a:t>
             </a:fld>
             <a:endParaRPr lang="en-US"/>
           </a:p>
@@ -3694,7 +3694,7 @@
           <a:p>
             <a:fld id="{5D1846AD-9252-4647-9435-4C2AC365653A}" type="datetime1">
               <a:rPr lang="en-US" smtClean="0"/>
-              <a:t>11/3/2015</a:t>
+              <a:t>11/4/2015</a:t>
             </a:fld>
             <a:endParaRPr lang="en-US"/>
           </a:p>
@@ -4116,7 +4116,7 @@
           <a:p>
             <a:fld id="{CE56DC10-3561-4063-A6AF-C1CC7A41040A}" type="datetime1">
               <a:rPr lang="en-US" smtClean="0"/>
-              <a:t>11/3/2015</a:t>
+              <a:t>11/4/2015</a:t>
             </a:fld>
             <a:endParaRPr lang="en-US"/>
           </a:p>
@@ -4234,7 +4234,7 @@
           <a:p>
             <a:fld id="{2F7B77F5-1464-4F6B-92A8-64FC8A508293}" type="datetime1">
               <a:rPr lang="en-US" smtClean="0"/>
-              <a:t>11/3/2015</a:t>
+              <a:t>11/4/2015</a:t>
             </a:fld>
             <a:endParaRPr lang="en-US"/>
           </a:p>
@@ -4466,7 +4466,7 @@
           <a:p>
             <a:fld id="{02B3F677-983B-48DB-ADFD-63FE6CBC7FB2}" type="datetime1">
               <a:rPr lang="en-US" smtClean="0"/>
-              <a:t>11/3/2015</a:t>
+              <a:t>11/4/2015</a:t>
             </a:fld>
             <a:endParaRPr lang="en-US"/>
           </a:p>
@@ -6890,17 +6890,8 @@
             </a:r>
             <a:r>
               <a:rPr lang="en-US" dirty="0" smtClean="0"/>
-              <a:t> S) is the smallest set </a:t>
-            </a:r>
-            <a:r>
-              <a:rPr lang="en-US" dirty="0" smtClean="0"/>
-              <a:t>R of </a:t>
-            </a:r>
-            <a:r>
-              <a:rPr lang="en-US" dirty="0" smtClean="0"/>
-              <a:t>nodes such that </a:t>
-            </a:r>
-            <a:endParaRPr lang="en-US" dirty="0" smtClean="0"/>
+              <a:t> S) is the smallest set R of nodes such that </a:t>
+            </a:r>
           </a:p>
           <a:p>
             <a:pPr marL="971550" lvl="1" indent="-514350">
@@ -6919,25 +6910,8 @@
             </a:pPr>
             <a:r>
               <a:rPr lang="en-US" dirty="0" smtClean="0"/>
-              <a:t>(all-successors </a:t>
-            </a:r>
-            <a:r>
-              <a:rPr lang="en-US" dirty="0" smtClean="0"/>
-              <a:t>R</a:t>
-            </a:r>
-            <a:r>
-              <a:rPr lang="en-US" dirty="0" smtClean="0"/>
-              <a:t>) </a:t>
-            </a:r>
-            <a:r>
-              <a:rPr lang="en-US" dirty="0" smtClean="0"/>
-              <a:t>is a subset of </a:t>
-            </a:r>
-            <a:r>
-              <a:rPr lang="en-US" dirty="0" smtClean="0"/>
-              <a:t>R.</a:t>
-            </a:r>
-            <a:endParaRPr lang="en-US" dirty="0" smtClean="0"/>
+              <a:t>(all-successors R) is a subset of R.</a:t>
+            </a:r>
           </a:p>
           <a:p>
             <a:endParaRPr lang="en-US" dirty="0"/>
@@ -8071,11 +8045,7 @@
           <a:p>
             <a:r>
               <a:rPr lang="en-US" sz="2400" dirty="0" smtClean="0"/>
-              <a:t>This R is not </a:t>
-            </a:r>
-            <a:r>
-              <a:rPr lang="en-US" sz="2400" dirty="0" smtClean="0"/>
-              <a:t>closed under successors: more </a:t>
+              <a:t>This R is not closed under successors: more </a:t>
             </a:r>
             <a:r>
               <a:rPr lang="en-US" sz="2400" dirty="0" err="1" smtClean="0"/>
@@ -9714,15 +9684,7 @@
           <a:p>
             <a:r>
               <a:rPr lang="en-US" sz="2400" dirty="0" smtClean="0"/>
-              <a:t>The R contains S as a subset and is closed </a:t>
-            </a:r>
-            <a:r>
-              <a:rPr lang="en-US" sz="2400" dirty="0" smtClean="0"/>
-              <a:t>under </a:t>
-            </a:r>
-            <a:r>
-              <a:rPr lang="en-US" sz="2400" dirty="0" smtClean="0"/>
-              <a:t>successors.  So it is (</a:t>
+              <a:t>The R contains S as a subset and is closed under successors.  So it is (</a:t>
             </a:r>
             <a:r>
               <a:rPr lang="en-US" sz="2400" dirty="0" err="1" smtClean="0"/>
@@ -10725,19 +10687,7 @@
           <a:p>
             <a:r>
               <a:rPr lang="en-US" dirty="0" smtClean="0"/>
-              <a:t>This is called a "closure problem": we want to find the smallest set </a:t>
-            </a:r>
-            <a:r>
-              <a:rPr lang="en-US" dirty="0" smtClean="0"/>
-              <a:t>R which contains our starting set S and </a:t>
-            </a:r>
-            <a:r>
-              <a:rPr lang="en-US" dirty="0" smtClean="0"/>
-              <a:t>which </a:t>
-            </a:r>
-            <a:r>
-              <a:rPr lang="en-US" dirty="0" smtClean="0"/>
-              <a:t>is closed under some operation</a:t>
+              <a:t>This is called a "closure problem": we want to find the smallest set R which contains our starting set S and which is closed under some operation</a:t>
             </a:r>
           </a:p>
           <a:p>
@@ -15656,8 +15606,13 @@
           <a:p>
             <a:r>
               <a:rPr lang="en-US" sz="1200" dirty="0" smtClean="0"/>
-              <a:t>    ((define candidates (set-minus </a:t>
-            </a:r>
+              <a:t>    ((define candidates </a:t>
+            </a:r>
+            <a:r>
+              <a:rPr lang="en-US" sz="1200" dirty="0" smtClean="0"/>
+              <a:t>(set-diff </a:t>
+            </a:r>
+            <a:endParaRPr lang="en-US" sz="1200" dirty="0" smtClean="0"/>
           </a:p>
           <a:p>
             <a:r>
@@ -18278,7 +18233,11 @@
           <a:p>
             <a:r>
               <a:rPr lang="en-US" sz="2000" dirty="0" smtClean="0"/>
-              <a:t>(define (all-successors-</a:t>
+              <a:t>(define </a:t>
+            </a:r>
+            <a:r>
+              <a:rPr lang="en-US" sz="2000" smtClean="0"/>
+              <a:t>(make-all-successors-</a:t>
             </a:r>
             <a:r>
               <a:rPr lang="en-US" sz="2000" dirty="0" err="1" smtClean="0"/>
@@ -18286,7 +18245,11 @@
             </a:r>
             <a:r>
               <a:rPr lang="en-US" sz="2000" dirty="0" smtClean="0"/>
-              <a:t> g)</a:t>
+              <a:t> </a:t>
+            </a:r>
+            <a:r>
+              <a:rPr lang="en-US" sz="2000" dirty="0" smtClean="0"/>
+              <a:t>g)</a:t>
             </a:r>
           </a:p>
           <a:p>
